--- a/01 Classes/Aula 12 - Algoritmos e Complexidade - Problemas NP Completos e Algoritmos de Aproximação.pptx
+++ b/01 Classes/Aula 12 - Algoritmos e Complexidade - Problemas NP Completos e Algoritmos de Aproximação.pptx
@@ -5,17 +5,18 @@
     <p:sldMasterId id="2147483648" r:id="rId1"/>
   </p:sldMasterIdLst>
   <p:notesMasterIdLst>
-    <p:notesMasterId r:id="rId10"/>
+    <p:notesMasterId r:id="rId11"/>
   </p:notesMasterIdLst>
   <p:sldIdLst>
     <p:sldId id="256" r:id="rId2"/>
     <p:sldId id="291" r:id="rId3"/>
     <p:sldId id="331" r:id="rId4"/>
-    <p:sldId id="333" r:id="rId5"/>
-    <p:sldId id="323" r:id="rId6"/>
-    <p:sldId id="334" r:id="rId7"/>
-    <p:sldId id="337" r:id="rId8"/>
-    <p:sldId id="309" r:id="rId9"/>
+    <p:sldId id="338" r:id="rId5"/>
+    <p:sldId id="333" r:id="rId6"/>
+    <p:sldId id="323" r:id="rId7"/>
+    <p:sldId id="334" r:id="rId8"/>
+    <p:sldId id="337" r:id="rId9"/>
+    <p:sldId id="309" r:id="rId10"/>
   </p:sldIdLst>
   <p:sldSz cx="9144000" cy="5143500" type="screen16x9"/>
   <p:notesSz cx="6858000" cy="9144000"/>
@@ -633,7 +634,13 @@
   <p:cSld>
     <p:spTree>
       <p:nvGrpSpPr>
-        <p:cNvPr id="1" name=""/>
+        <p:cNvPr id="1" name="">
+          <a:extLst>
+            <a:ext uri="{FF2B5EF4-FFF2-40B4-BE49-F238E27FC236}">
+              <a16:creationId xmlns:a16="http://schemas.microsoft.com/office/drawing/2014/main" id="{9C0B1B9A-BBB0-4CAB-78F0-D2CD2DC76A8E}"/>
+            </a:ext>
+          </a:extLst>
+        </p:cNvPr>
         <p:cNvGrpSpPr/>
         <p:nvPr/>
       </p:nvGrpSpPr>
@@ -647,7 +654,13 @@
       </p:grpSpPr>
       <p:sp>
         <p:nvSpPr>
-          <p:cNvPr id="2" name="Espaço Reservado para Imagem de Slide 1"/>
+          <p:cNvPr id="2" name="Espaço Reservado para Imagem de Slide 1">
+            <a:extLst>
+              <a:ext uri="{FF2B5EF4-FFF2-40B4-BE49-F238E27FC236}">
+                <a16:creationId xmlns:a16="http://schemas.microsoft.com/office/drawing/2014/main" id="{6C2EA886-1B1E-665A-C857-64FC95C66028}"/>
+              </a:ext>
+            </a:extLst>
+          </p:cNvPr>
           <p:cNvSpPr>
             <a:spLocks noGrp="1" noRot="1" noChangeAspect="1"/>
           </p:cNvSpPr>
@@ -664,7 +677,13 @@
       </p:sp>
       <p:sp>
         <p:nvSpPr>
-          <p:cNvPr id="3" name="Espaço Reservado para Anotações 2"/>
+          <p:cNvPr id="3" name="Espaço Reservado para Anotações 2">
+            <a:extLst>
+              <a:ext uri="{FF2B5EF4-FFF2-40B4-BE49-F238E27FC236}">
+                <a16:creationId xmlns:a16="http://schemas.microsoft.com/office/drawing/2014/main" id="{3754EC3C-D9CD-C716-69F3-E6BCC72BFD9C}"/>
+              </a:ext>
+            </a:extLst>
+          </p:cNvPr>
           <p:cNvSpPr>
             <a:spLocks noGrp="1"/>
           </p:cNvSpPr>
@@ -684,7 +703,7 @@
     </p:spTree>
     <p:extLst>
       <p:ext uri="{BB962C8B-B14F-4D97-AF65-F5344CB8AC3E}">
-        <p14:creationId xmlns:p14="http://schemas.microsoft.com/office/powerpoint/2010/main" val="585304384"/>
+        <p14:creationId xmlns:p14="http://schemas.microsoft.com/office/powerpoint/2010/main" val="3645254031"/>
       </p:ext>
     </p:extLst>
   </p:cSld>
@@ -750,7 +769,7 @@
     </p:spTree>
     <p:extLst>
       <p:ext uri="{BB962C8B-B14F-4D97-AF65-F5344CB8AC3E}">
-        <p14:creationId xmlns:p14="http://schemas.microsoft.com/office/powerpoint/2010/main" val="2709569597"/>
+        <p14:creationId xmlns:p14="http://schemas.microsoft.com/office/powerpoint/2010/main" val="585304384"/>
       </p:ext>
     </p:extLst>
   </p:cSld>
@@ -816,6 +835,72 @@
     </p:spTree>
     <p:extLst>
       <p:ext uri="{BB962C8B-B14F-4D97-AF65-F5344CB8AC3E}">
+        <p14:creationId xmlns:p14="http://schemas.microsoft.com/office/powerpoint/2010/main" val="2709569597"/>
+      </p:ext>
+    </p:extLst>
+  </p:cSld>
+  <p:clrMapOvr>
+    <a:masterClrMapping/>
+  </p:clrMapOvr>
+</p:notes>
+</file>
+
+<file path=ppt/notesSlides/notesSlide6.xml><?xml version="1.0" encoding="utf-8"?>
+<p:notes xmlns:a="http://schemas.openxmlformats.org/drawingml/2006/main" xmlns:r="http://schemas.openxmlformats.org/officeDocument/2006/relationships" xmlns:p="http://schemas.openxmlformats.org/presentationml/2006/main">
+  <p:cSld>
+    <p:spTree>
+      <p:nvGrpSpPr>
+        <p:cNvPr id="1" name=""/>
+        <p:cNvGrpSpPr/>
+        <p:nvPr/>
+      </p:nvGrpSpPr>
+      <p:grpSpPr>
+        <a:xfrm>
+          <a:off x="0" y="0"/>
+          <a:ext cx="0" cy="0"/>
+          <a:chOff x="0" y="0"/>
+          <a:chExt cx="0" cy="0"/>
+        </a:xfrm>
+      </p:grpSpPr>
+      <p:sp>
+        <p:nvSpPr>
+          <p:cNvPr id="2" name="Espaço Reservado para Imagem de Slide 1"/>
+          <p:cNvSpPr>
+            <a:spLocks noGrp="1" noRot="1" noChangeAspect="1"/>
+          </p:cNvSpPr>
+          <p:nvPr>
+            <p:ph type="sldImg"/>
+          </p:nvPr>
+        </p:nvSpPr>
+        <p:spPr>
+          <a:xfrm>
+            <a:off x="381000" y="685800"/>
+            <a:ext cx="6096000" cy="3429000"/>
+          </a:xfrm>
+        </p:spPr>
+      </p:sp>
+      <p:sp>
+        <p:nvSpPr>
+          <p:cNvPr id="3" name="Espaço Reservado para Anotações 2"/>
+          <p:cNvSpPr>
+            <a:spLocks noGrp="1"/>
+          </p:cNvSpPr>
+          <p:nvPr>
+            <p:ph type="body" idx="1"/>
+          </p:nvPr>
+        </p:nvSpPr>
+        <p:spPr/>
+        <p:txBody>
+          <a:bodyPr/>
+          <a:lstStyle/>
+          <a:p>
+            <a:endParaRPr lang="pt-BR" dirty="0"/>
+          </a:p>
+        </p:txBody>
+      </p:sp>
+    </p:spTree>
+    <p:extLst>
+      <p:ext uri="{BB962C8B-B14F-4D97-AF65-F5344CB8AC3E}">
         <p14:creationId xmlns:p14="http://schemas.microsoft.com/office/powerpoint/2010/main" val="2296249050"/>
       </p:ext>
     </p:extLst>
@@ -826,7 +911,7 @@
 </p:notes>
 </file>
 
-<file path=ppt/notesSlides/notesSlide6.xml><?xml version="1.0" encoding="utf-8"?>
+<file path=ppt/notesSlides/notesSlide7.xml><?xml version="1.0" encoding="utf-8"?>
 <p:notes xmlns:a="http://schemas.openxmlformats.org/drawingml/2006/main" xmlns:r="http://schemas.openxmlformats.org/officeDocument/2006/relationships" xmlns:p="http://schemas.openxmlformats.org/presentationml/2006/main">
   <p:cSld>
     <p:spTree>
@@ -3935,12 +4020,12 @@
               </a:rPr>
             </a:br>
             <a:r>
-              <a:rPr lang="pt-BR" b="1">
+              <a:rPr lang="pt-BR" b="1" dirty="0">
                 <a:solidFill>
                   <a:schemeClr val="bg1"/>
                 </a:solidFill>
               </a:rPr>
-              <a:t>Aula 10</a:t>
+              <a:t>Aula 12</a:t>
             </a:r>
             <a:br>
               <a:rPr lang="pt-BR" b="1" dirty="0">
@@ -3963,7 +4048,22 @@
                   <a:schemeClr val="bg1"/>
                 </a:solidFill>
               </a:rPr>
-              <a:t>Contextualização</a:t>
+              <a:t>Problemas NP Completos e</a:t>
+            </a:r>
+            <a:br>
+              <a:rPr lang="pt-BR" sz="3600" b="1" dirty="0">
+                <a:solidFill>
+                  <a:schemeClr val="bg1"/>
+                </a:solidFill>
+              </a:rPr>
+            </a:br>
+            <a:r>
+              <a:rPr lang="pt-BR" sz="3600" b="1" dirty="0">
+                <a:solidFill>
+                  <a:schemeClr val="bg1"/>
+                </a:solidFill>
+              </a:rPr>
+              <a:t>    Algoritmos de Aproximação</a:t>
             </a:r>
           </a:p>
         </p:txBody>
@@ -4360,7 +4460,23 @@
                   <a:srgbClr val="0070C0"/>
                 </a:solidFill>
               </a:rPr>
-              <a:t>Contextualização</a:t>
+              <a:t>Problemas</a:t>
+            </a:r>
+            <a:r>
+              <a:rPr lang="en-US" b="1" dirty="0">
+                <a:solidFill>
+                  <a:srgbClr val="0070C0"/>
+                </a:solidFill>
+              </a:rPr>
+              <a:t> NP </a:t>
+            </a:r>
+            <a:r>
+              <a:rPr lang="en-US" b="1" dirty="0" err="1">
+                <a:solidFill>
+                  <a:srgbClr val="0070C0"/>
+                </a:solidFill>
+              </a:rPr>
+              <a:t>Completos</a:t>
             </a:r>
             <a:endParaRPr lang="en-US" b="1" dirty="0">
               <a:solidFill>
@@ -4434,7 +4550,13 @@
   <p:cSld>
     <p:spTree>
       <p:nvGrpSpPr>
-        <p:cNvPr id="1" name=""/>
+        <p:cNvPr id="1" name="">
+          <a:extLst>
+            <a:ext uri="{FF2B5EF4-FFF2-40B4-BE49-F238E27FC236}">
+              <a16:creationId xmlns:a16="http://schemas.microsoft.com/office/drawing/2014/main" id="{A2EAFC91-F286-8689-D81E-ED6B9A3CBB81}"/>
+            </a:ext>
+          </a:extLst>
+        </p:cNvPr>
         <p:cNvGrpSpPr/>
         <p:nvPr/>
       </p:nvGrpSpPr>
@@ -4448,7 +4570,13 @@
       </p:grpSpPr>
       <p:sp>
         <p:nvSpPr>
-          <p:cNvPr id="6" name="Title 1"/>
+          <p:cNvPr id="6" name="Title 1">
+            <a:extLst>
+              <a:ext uri="{FF2B5EF4-FFF2-40B4-BE49-F238E27FC236}">
+                <a16:creationId xmlns:a16="http://schemas.microsoft.com/office/drawing/2014/main" id="{1AB1DCCF-8DCE-F7CD-E050-877251C0898C}"/>
+              </a:ext>
+            </a:extLst>
+          </p:cNvPr>
           <p:cNvSpPr>
             <a:spLocks noGrp="1"/>
           </p:cNvSpPr>
@@ -4474,7 +4602,7 @@
                   <a:srgbClr val="0070C0"/>
                 </a:solidFill>
               </a:rPr>
-              <a:t>Leitura</a:t>
+              <a:t>Algoritmos</a:t>
             </a:r>
             <a:r>
               <a:rPr lang="en-US" b="1" dirty="0">
@@ -4482,7 +4610,7 @@
                   <a:srgbClr val="0070C0"/>
                 </a:solidFill>
               </a:rPr>
-              <a:t> </a:t>
+              <a:t> de </a:t>
             </a:r>
             <a:r>
               <a:rPr lang="en-US" b="1" dirty="0" err="1">
@@ -4490,7 +4618,7 @@
                   <a:srgbClr val="0070C0"/>
                 </a:solidFill>
               </a:rPr>
-              <a:t>Específica</a:t>
+              <a:t>Aproximação</a:t>
             </a:r>
             <a:endParaRPr lang="en-US" b="1" dirty="0">
               <a:solidFill>
@@ -4502,7 +4630,13 @@
       </p:sp>
       <p:sp>
         <p:nvSpPr>
-          <p:cNvPr id="8" name="Text Placeholder 2"/>
+          <p:cNvPr id="8" name="Text Placeholder 2">
+            <a:extLst>
+              <a:ext uri="{FF2B5EF4-FFF2-40B4-BE49-F238E27FC236}">
+                <a16:creationId xmlns:a16="http://schemas.microsoft.com/office/drawing/2014/main" id="{5D44AA6D-F8AD-CDEE-C64B-E6F6CDA47302}"/>
+              </a:ext>
+            </a:extLst>
+          </p:cNvPr>
           <p:cNvSpPr>
             <a:spLocks noGrp="1"/>
           </p:cNvSpPr>
@@ -4513,7 +4647,7 @@
         <p:spPr>
           <a:xfrm>
             <a:off x="142865" y="1200150"/>
-            <a:ext cx="8865056" cy="3737369"/>
+            <a:ext cx="8865056" cy="3737370"/>
           </a:xfrm>
         </p:spPr>
         <p:txBody>
@@ -4530,69 +4664,25 @@
                 <a:latin typeface="Times New Roman" panose="02020603050405020304" pitchFamily="18" charset="0"/>
                 <a:cs typeface="Times New Roman" panose="02020603050405020304" pitchFamily="18" charset="0"/>
               </a:rPr>
-              <a:t>[1] Algoritmos e Complexidade – Parte 1.</a:t>
-            </a:r>
-          </a:p>
-          <a:p>
-            <a:pPr marL="0" indent="0" algn="just">
-              <a:buNone/>
-            </a:pPr>
-            <a:r>
-              <a:rPr lang="pt-BR" sz="2000" b="1" dirty="0">
+              <a:t>Algoritmos e Complexidade</a:t>
+            </a:r>
+            <a:r>
+              <a:rPr lang="pt-BR" sz="2000" dirty="0">
                 <a:solidFill>
-                  <a:srgbClr val="FF0000"/>
+                  <a:schemeClr val="tx1"/>
                 </a:solidFill>
                 <a:latin typeface="Times New Roman" panose="02020603050405020304" pitchFamily="18" charset="0"/>
                 <a:cs typeface="Times New Roman" panose="02020603050405020304" pitchFamily="18" charset="0"/>
               </a:rPr>
-              <a:t>Disponível em:</a:t>
-            </a:r>
-          </a:p>
-          <a:p>
-            <a:pPr marL="0" indent="0" algn="just">
-              <a:buNone/>
-            </a:pPr>
-            <a:endParaRPr lang="pt-BR" sz="2000" dirty="0">
-              <a:latin typeface="Times New Roman" panose="02020603050405020304" pitchFamily="18" charset="0"/>
-              <a:cs typeface="Times New Roman" panose="02020603050405020304" pitchFamily="18" charset="0"/>
-            </a:endParaRPr>
-          </a:p>
-          <a:p>
-            <a:pPr marL="0" indent="0" algn="just">
-              <a:buNone/>
-            </a:pPr>
-            <a:r>
-              <a:rPr lang="pt-BR" sz="2000" dirty="0">
-                <a:latin typeface="Times New Roman" panose="02020603050405020304" pitchFamily="18" charset="0"/>
-                <a:cs typeface="Times New Roman" panose="02020603050405020304" pitchFamily="18" charset="0"/>
-              </a:rPr>
-              <a:t>[2] Algoritmos e Complexidade – Parte 2. </a:t>
-            </a:r>
-          </a:p>
-          <a:p>
-            <a:pPr marL="0" indent="0" algn="just">
-              <a:buNone/>
-            </a:pPr>
-            <a:r>
-              <a:rPr lang="pt-BR" sz="2000" b="1" dirty="0">
-                <a:solidFill>
-                  <a:srgbClr val="FF0000"/>
-                </a:solidFill>
-                <a:latin typeface="Times New Roman" panose="02020603050405020304" pitchFamily="18" charset="0"/>
-                <a:cs typeface="Times New Roman" panose="02020603050405020304" pitchFamily="18" charset="0"/>
-              </a:rPr>
-              <a:t>Disponível em:</a:t>
-            </a:r>
-            <a:endParaRPr lang="pt-BR" sz="2000" dirty="0">
-              <a:latin typeface="Calibri" panose="020F0502020204030204" pitchFamily="34" charset="0"/>
-            </a:endParaRPr>
+              <a:t> ...</a:t>
+            </a:r>
           </a:p>
         </p:txBody>
       </p:sp>
     </p:spTree>
     <p:extLst>
       <p:ext uri="{BB962C8B-B14F-4D97-AF65-F5344CB8AC3E}">
-        <p14:creationId xmlns:p14="http://schemas.microsoft.com/office/powerpoint/2010/main" val="3680270425"/>
+        <p14:creationId xmlns:p14="http://schemas.microsoft.com/office/powerpoint/2010/main" val="2071988601"/>
       </p:ext>
     </p:extLst>
   </p:cSld>
@@ -4648,7 +4738,7 @@
                   <a:srgbClr val="0070C0"/>
                 </a:solidFill>
               </a:rPr>
-              <a:t>Aprenda</a:t>
+              <a:t>Leitura</a:t>
             </a:r>
             <a:r>
               <a:rPr lang="en-US" b="1" dirty="0">
@@ -4656,8 +4746,21 @@
                   <a:srgbClr val="0070C0"/>
                 </a:solidFill>
               </a:rPr>
-              <a:t>+</a:t>
-            </a:r>
+              <a:t> </a:t>
+            </a:r>
+            <a:r>
+              <a:rPr lang="en-US" b="1" dirty="0" err="1">
+                <a:solidFill>
+                  <a:srgbClr val="0070C0"/>
+                </a:solidFill>
+              </a:rPr>
+              <a:t>Específica</a:t>
+            </a:r>
+            <a:endParaRPr lang="en-US" b="1" dirty="0">
+              <a:solidFill>
+                <a:srgbClr val="0070C0"/>
+              </a:solidFill>
+            </a:endParaRPr>
           </a:p>
         </p:txBody>
       </p:sp>
@@ -4674,7 +4777,7 @@
         <p:spPr>
           <a:xfrm>
             <a:off x="142865" y="1200150"/>
-            <a:ext cx="8865056" cy="3737370"/>
+            <a:ext cx="8865056" cy="3737369"/>
           </a:xfrm>
         </p:spPr>
         <p:txBody>
@@ -4687,11 +4790,11 @@
               <a:buNone/>
             </a:pPr>
             <a:r>
-              <a:rPr lang="pt-BR" sz="2400" dirty="0">
+              <a:rPr lang="pt-BR" sz="2000" dirty="0">
                 <a:latin typeface="Times New Roman" panose="02020603050405020304" pitchFamily="18" charset="0"/>
                 <a:cs typeface="Times New Roman" panose="02020603050405020304" pitchFamily="18" charset="0"/>
               </a:rPr>
-              <a:t>[1] Algoritmos e Complexidade – Parte 1</a:t>
+              <a:t>[1] Algoritmos e Complexidade – Parte 1.</a:t>
             </a:r>
           </a:p>
           <a:p>
@@ -4699,24 +4802,21 @@
               <a:buNone/>
             </a:pPr>
             <a:r>
-              <a:rPr lang="pt-BR" sz="2400" b="1" dirty="0">
+              <a:rPr lang="pt-BR" sz="2000" b="1" dirty="0">
                 <a:solidFill>
                   <a:srgbClr val="FF0000"/>
                 </a:solidFill>
                 <a:latin typeface="Times New Roman" panose="02020603050405020304" pitchFamily="18" charset="0"/>
                 <a:cs typeface="Times New Roman" panose="02020603050405020304" pitchFamily="18" charset="0"/>
               </a:rPr>
-              <a:t>Disponível em: </a:t>
-            </a:r>
-            <a:r>
-              <a:rPr lang="pt-BR" sz="2400" dirty="0">
-                <a:latin typeface="Times New Roman" panose="02020603050405020304" pitchFamily="18" charset="0"/>
-                <a:cs typeface="Times New Roman" panose="02020603050405020304" pitchFamily="18" charset="0"/>
-                <a:hlinkClick r:id="rId3"/>
-              </a:rPr>
-              <a:t>https://</a:t>
-            </a:r>
-            <a:endParaRPr lang="pt-BR" sz="2400" dirty="0">
+              <a:t>Disponível em:</a:t>
+            </a:r>
+          </a:p>
+          <a:p>
+            <a:pPr marL="0" indent="0" algn="just">
+              <a:buNone/>
+            </a:pPr>
+            <a:endParaRPr lang="pt-BR" sz="2000" dirty="0">
               <a:latin typeface="Times New Roman" panose="02020603050405020304" pitchFamily="18" charset="0"/>
               <a:cs typeface="Times New Roman" panose="02020603050405020304" pitchFamily="18" charset="0"/>
             </a:endParaRPr>
@@ -4725,57 +4825,30 @@
             <a:pPr marL="0" indent="0" algn="just">
               <a:buNone/>
             </a:pPr>
-            <a:endParaRPr lang="pt-BR" sz="2400" dirty="0">
-              <a:latin typeface="Times New Roman" panose="02020603050405020304" pitchFamily="18" charset="0"/>
-              <a:cs typeface="Times New Roman" panose="02020603050405020304" pitchFamily="18" charset="0"/>
-            </a:endParaRPr>
+            <a:r>
+              <a:rPr lang="pt-BR" sz="2000" dirty="0">
+                <a:latin typeface="Times New Roman" panose="02020603050405020304" pitchFamily="18" charset="0"/>
+                <a:cs typeface="Times New Roman" panose="02020603050405020304" pitchFamily="18" charset="0"/>
+              </a:rPr>
+              <a:t>[2] Algoritmos e Complexidade – Parte 2. </a:t>
+            </a:r>
           </a:p>
           <a:p>
             <a:pPr marL="0" indent="0" algn="just">
               <a:buNone/>
             </a:pPr>
             <a:r>
-              <a:rPr lang="pt-BR" sz="2400" dirty="0">
-                <a:latin typeface="Times New Roman" panose="02020603050405020304" pitchFamily="18" charset="0"/>
-                <a:cs typeface="Times New Roman" panose="02020603050405020304" pitchFamily="18" charset="0"/>
-              </a:rPr>
-              <a:t>[2] Algoritmos e Complexidade – Parte 2</a:t>
-            </a:r>
-          </a:p>
-          <a:p>
-            <a:pPr marL="0" indent="0" algn="just">
-              <a:buNone/>
-            </a:pPr>
-            <a:r>
-              <a:rPr lang="pt-BR" sz="2400" b="1" dirty="0">
+              <a:rPr lang="pt-BR" sz="2000" b="1" dirty="0">
                 <a:solidFill>
                   <a:srgbClr val="FF0000"/>
                 </a:solidFill>
                 <a:latin typeface="Times New Roman" panose="02020603050405020304" pitchFamily="18" charset="0"/>
                 <a:cs typeface="Times New Roman" panose="02020603050405020304" pitchFamily="18" charset="0"/>
               </a:rPr>
-              <a:t>Disponível em: </a:t>
-            </a:r>
-            <a:r>
-              <a:rPr lang="pt-BR" sz="2400" dirty="0">
-                <a:latin typeface="Times New Roman" panose="02020603050405020304" pitchFamily="18" charset="0"/>
-                <a:cs typeface="Times New Roman" panose="02020603050405020304" pitchFamily="18" charset="0"/>
-                <a:hlinkClick r:id="rId4"/>
-              </a:rPr>
-              <a:t>https://</a:t>
-            </a:r>
-            <a:endParaRPr lang="pt-BR" sz="2400" dirty="0">
-              <a:latin typeface="Times New Roman" panose="02020603050405020304" pitchFamily="18" charset="0"/>
-              <a:cs typeface="Times New Roman" panose="02020603050405020304" pitchFamily="18" charset="0"/>
-            </a:endParaRPr>
-          </a:p>
-          <a:p>
-            <a:pPr marL="0" indent="0" algn="just">
-              <a:buNone/>
-            </a:pPr>
-            <a:endParaRPr lang="pt-BR" sz="2400" dirty="0">
-              <a:latin typeface="Times New Roman" panose="02020603050405020304" pitchFamily="18" charset="0"/>
-              <a:cs typeface="Times New Roman" panose="02020603050405020304" pitchFamily="18" charset="0"/>
+              <a:t>Disponível em:</a:t>
+            </a:r>
+            <a:endParaRPr lang="pt-BR" sz="2000" dirty="0">
+              <a:latin typeface="Calibri" panose="020F0502020204030204" pitchFamily="34" charset="0"/>
             </a:endParaRPr>
           </a:p>
         </p:txBody>
@@ -4783,7 +4856,7 @@
     </p:spTree>
     <p:extLst>
       <p:ext uri="{BB962C8B-B14F-4D97-AF65-F5344CB8AC3E}">
-        <p14:creationId xmlns:p14="http://schemas.microsoft.com/office/powerpoint/2010/main" val="2747596967"/>
+        <p14:creationId xmlns:p14="http://schemas.microsoft.com/office/powerpoint/2010/main" val="3680270425"/>
       </p:ext>
     </p:extLst>
   </p:cSld>
@@ -4839,7 +4912,7 @@
                   <a:srgbClr val="0070C0"/>
                 </a:solidFill>
               </a:rPr>
-              <a:t>Dinâmica</a:t>
+              <a:t>Aprenda</a:t>
             </a:r>
             <a:r>
               <a:rPr lang="en-US" b="1" dirty="0">
@@ -4847,21 +4920,8 @@
                   <a:srgbClr val="0070C0"/>
                 </a:solidFill>
               </a:rPr>
-              <a:t>/</a:t>
-            </a:r>
-            <a:r>
-              <a:rPr lang="en-US" b="1" dirty="0" err="1">
-                <a:solidFill>
-                  <a:srgbClr val="0070C0"/>
-                </a:solidFill>
-              </a:rPr>
-              <a:t>Atividades</a:t>
-            </a:r>
-            <a:endParaRPr lang="en-US" b="1" dirty="0">
-              <a:solidFill>
-                <a:srgbClr val="0070C0"/>
-              </a:solidFill>
-            </a:endParaRPr>
+              <a:t>+</a:t>
+            </a:r>
           </a:p>
         </p:txBody>
       </p:sp>
@@ -4877,8 +4937,8 @@
         </p:nvSpPr>
         <p:spPr>
           <a:xfrm>
-            <a:off x="139472" y="1063230"/>
-            <a:ext cx="8865056" cy="3606305"/>
+            <a:off x="142865" y="1200150"/>
+            <a:ext cx="8865056" cy="3737370"/>
           </a:xfrm>
         </p:spPr>
         <p:txBody>
@@ -4887,43 +4947,99 @@
           </a:bodyPr>
           <a:lstStyle/>
           <a:p>
-            <a:pPr algn="just">
-              <a:buFont typeface="Wingdings" panose="05000000000000000000" pitchFamily="2" charset="2"/>
-              <a:buChar char="§"/>
-            </a:pPr>
-            <a:r>
-              <a:rPr lang="pt-BR" dirty="0">
-                <a:latin typeface="Times New Roman" panose="02020603050405020304" pitchFamily="18" charset="0"/>
-                <a:cs typeface="Times New Roman" panose="02020603050405020304" pitchFamily="18" charset="0"/>
-              </a:rPr>
-              <a:t>	Exercícios (Atividade Verificadora de Aprendizagem)</a:t>
-            </a:r>
-          </a:p>
-          <a:p>
             <a:pPr marL="0" indent="0" algn="just">
               <a:buNone/>
             </a:pPr>
-            <a:r>
-              <a:rPr lang="pt-BR" dirty="0">
-                <a:latin typeface="Times New Roman" panose="02020603050405020304" pitchFamily="18" charset="0"/>
-                <a:cs typeface="Times New Roman" panose="02020603050405020304" pitchFamily="18" charset="0"/>
-              </a:rPr>
-              <a:t> </a:t>
-            </a:r>
             <a:r>
               <a:rPr lang="pt-BR" sz="2400" dirty="0">
                 <a:latin typeface="Times New Roman" panose="02020603050405020304" pitchFamily="18" charset="0"/>
                 <a:cs typeface="Times New Roman" panose="02020603050405020304" pitchFamily="18" charset="0"/>
               </a:rPr>
-              <a:t>	</a:t>
+              <a:t>[1] Algoritmos e Complexidade – Parte 1</a:t>
             </a:r>
           </a:p>
           <a:p>
             <a:pPr marL="0" indent="0" algn="just">
               <a:buNone/>
             </a:pPr>
-            <a:endParaRPr lang="pt-BR" sz="2000" dirty="0">
-              <a:latin typeface="Calibri" panose="020F0502020204030204" pitchFamily="34" charset="0"/>
+            <a:r>
+              <a:rPr lang="pt-BR" sz="2400" b="1" dirty="0">
+                <a:solidFill>
+                  <a:srgbClr val="FF0000"/>
+                </a:solidFill>
+                <a:latin typeface="Times New Roman" panose="02020603050405020304" pitchFamily="18" charset="0"/>
+                <a:cs typeface="Times New Roman" panose="02020603050405020304" pitchFamily="18" charset="0"/>
+              </a:rPr>
+              <a:t>Disponível em: </a:t>
+            </a:r>
+            <a:r>
+              <a:rPr lang="pt-BR" sz="2400" dirty="0">
+                <a:latin typeface="Times New Roman" panose="02020603050405020304" pitchFamily="18" charset="0"/>
+                <a:cs typeface="Times New Roman" panose="02020603050405020304" pitchFamily="18" charset="0"/>
+                <a:hlinkClick r:id="rId3"/>
+              </a:rPr>
+              <a:t>https://</a:t>
+            </a:r>
+            <a:endParaRPr lang="pt-BR" sz="2400" dirty="0">
+              <a:latin typeface="Times New Roman" panose="02020603050405020304" pitchFamily="18" charset="0"/>
+              <a:cs typeface="Times New Roman" panose="02020603050405020304" pitchFamily="18" charset="0"/>
+            </a:endParaRPr>
+          </a:p>
+          <a:p>
+            <a:pPr marL="0" indent="0" algn="just">
+              <a:buNone/>
+            </a:pPr>
+            <a:endParaRPr lang="pt-BR" sz="2400" dirty="0">
+              <a:latin typeface="Times New Roman" panose="02020603050405020304" pitchFamily="18" charset="0"/>
+              <a:cs typeface="Times New Roman" panose="02020603050405020304" pitchFamily="18" charset="0"/>
+            </a:endParaRPr>
+          </a:p>
+          <a:p>
+            <a:pPr marL="0" indent="0" algn="just">
+              <a:buNone/>
+            </a:pPr>
+            <a:r>
+              <a:rPr lang="pt-BR" sz="2400" dirty="0">
+                <a:latin typeface="Times New Roman" panose="02020603050405020304" pitchFamily="18" charset="0"/>
+                <a:cs typeface="Times New Roman" panose="02020603050405020304" pitchFamily="18" charset="0"/>
+              </a:rPr>
+              <a:t>[2] Algoritmos e Complexidade – Parte 2</a:t>
+            </a:r>
+          </a:p>
+          <a:p>
+            <a:pPr marL="0" indent="0" algn="just">
+              <a:buNone/>
+            </a:pPr>
+            <a:r>
+              <a:rPr lang="pt-BR" sz="2400" b="1" dirty="0">
+                <a:solidFill>
+                  <a:srgbClr val="FF0000"/>
+                </a:solidFill>
+                <a:latin typeface="Times New Roman" panose="02020603050405020304" pitchFamily="18" charset="0"/>
+                <a:cs typeface="Times New Roman" panose="02020603050405020304" pitchFamily="18" charset="0"/>
+              </a:rPr>
+              <a:t>Disponível em: </a:t>
+            </a:r>
+            <a:r>
+              <a:rPr lang="pt-BR" sz="2400" dirty="0">
+                <a:latin typeface="Times New Roman" panose="02020603050405020304" pitchFamily="18" charset="0"/>
+                <a:cs typeface="Times New Roman" panose="02020603050405020304" pitchFamily="18" charset="0"/>
+                <a:hlinkClick r:id="rId4"/>
+              </a:rPr>
+              <a:t>https://</a:t>
+            </a:r>
+            <a:endParaRPr lang="pt-BR" sz="2400" dirty="0">
+              <a:latin typeface="Times New Roman" panose="02020603050405020304" pitchFamily="18" charset="0"/>
+              <a:cs typeface="Times New Roman" panose="02020603050405020304" pitchFamily="18" charset="0"/>
+            </a:endParaRPr>
+          </a:p>
+          <a:p>
+            <a:pPr marL="0" indent="0" algn="just">
+              <a:buNone/>
+            </a:pPr>
+            <a:endParaRPr lang="pt-BR" sz="2400" dirty="0">
+              <a:latin typeface="Times New Roman" panose="02020603050405020304" pitchFamily="18" charset="0"/>
+              <a:cs typeface="Times New Roman" panose="02020603050405020304" pitchFamily="18" charset="0"/>
             </a:endParaRPr>
           </a:p>
         </p:txBody>
@@ -4931,7 +5047,7 @@
     </p:spTree>
     <p:extLst>
       <p:ext uri="{BB962C8B-B14F-4D97-AF65-F5344CB8AC3E}">
-        <p14:creationId xmlns:p14="http://schemas.microsoft.com/office/powerpoint/2010/main" val="2470652989"/>
+        <p14:creationId xmlns:p14="http://schemas.microsoft.com/office/powerpoint/2010/main" val="2747596967"/>
       </p:ext>
     </p:extLst>
   </p:cSld>
@@ -4987,6 +5103,154 @@
                   <a:srgbClr val="0070C0"/>
                 </a:solidFill>
               </a:rPr>
+              <a:t>Dinâmica</a:t>
+            </a:r>
+            <a:r>
+              <a:rPr lang="en-US" b="1" dirty="0">
+                <a:solidFill>
+                  <a:srgbClr val="0070C0"/>
+                </a:solidFill>
+              </a:rPr>
+              <a:t>/</a:t>
+            </a:r>
+            <a:r>
+              <a:rPr lang="en-US" b="1" dirty="0" err="1">
+                <a:solidFill>
+                  <a:srgbClr val="0070C0"/>
+                </a:solidFill>
+              </a:rPr>
+              <a:t>Atividades</a:t>
+            </a:r>
+            <a:endParaRPr lang="en-US" b="1" dirty="0">
+              <a:solidFill>
+                <a:srgbClr val="0070C0"/>
+              </a:solidFill>
+            </a:endParaRPr>
+          </a:p>
+        </p:txBody>
+      </p:sp>
+      <p:sp>
+        <p:nvSpPr>
+          <p:cNvPr id="8" name="Text Placeholder 2"/>
+          <p:cNvSpPr>
+            <a:spLocks noGrp="1"/>
+          </p:cNvSpPr>
+          <p:nvPr>
+            <p:ph type="body" sz="half" idx="1"/>
+          </p:nvPr>
+        </p:nvSpPr>
+        <p:spPr>
+          <a:xfrm>
+            <a:off x="139472" y="1063230"/>
+            <a:ext cx="8865056" cy="3606305"/>
+          </a:xfrm>
+        </p:spPr>
+        <p:txBody>
+          <a:bodyPr>
+            <a:noAutofit/>
+          </a:bodyPr>
+          <a:lstStyle/>
+          <a:p>
+            <a:pPr algn="just">
+              <a:buFont typeface="Wingdings" panose="05000000000000000000" pitchFamily="2" charset="2"/>
+              <a:buChar char="§"/>
+            </a:pPr>
+            <a:r>
+              <a:rPr lang="pt-BR" dirty="0">
+                <a:latin typeface="Times New Roman" panose="02020603050405020304" pitchFamily="18" charset="0"/>
+                <a:cs typeface="Times New Roman" panose="02020603050405020304" pitchFamily="18" charset="0"/>
+              </a:rPr>
+              <a:t>	Exercícios (Atividade Verificadora de Aprendizagem)</a:t>
+            </a:r>
+          </a:p>
+          <a:p>
+            <a:pPr marL="0" indent="0" algn="just">
+              <a:buNone/>
+            </a:pPr>
+            <a:r>
+              <a:rPr lang="pt-BR" dirty="0">
+                <a:latin typeface="Times New Roman" panose="02020603050405020304" pitchFamily="18" charset="0"/>
+                <a:cs typeface="Times New Roman" panose="02020603050405020304" pitchFamily="18" charset="0"/>
+              </a:rPr>
+              <a:t> </a:t>
+            </a:r>
+            <a:r>
+              <a:rPr lang="pt-BR" sz="2400" dirty="0">
+                <a:latin typeface="Times New Roman" panose="02020603050405020304" pitchFamily="18" charset="0"/>
+                <a:cs typeface="Times New Roman" panose="02020603050405020304" pitchFamily="18" charset="0"/>
+              </a:rPr>
+              <a:t>	</a:t>
+            </a:r>
+          </a:p>
+          <a:p>
+            <a:pPr marL="0" indent="0" algn="just">
+              <a:buNone/>
+            </a:pPr>
+            <a:endParaRPr lang="pt-BR" sz="2000" dirty="0">
+              <a:latin typeface="Calibri" panose="020F0502020204030204" pitchFamily="34" charset="0"/>
+            </a:endParaRPr>
+          </a:p>
+        </p:txBody>
+      </p:sp>
+    </p:spTree>
+    <p:extLst>
+      <p:ext uri="{BB962C8B-B14F-4D97-AF65-F5344CB8AC3E}">
+        <p14:creationId xmlns:p14="http://schemas.microsoft.com/office/powerpoint/2010/main" val="2470652989"/>
+      </p:ext>
+    </p:extLst>
+  </p:cSld>
+  <p:clrMapOvr>
+    <a:masterClrMapping/>
+  </p:clrMapOvr>
+  <p:transition spd="med"/>
+</p:sld>
+</file>
+
+<file path=ppt/slides/slide8.xml><?xml version="1.0" encoding="utf-8"?>
+<p:sld xmlns:a="http://schemas.openxmlformats.org/drawingml/2006/main" xmlns:r="http://schemas.openxmlformats.org/officeDocument/2006/relationships" xmlns:p="http://schemas.openxmlformats.org/presentationml/2006/main">
+  <p:cSld>
+    <p:spTree>
+      <p:nvGrpSpPr>
+        <p:cNvPr id="1" name=""/>
+        <p:cNvGrpSpPr/>
+        <p:nvPr/>
+      </p:nvGrpSpPr>
+      <p:grpSpPr>
+        <a:xfrm>
+          <a:off x="0" y="0"/>
+          <a:ext cx="0" cy="0"/>
+          <a:chOff x="0" y="0"/>
+          <a:chExt cx="0" cy="0"/>
+        </a:xfrm>
+      </p:grpSpPr>
+      <p:sp>
+        <p:nvSpPr>
+          <p:cNvPr id="6" name="Title 1"/>
+          <p:cNvSpPr>
+            <a:spLocks noGrp="1"/>
+          </p:cNvSpPr>
+          <p:nvPr>
+            <p:ph type="title"/>
+          </p:nvPr>
+        </p:nvSpPr>
+        <p:spPr>
+          <a:xfrm>
+            <a:off x="457200" y="205980"/>
+            <a:ext cx="8229600" cy="857251"/>
+          </a:xfrm>
+        </p:spPr>
+        <p:txBody>
+          <a:bodyPr>
+            <a:normAutofit/>
+          </a:bodyPr>
+          <a:lstStyle/>
+          <a:p>
+            <a:r>
+              <a:rPr lang="en-US" b="1" dirty="0" err="1">
+                <a:solidFill>
+                  <a:srgbClr val="0070C0"/>
+                </a:solidFill>
+              </a:rPr>
               <a:t>Referências</a:t>
             </a:r>
             <a:r>
@@ -5088,7 +5352,7 @@
 </p:sld>
 </file>
 
-<file path=ppt/slides/slide8.xml><?xml version="1.0" encoding="utf-8"?>
+<file path=ppt/slides/slide9.xml><?xml version="1.0" encoding="utf-8"?>
 <p:sld xmlns:a="http://schemas.openxmlformats.org/drawingml/2006/main" xmlns:r="http://schemas.openxmlformats.org/officeDocument/2006/relationships" xmlns:p="http://schemas.openxmlformats.org/presentationml/2006/main">
   <p:cSld>
     <p:spTree>

--- a/01 Classes/Aula 12 - Algoritmos e Complexidade - Problemas NP Completos e Algoritmos de Aproximação.pptx
+++ b/01 Classes/Aula 12 - Algoritmos e Complexidade - Problemas NP Completos e Algoritmos de Aproximação.pptx
@@ -4516,18 +4516,32 @@
                 <a:latin typeface="Times New Roman" panose="02020603050405020304" pitchFamily="18" charset="0"/>
                 <a:cs typeface="Times New Roman" panose="02020603050405020304" pitchFamily="18" charset="0"/>
               </a:rPr>
-              <a:t>Algoritmos e Complexidade</a:t>
-            </a:r>
-            <a:r>
-              <a:rPr lang="pt-BR" sz="2000" dirty="0">
+              <a:t>Algoritmos e </a:t>
+            </a:r>
+            <a:r>
+              <a:rPr lang="pt-BR" sz="2000">
+                <a:latin typeface="Times New Roman" panose="02020603050405020304" pitchFamily="18" charset="0"/>
+                <a:cs typeface="Times New Roman" panose="02020603050405020304" pitchFamily="18" charset="0"/>
+              </a:rPr>
+              <a:t>Complexidade</a:t>
+            </a:r>
+            <a:r>
+              <a:rPr lang="pt-BR" sz="2000">
                 <a:solidFill>
                   <a:schemeClr val="tx1"/>
                 </a:solidFill>
                 <a:latin typeface="Times New Roman" panose="02020603050405020304" pitchFamily="18" charset="0"/>
                 <a:cs typeface="Times New Roman" panose="02020603050405020304" pitchFamily="18" charset="0"/>
               </a:rPr>
-              <a:t> ...</a:t>
-            </a:r>
+              <a:t> ... </a:t>
+            </a:r>
+            <a:endParaRPr lang="pt-BR" sz="2000" dirty="0">
+              <a:solidFill>
+                <a:schemeClr val="tx1"/>
+              </a:solidFill>
+              <a:latin typeface="Times New Roman" panose="02020603050405020304" pitchFamily="18" charset="0"/>
+              <a:cs typeface="Times New Roman" panose="02020603050405020304" pitchFamily="18" charset="0"/>
+            </a:endParaRPr>
           </a:p>
         </p:txBody>
       </p:sp>

--- a/01 Classes/Aula 12 - Algoritmos e Complexidade - Problemas NP Completos e Algoritmos de Aproximação.pptx
+++ b/01 Classes/Aula 12 - Algoritmos e Complexidade - Problemas NP Completos e Algoritmos de Aproximação.pptx
@@ -5,18 +5,26 @@
     <p:sldMasterId id="2147483648" r:id="rId1"/>
   </p:sldMasterIdLst>
   <p:notesMasterIdLst>
-    <p:notesMasterId r:id="rId11"/>
+    <p:notesMasterId r:id="rId19"/>
   </p:notesMasterIdLst>
   <p:sldIdLst>
     <p:sldId id="256" r:id="rId2"/>
     <p:sldId id="291" r:id="rId3"/>
     <p:sldId id="331" r:id="rId4"/>
     <p:sldId id="338" r:id="rId5"/>
-    <p:sldId id="333" r:id="rId6"/>
-    <p:sldId id="323" r:id="rId7"/>
-    <p:sldId id="334" r:id="rId8"/>
-    <p:sldId id="337" r:id="rId9"/>
-    <p:sldId id="309" r:id="rId10"/>
+    <p:sldId id="342" r:id="rId6"/>
+    <p:sldId id="343" r:id="rId7"/>
+    <p:sldId id="344" r:id="rId8"/>
+    <p:sldId id="345" r:id="rId9"/>
+    <p:sldId id="346" r:id="rId10"/>
+    <p:sldId id="333" r:id="rId11"/>
+    <p:sldId id="323" r:id="rId12"/>
+    <p:sldId id="334" r:id="rId13"/>
+    <p:sldId id="339" r:id="rId14"/>
+    <p:sldId id="340" r:id="rId15"/>
+    <p:sldId id="341" r:id="rId16"/>
+    <p:sldId id="337" r:id="rId17"/>
+    <p:sldId id="309" r:id="rId18"/>
   </p:sldIdLst>
   <p:sldSz cx="9144000" cy="5143500" type="screen16x9"/>
   <p:notesSz cx="6858000" cy="9144000"/>
@@ -563,6 +571,456 @@
 </p:notes>
 </file>
 
+<file path=ppt/notesSlides/notesSlide10.xml><?xml version="1.0" encoding="utf-8"?>
+<p:notes xmlns:a="http://schemas.openxmlformats.org/drawingml/2006/main" xmlns:r="http://schemas.openxmlformats.org/officeDocument/2006/relationships" xmlns:p="http://schemas.openxmlformats.org/presentationml/2006/main">
+  <p:cSld>
+    <p:spTree>
+      <p:nvGrpSpPr>
+        <p:cNvPr id="1" name=""/>
+        <p:cNvGrpSpPr/>
+        <p:nvPr/>
+      </p:nvGrpSpPr>
+      <p:grpSpPr>
+        <a:xfrm>
+          <a:off x="0" y="0"/>
+          <a:ext cx="0" cy="0"/>
+          <a:chOff x="0" y="0"/>
+          <a:chExt cx="0" cy="0"/>
+        </a:xfrm>
+      </p:grpSpPr>
+      <p:sp>
+        <p:nvSpPr>
+          <p:cNvPr id="2" name="Espaço Reservado para Imagem de Slide 1"/>
+          <p:cNvSpPr>
+            <a:spLocks noGrp="1" noRot="1" noChangeAspect="1"/>
+          </p:cNvSpPr>
+          <p:nvPr>
+            <p:ph type="sldImg"/>
+          </p:nvPr>
+        </p:nvSpPr>
+        <p:spPr>
+          <a:xfrm>
+            <a:off x="381000" y="685800"/>
+            <a:ext cx="6096000" cy="3429000"/>
+          </a:xfrm>
+        </p:spPr>
+      </p:sp>
+      <p:sp>
+        <p:nvSpPr>
+          <p:cNvPr id="3" name="Espaço Reservado para Anotações 2"/>
+          <p:cNvSpPr>
+            <a:spLocks noGrp="1"/>
+          </p:cNvSpPr>
+          <p:nvPr>
+            <p:ph type="body" idx="1"/>
+          </p:nvPr>
+        </p:nvSpPr>
+        <p:spPr/>
+        <p:txBody>
+          <a:bodyPr/>
+          <a:lstStyle/>
+          <a:p>
+            <a:endParaRPr lang="pt-BR" dirty="0"/>
+          </a:p>
+        </p:txBody>
+      </p:sp>
+    </p:spTree>
+    <p:extLst>
+      <p:ext uri="{BB962C8B-B14F-4D97-AF65-F5344CB8AC3E}">
+        <p14:creationId xmlns:p14="http://schemas.microsoft.com/office/powerpoint/2010/main" val="2709569597"/>
+      </p:ext>
+    </p:extLst>
+  </p:cSld>
+  <p:clrMapOvr>
+    <a:masterClrMapping/>
+  </p:clrMapOvr>
+</p:notes>
+</file>
+
+<file path=ppt/notesSlides/notesSlide11.xml><?xml version="1.0" encoding="utf-8"?>
+<p:notes xmlns:a="http://schemas.openxmlformats.org/drawingml/2006/main" xmlns:r="http://schemas.openxmlformats.org/officeDocument/2006/relationships" xmlns:p="http://schemas.openxmlformats.org/presentationml/2006/main">
+  <p:cSld>
+    <p:spTree>
+      <p:nvGrpSpPr>
+        <p:cNvPr id="1" name=""/>
+        <p:cNvGrpSpPr/>
+        <p:nvPr/>
+      </p:nvGrpSpPr>
+      <p:grpSpPr>
+        <a:xfrm>
+          <a:off x="0" y="0"/>
+          <a:ext cx="0" cy="0"/>
+          <a:chOff x="0" y="0"/>
+          <a:chExt cx="0" cy="0"/>
+        </a:xfrm>
+      </p:grpSpPr>
+      <p:sp>
+        <p:nvSpPr>
+          <p:cNvPr id="2" name="Espaço Reservado para Imagem de Slide 1"/>
+          <p:cNvSpPr>
+            <a:spLocks noGrp="1" noRot="1" noChangeAspect="1"/>
+          </p:cNvSpPr>
+          <p:nvPr>
+            <p:ph type="sldImg"/>
+          </p:nvPr>
+        </p:nvSpPr>
+        <p:spPr>
+          <a:xfrm>
+            <a:off x="381000" y="685800"/>
+            <a:ext cx="6096000" cy="3429000"/>
+          </a:xfrm>
+        </p:spPr>
+      </p:sp>
+      <p:sp>
+        <p:nvSpPr>
+          <p:cNvPr id="3" name="Espaço Reservado para Anotações 2"/>
+          <p:cNvSpPr>
+            <a:spLocks noGrp="1"/>
+          </p:cNvSpPr>
+          <p:nvPr>
+            <p:ph type="body" idx="1"/>
+          </p:nvPr>
+        </p:nvSpPr>
+        <p:spPr/>
+        <p:txBody>
+          <a:bodyPr/>
+          <a:lstStyle/>
+          <a:p>
+            <a:endParaRPr lang="pt-BR" dirty="0"/>
+          </a:p>
+        </p:txBody>
+      </p:sp>
+    </p:spTree>
+    <p:extLst>
+      <p:ext uri="{BB962C8B-B14F-4D97-AF65-F5344CB8AC3E}">
+        <p14:creationId xmlns:p14="http://schemas.microsoft.com/office/powerpoint/2010/main" val="2296249050"/>
+      </p:ext>
+    </p:extLst>
+  </p:cSld>
+  <p:clrMapOvr>
+    <a:masterClrMapping/>
+  </p:clrMapOvr>
+</p:notes>
+</file>
+
+<file path=ppt/notesSlides/notesSlide12.xml><?xml version="1.0" encoding="utf-8"?>
+<p:notes xmlns:a="http://schemas.openxmlformats.org/drawingml/2006/main" xmlns:r="http://schemas.openxmlformats.org/officeDocument/2006/relationships" xmlns:p="http://schemas.openxmlformats.org/presentationml/2006/main">
+  <p:cSld>
+    <p:spTree>
+      <p:nvGrpSpPr>
+        <p:cNvPr id="1" name="">
+          <a:extLst>
+            <a:ext uri="{FF2B5EF4-FFF2-40B4-BE49-F238E27FC236}">
+              <a16:creationId xmlns:a16="http://schemas.microsoft.com/office/drawing/2014/main" id="{F4E70B1B-A84E-9C2B-E4BC-A4F1B996F735}"/>
+            </a:ext>
+          </a:extLst>
+        </p:cNvPr>
+        <p:cNvGrpSpPr/>
+        <p:nvPr/>
+      </p:nvGrpSpPr>
+      <p:grpSpPr>
+        <a:xfrm>
+          <a:off x="0" y="0"/>
+          <a:ext cx="0" cy="0"/>
+          <a:chOff x="0" y="0"/>
+          <a:chExt cx="0" cy="0"/>
+        </a:xfrm>
+      </p:grpSpPr>
+      <p:sp>
+        <p:nvSpPr>
+          <p:cNvPr id="2" name="Espaço Reservado para Imagem de Slide 1">
+            <a:extLst>
+              <a:ext uri="{FF2B5EF4-FFF2-40B4-BE49-F238E27FC236}">
+                <a16:creationId xmlns:a16="http://schemas.microsoft.com/office/drawing/2014/main" id="{7FB65032-14E9-9486-B6C1-027E9DF49DAE}"/>
+              </a:ext>
+            </a:extLst>
+          </p:cNvPr>
+          <p:cNvSpPr>
+            <a:spLocks noGrp="1" noRot="1" noChangeAspect="1"/>
+          </p:cNvSpPr>
+          <p:nvPr>
+            <p:ph type="sldImg"/>
+          </p:nvPr>
+        </p:nvSpPr>
+        <p:spPr>
+          <a:xfrm>
+            <a:off x="381000" y="685800"/>
+            <a:ext cx="6096000" cy="3429000"/>
+          </a:xfrm>
+        </p:spPr>
+      </p:sp>
+      <p:sp>
+        <p:nvSpPr>
+          <p:cNvPr id="3" name="Espaço Reservado para Anotações 2">
+            <a:extLst>
+              <a:ext uri="{FF2B5EF4-FFF2-40B4-BE49-F238E27FC236}">
+                <a16:creationId xmlns:a16="http://schemas.microsoft.com/office/drawing/2014/main" id="{A8D1FB5B-CEE9-BABB-35EA-45A5720ACE62}"/>
+              </a:ext>
+            </a:extLst>
+          </p:cNvPr>
+          <p:cNvSpPr>
+            <a:spLocks noGrp="1"/>
+          </p:cNvSpPr>
+          <p:nvPr>
+            <p:ph type="body" idx="1"/>
+          </p:nvPr>
+        </p:nvSpPr>
+        <p:spPr/>
+        <p:txBody>
+          <a:bodyPr/>
+          <a:lstStyle/>
+          <a:p>
+            <a:endParaRPr lang="pt-BR" dirty="0"/>
+          </a:p>
+        </p:txBody>
+      </p:sp>
+    </p:spTree>
+    <p:extLst>
+      <p:ext uri="{BB962C8B-B14F-4D97-AF65-F5344CB8AC3E}">
+        <p14:creationId xmlns:p14="http://schemas.microsoft.com/office/powerpoint/2010/main" val="173566728"/>
+      </p:ext>
+    </p:extLst>
+  </p:cSld>
+  <p:clrMapOvr>
+    <a:masterClrMapping/>
+  </p:clrMapOvr>
+</p:notes>
+</file>
+
+<file path=ppt/notesSlides/notesSlide13.xml><?xml version="1.0" encoding="utf-8"?>
+<p:notes xmlns:a="http://schemas.openxmlformats.org/drawingml/2006/main" xmlns:r="http://schemas.openxmlformats.org/officeDocument/2006/relationships" xmlns:p="http://schemas.openxmlformats.org/presentationml/2006/main">
+  <p:cSld>
+    <p:spTree>
+      <p:nvGrpSpPr>
+        <p:cNvPr id="1" name="">
+          <a:extLst>
+            <a:ext uri="{FF2B5EF4-FFF2-40B4-BE49-F238E27FC236}">
+              <a16:creationId xmlns:a16="http://schemas.microsoft.com/office/drawing/2014/main" id="{BC89F7AA-A133-C39A-8715-7438E139E015}"/>
+            </a:ext>
+          </a:extLst>
+        </p:cNvPr>
+        <p:cNvGrpSpPr/>
+        <p:nvPr/>
+      </p:nvGrpSpPr>
+      <p:grpSpPr>
+        <a:xfrm>
+          <a:off x="0" y="0"/>
+          <a:ext cx="0" cy="0"/>
+          <a:chOff x="0" y="0"/>
+          <a:chExt cx="0" cy="0"/>
+        </a:xfrm>
+      </p:grpSpPr>
+      <p:sp>
+        <p:nvSpPr>
+          <p:cNvPr id="2" name="Espaço Reservado para Imagem de Slide 1">
+            <a:extLst>
+              <a:ext uri="{FF2B5EF4-FFF2-40B4-BE49-F238E27FC236}">
+                <a16:creationId xmlns:a16="http://schemas.microsoft.com/office/drawing/2014/main" id="{E0494307-B964-34C5-7F4C-E05A419C8469}"/>
+              </a:ext>
+            </a:extLst>
+          </p:cNvPr>
+          <p:cNvSpPr>
+            <a:spLocks noGrp="1" noRot="1" noChangeAspect="1"/>
+          </p:cNvSpPr>
+          <p:nvPr>
+            <p:ph type="sldImg"/>
+          </p:nvPr>
+        </p:nvSpPr>
+        <p:spPr>
+          <a:xfrm>
+            <a:off x="381000" y="685800"/>
+            <a:ext cx="6096000" cy="3429000"/>
+          </a:xfrm>
+        </p:spPr>
+      </p:sp>
+      <p:sp>
+        <p:nvSpPr>
+          <p:cNvPr id="3" name="Espaço Reservado para Anotações 2">
+            <a:extLst>
+              <a:ext uri="{FF2B5EF4-FFF2-40B4-BE49-F238E27FC236}">
+                <a16:creationId xmlns:a16="http://schemas.microsoft.com/office/drawing/2014/main" id="{3E5F8CEB-1EA4-5912-D13B-2CA24FEF6324}"/>
+              </a:ext>
+            </a:extLst>
+          </p:cNvPr>
+          <p:cNvSpPr>
+            <a:spLocks noGrp="1"/>
+          </p:cNvSpPr>
+          <p:nvPr>
+            <p:ph type="body" idx="1"/>
+          </p:nvPr>
+        </p:nvSpPr>
+        <p:spPr/>
+        <p:txBody>
+          <a:bodyPr/>
+          <a:lstStyle/>
+          <a:p>
+            <a:endParaRPr lang="pt-BR" dirty="0"/>
+          </a:p>
+        </p:txBody>
+      </p:sp>
+    </p:spTree>
+    <p:extLst>
+      <p:ext uri="{BB962C8B-B14F-4D97-AF65-F5344CB8AC3E}">
+        <p14:creationId xmlns:p14="http://schemas.microsoft.com/office/powerpoint/2010/main" val="3935897300"/>
+      </p:ext>
+    </p:extLst>
+  </p:cSld>
+  <p:clrMapOvr>
+    <a:masterClrMapping/>
+  </p:clrMapOvr>
+</p:notes>
+</file>
+
+<file path=ppt/notesSlides/notesSlide14.xml><?xml version="1.0" encoding="utf-8"?>
+<p:notes xmlns:a="http://schemas.openxmlformats.org/drawingml/2006/main" xmlns:r="http://schemas.openxmlformats.org/officeDocument/2006/relationships" xmlns:p="http://schemas.openxmlformats.org/presentationml/2006/main">
+  <p:cSld>
+    <p:spTree>
+      <p:nvGrpSpPr>
+        <p:cNvPr id="1" name="">
+          <a:extLst>
+            <a:ext uri="{FF2B5EF4-FFF2-40B4-BE49-F238E27FC236}">
+              <a16:creationId xmlns:a16="http://schemas.microsoft.com/office/drawing/2014/main" id="{DCA86581-327B-4F57-886A-AE06D297384E}"/>
+            </a:ext>
+          </a:extLst>
+        </p:cNvPr>
+        <p:cNvGrpSpPr/>
+        <p:nvPr/>
+      </p:nvGrpSpPr>
+      <p:grpSpPr>
+        <a:xfrm>
+          <a:off x="0" y="0"/>
+          <a:ext cx="0" cy="0"/>
+          <a:chOff x="0" y="0"/>
+          <a:chExt cx="0" cy="0"/>
+        </a:xfrm>
+      </p:grpSpPr>
+      <p:sp>
+        <p:nvSpPr>
+          <p:cNvPr id="2" name="Espaço Reservado para Imagem de Slide 1">
+            <a:extLst>
+              <a:ext uri="{FF2B5EF4-FFF2-40B4-BE49-F238E27FC236}">
+                <a16:creationId xmlns:a16="http://schemas.microsoft.com/office/drawing/2014/main" id="{EB6D3DC8-C410-67C3-018C-14058EFD0132}"/>
+              </a:ext>
+            </a:extLst>
+          </p:cNvPr>
+          <p:cNvSpPr>
+            <a:spLocks noGrp="1" noRot="1" noChangeAspect="1"/>
+          </p:cNvSpPr>
+          <p:nvPr>
+            <p:ph type="sldImg"/>
+          </p:nvPr>
+        </p:nvSpPr>
+        <p:spPr>
+          <a:xfrm>
+            <a:off x="381000" y="685800"/>
+            <a:ext cx="6096000" cy="3429000"/>
+          </a:xfrm>
+        </p:spPr>
+      </p:sp>
+      <p:sp>
+        <p:nvSpPr>
+          <p:cNvPr id="3" name="Espaço Reservado para Anotações 2">
+            <a:extLst>
+              <a:ext uri="{FF2B5EF4-FFF2-40B4-BE49-F238E27FC236}">
+                <a16:creationId xmlns:a16="http://schemas.microsoft.com/office/drawing/2014/main" id="{15F181F5-C4BB-9B30-2058-F915723E2413}"/>
+              </a:ext>
+            </a:extLst>
+          </p:cNvPr>
+          <p:cNvSpPr>
+            <a:spLocks noGrp="1"/>
+          </p:cNvSpPr>
+          <p:nvPr>
+            <p:ph type="body" idx="1"/>
+          </p:nvPr>
+        </p:nvSpPr>
+        <p:spPr/>
+        <p:txBody>
+          <a:bodyPr/>
+          <a:lstStyle/>
+          <a:p>
+            <a:endParaRPr lang="pt-BR" dirty="0"/>
+          </a:p>
+        </p:txBody>
+      </p:sp>
+    </p:spTree>
+    <p:extLst>
+      <p:ext uri="{BB962C8B-B14F-4D97-AF65-F5344CB8AC3E}">
+        <p14:creationId xmlns:p14="http://schemas.microsoft.com/office/powerpoint/2010/main" val="3797248220"/>
+      </p:ext>
+    </p:extLst>
+  </p:cSld>
+  <p:clrMapOvr>
+    <a:masterClrMapping/>
+  </p:clrMapOvr>
+</p:notes>
+</file>
+
+<file path=ppt/notesSlides/notesSlide15.xml><?xml version="1.0" encoding="utf-8"?>
+<p:notes xmlns:a="http://schemas.openxmlformats.org/drawingml/2006/main" xmlns:r="http://schemas.openxmlformats.org/officeDocument/2006/relationships" xmlns:p="http://schemas.openxmlformats.org/presentationml/2006/main">
+  <p:cSld>
+    <p:spTree>
+      <p:nvGrpSpPr>
+        <p:cNvPr id="1" name=""/>
+        <p:cNvGrpSpPr/>
+        <p:nvPr/>
+      </p:nvGrpSpPr>
+      <p:grpSpPr>
+        <a:xfrm>
+          <a:off x="0" y="0"/>
+          <a:ext cx="0" cy="0"/>
+          <a:chOff x="0" y="0"/>
+          <a:chExt cx="0" cy="0"/>
+        </a:xfrm>
+      </p:grpSpPr>
+      <p:sp>
+        <p:nvSpPr>
+          <p:cNvPr id="2" name="Espaço Reservado para Imagem de Slide 1"/>
+          <p:cNvSpPr>
+            <a:spLocks noGrp="1" noRot="1" noChangeAspect="1"/>
+          </p:cNvSpPr>
+          <p:nvPr>
+            <p:ph type="sldImg"/>
+          </p:nvPr>
+        </p:nvSpPr>
+        <p:spPr>
+          <a:xfrm>
+            <a:off x="381000" y="685800"/>
+            <a:ext cx="6096000" cy="3429000"/>
+          </a:xfrm>
+        </p:spPr>
+      </p:sp>
+      <p:sp>
+        <p:nvSpPr>
+          <p:cNvPr id="3" name="Espaço Reservado para Anotações 2"/>
+          <p:cNvSpPr>
+            <a:spLocks noGrp="1"/>
+          </p:cNvSpPr>
+          <p:nvPr>
+            <p:ph type="body" idx="1"/>
+          </p:nvPr>
+        </p:nvSpPr>
+        <p:spPr/>
+        <p:txBody>
+          <a:bodyPr/>
+          <a:lstStyle/>
+          <a:p>
+            <a:endParaRPr lang="pt-BR" dirty="0"/>
+          </a:p>
+        </p:txBody>
+      </p:sp>
+    </p:spTree>
+    <p:extLst>
+      <p:ext uri="{BB962C8B-B14F-4D97-AF65-F5344CB8AC3E}">
+        <p14:creationId xmlns:p14="http://schemas.microsoft.com/office/powerpoint/2010/main" val="4290351292"/>
+      </p:ext>
+    </p:extLst>
+  </p:cSld>
+  <p:clrMapOvr>
+    <a:masterClrMapping/>
+  </p:clrMapOvr>
+</p:notes>
+</file>
+
 <file path=ppt/notesSlides/notesSlide2.xml><?xml version="1.0" encoding="utf-8"?>
 <p:notes xmlns:a="http://schemas.openxmlformats.org/drawingml/2006/main" xmlns:r="http://schemas.openxmlformats.org/officeDocument/2006/relationships" xmlns:p="http://schemas.openxmlformats.org/presentationml/2006/main">
   <p:cSld>
@@ -718,7 +1176,13 @@
   <p:cSld>
     <p:spTree>
       <p:nvGrpSpPr>
-        <p:cNvPr id="1" name=""/>
+        <p:cNvPr id="1" name="">
+          <a:extLst>
+            <a:ext uri="{FF2B5EF4-FFF2-40B4-BE49-F238E27FC236}">
+              <a16:creationId xmlns:a16="http://schemas.microsoft.com/office/drawing/2014/main" id="{4467E5C8-0871-7A8A-C794-EE6394BBC738}"/>
+            </a:ext>
+          </a:extLst>
+        </p:cNvPr>
         <p:cNvGrpSpPr/>
         <p:nvPr/>
       </p:nvGrpSpPr>
@@ -732,7 +1196,13 @@
       </p:grpSpPr>
       <p:sp>
         <p:nvSpPr>
-          <p:cNvPr id="2" name="Espaço Reservado para Imagem de Slide 1"/>
+          <p:cNvPr id="2" name="Espaço Reservado para Imagem de Slide 1">
+            <a:extLst>
+              <a:ext uri="{FF2B5EF4-FFF2-40B4-BE49-F238E27FC236}">
+                <a16:creationId xmlns:a16="http://schemas.microsoft.com/office/drawing/2014/main" id="{7360F788-F04E-8D3A-9BAB-EA76C311B480}"/>
+              </a:ext>
+            </a:extLst>
+          </p:cNvPr>
           <p:cNvSpPr>
             <a:spLocks noGrp="1" noRot="1" noChangeAspect="1"/>
           </p:cNvSpPr>
@@ -749,7 +1219,13 @@
       </p:sp>
       <p:sp>
         <p:nvSpPr>
-          <p:cNvPr id="3" name="Espaço Reservado para Anotações 2"/>
+          <p:cNvPr id="3" name="Espaço Reservado para Anotações 2">
+            <a:extLst>
+              <a:ext uri="{FF2B5EF4-FFF2-40B4-BE49-F238E27FC236}">
+                <a16:creationId xmlns:a16="http://schemas.microsoft.com/office/drawing/2014/main" id="{8206C0D1-1B4D-431C-C2B8-4DC5E6388312}"/>
+              </a:ext>
+            </a:extLst>
+          </p:cNvPr>
           <p:cNvSpPr>
             <a:spLocks noGrp="1"/>
           </p:cNvSpPr>
@@ -769,7 +1245,7 @@
     </p:spTree>
     <p:extLst>
       <p:ext uri="{BB962C8B-B14F-4D97-AF65-F5344CB8AC3E}">
-        <p14:creationId xmlns:p14="http://schemas.microsoft.com/office/powerpoint/2010/main" val="585304384"/>
+        <p14:creationId xmlns:p14="http://schemas.microsoft.com/office/powerpoint/2010/main" val="1928310798"/>
       </p:ext>
     </p:extLst>
   </p:cSld>
@@ -780,6 +1256,342 @@
 </file>
 
 <file path=ppt/notesSlides/notesSlide5.xml><?xml version="1.0" encoding="utf-8"?>
+<p:notes xmlns:a="http://schemas.openxmlformats.org/drawingml/2006/main" xmlns:r="http://schemas.openxmlformats.org/officeDocument/2006/relationships" xmlns:p="http://schemas.openxmlformats.org/presentationml/2006/main">
+  <p:cSld>
+    <p:spTree>
+      <p:nvGrpSpPr>
+        <p:cNvPr id="1" name="">
+          <a:extLst>
+            <a:ext uri="{FF2B5EF4-FFF2-40B4-BE49-F238E27FC236}">
+              <a16:creationId xmlns:a16="http://schemas.microsoft.com/office/drawing/2014/main" id="{CF90104E-5137-8D04-7C68-061F579828DE}"/>
+            </a:ext>
+          </a:extLst>
+        </p:cNvPr>
+        <p:cNvGrpSpPr/>
+        <p:nvPr/>
+      </p:nvGrpSpPr>
+      <p:grpSpPr>
+        <a:xfrm>
+          <a:off x="0" y="0"/>
+          <a:ext cx="0" cy="0"/>
+          <a:chOff x="0" y="0"/>
+          <a:chExt cx="0" cy="0"/>
+        </a:xfrm>
+      </p:grpSpPr>
+      <p:sp>
+        <p:nvSpPr>
+          <p:cNvPr id="2" name="Espaço Reservado para Imagem de Slide 1">
+            <a:extLst>
+              <a:ext uri="{FF2B5EF4-FFF2-40B4-BE49-F238E27FC236}">
+                <a16:creationId xmlns:a16="http://schemas.microsoft.com/office/drawing/2014/main" id="{03E64A6C-248E-5A77-B78B-C61F29F59033}"/>
+              </a:ext>
+            </a:extLst>
+          </p:cNvPr>
+          <p:cNvSpPr>
+            <a:spLocks noGrp="1" noRot="1" noChangeAspect="1"/>
+          </p:cNvSpPr>
+          <p:nvPr>
+            <p:ph type="sldImg"/>
+          </p:nvPr>
+        </p:nvSpPr>
+        <p:spPr>
+          <a:xfrm>
+            <a:off x="381000" y="685800"/>
+            <a:ext cx="6096000" cy="3429000"/>
+          </a:xfrm>
+        </p:spPr>
+      </p:sp>
+      <p:sp>
+        <p:nvSpPr>
+          <p:cNvPr id="3" name="Espaço Reservado para Anotações 2">
+            <a:extLst>
+              <a:ext uri="{FF2B5EF4-FFF2-40B4-BE49-F238E27FC236}">
+                <a16:creationId xmlns:a16="http://schemas.microsoft.com/office/drawing/2014/main" id="{54E15813-91CB-B640-101D-447886E7E6B1}"/>
+              </a:ext>
+            </a:extLst>
+          </p:cNvPr>
+          <p:cNvSpPr>
+            <a:spLocks noGrp="1"/>
+          </p:cNvSpPr>
+          <p:nvPr>
+            <p:ph type="body" idx="1"/>
+          </p:nvPr>
+        </p:nvSpPr>
+        <p:spPr/>
+        <p:txBody>
+          <a:bodyPr/>
+          <a:lstStyle/>
+          <a:p>
+            <a:endParaRPr lang="pt-BR" dirty="0"/>
+          </a:p>
+        </p:txBody>
+      </p:sp>
+    </p:spTree>
+    <p:extLst>
+      <p:ext uri="{BB962C8B-B14F-4D97-AF65-F5344CB8AC3E}">
+        <p14:creationId xmlns:p14="http://schemas.microsoft.com/office/powerpoint/2010/main" val="122213606"/>
+      </p:ext>
+    </p:extLst>
+  </p:cSld>
+  <p:clrMapOvr>
+    <a:masterClrMapping/>
+  </p:clrMapOvr>
+</p:notes>
+</file>
+
+<file path=ppt/notesSlides/notesSlide6.xml><?xml version="1.0" encoding="utf-8"?>
+<p:notes xmlns:a="http://schemas.openxmlformats.org/drawingml/2006/main" xmlns:r="http://schemas.openxmlformats.org/officeDocument/2006/relationships" xmlns:p="http://schemas.openxmlformats.org/presentationml/2006/main">
+  <p:cSld>
+    <p:spTree>
+      <p:nvGrpSpPr>
+        <p:cNvPr id="1" name="">
+          <a:extLst>
+            <a:ext uri="{FF2B5EF4-FFF2-40B4-BE49-F238E27FC236}">
+              <a16:creationId xmlns:a16="http://schemas.microsoft.com/office/drawing/2014/main" id="{DF714F77-B719-019F-7C0D-853C7AF1C9C2}"/>
+            </a:ext>
+          </a:extLst>
+        </p:cNvPr>
+        <p:cNvGrpSpPr/>
+        <p:nvPr/>
+      </p:nvGrpSpPr>
+      <p:grpSpPr>
+        <a:xfrm>
+          <a:off x="0" y="0"/>
+          <a:ext cx="0" cy="0"/>
+          <a:chOff x="0" y="0"/>
+          <a:chExt cx="0" cy="0"/>
+        </a:xfrm>
+      </p:grpSpPr>
+      <p:sp>
+        <p:nvSpPr>
+          <p:cNvPr id="2" name="Espaço Reservado para Imagem de Slide 1">
+            <a:extLst>
+              <a:ext uri="{FF2B5EF4-FFF2-40B4-BE49-F238E27FC236}">
+                <a16:creationId xmlns:a16="http://schemas.microsoft.com/office/drawing/2014/main" id="{253B7BFA-1D45-9399-43FE-E4F9644C3FCE}"/>
+              </a:ext>
+            </a:extLst>
+          </p:cNvPr>
+          <p:cNvSpPr>
+            <a:spLocks noGrp="1" noRot="1" noChangeAspect="1"/>
+          </p:cNvSpPr>
+          <p:nvPr>
+            <p:ph type="sldImg"/>
+          </p:nvPr>
+        </p:nvSpPr>
+        <p:spPr>
+          <a:xfrm>
+            <a:off x="381000" y="685800"/>
+            <a:ext cx="6096000" cy="3429000"/>
+          </a:xfrm>
+        </p:spPr>
+      </p:sp>
+      <p:sp>
+        <p:nvSpPr>
+          <p:cNvPr id="3" name="Espaço Reservado para Anotações 2">
+            <a:extLst>
+              <a:ext uri="{FF2B5EF4-FFF2-40B4-BE49-F238E27FC236}">
+                <a16:creationId xmlns:a16="http://schemas.microsoft.com/office/drawing/2014/main" id="{69AB1C85-751C-7B61-0EE3-A07813944FB6}"/>
+              </a:ext>
+            </a:extLst>
+          </p:cNvPr>
+          <p:cNvSpPr>
+            <a:spLocks noGrp="1"/>
+          </p:cNvSpPr>
+          <p:nvPr>
+            <p:ph type="body" idx="1"/>
+          </p:nvPr>
+        </p:nvSpPr>
+        <p:spPr/>
+        <p:txBody>
+          <a:bodyPr/>
+          <a:lstStyle/>
+          <a:p>
+            <a:endParaRPr lang="pt-BR" dirty="0"/>
+          </a:p>
+        </p:txBody>
+      </p:sp>
+    </p:spTree>
+    <p:extLst>
+      <p:ext uri="{BB962C8B-B14F-4D97-AF65-F5344CB8AC3E}">
+        <p14:creationId xmlns:p14="http://schemas.microsoft.com/office/powerpoint/2010/main" val="3523399546"/>
+      </p:ext>
+    </p:extLst>
+  </p:cSld>
+  <p:clrMapOvr>
+    <a:masterClrMapping/>
+  </p:clrMapOvr>
+</p:notes>
+</file>
+
+<file path=ppt/notesSlides/notesSlide7.xml><?xml version="1.0" encoding="utf-8"?>
+<p:notes xmlns:a="http://schemas.openxmlformats.org/drawingml/2006/main" xmlns:r="http://schemas.openxmlformats.org/officeDocument/2006/relationships" xmlns:p="http://schemas.openxmlformats.org/presentationml/2006/main">
+  <p:cSld>
+    <p:spTree>
+      <p:nvGrpSpPr>
+        <p:cNvPr id="1" name="">
+          <a:extLst>
+            <a:ext uri="{FF2B5EF4-FFF2-40B4-BE49-F238E27FC236}">
+              <a16:creationId xmlns:a16="http://schemas.microsoft.com/office/drawing/2014/main" id="{E2BBD3C5-E455-73DC-52DE-56898BFC4A97}"/>
+            </a:ext>
+          </a:extLst>
+        </p:cNvPr>
+        <p:cNvGrpSpPr/>
+        <p:nvPr/>
+      </p:nvGrpSpPr>
+      <p:grpSpPr>
+        <a:xfrm>
+          <a:off x="0" y="0"/>
+          <a:ext cx="0" cy="0"/>
+          <a:chOff x="0" y="0"/>
+          <a:chExt cx="0" cy="0"/>
+        </a:xfrm>
+      </p:grpSpPr>
+      <p:sp>
+        <p:nvSpPr>
+          <p:cNvPr id="2" name="Espaço Reservado para Imagem de Slide 1">
+            <a:extLst>
+              <a:ext uri="{FF2B5EF4-FFF2-40B4-BE49-F238E27FC236}">
+                <a16:creationId xmlns:a16="http://schemas.microsoft.com/office/drawing/2014/main" id="{4AAC4614-4DE2-750E-5A88-73872F00621B}"/>
+              </a:ext>
+            </a:extLst>
+          </p:cNvPr>
+          <p:cNvSpPr>
+            <a:spLocks noGrp="1" noRot="1" noChangeAspect="1"/>
+          </p:cNvSpPr>
+          <p:nvPr>
+            <p:ph type="sldImg"/>
+          </p:nvPr>
+        </p:nvSpPr>
+        <p:spPr>
+          <a:xfrm>
+            <a:off x="381000" y="685800"/>
+            <a:ext cx="6096000" cy="3429000"/>
+          </a:xfrm>
+        </p:spPr>
+      </p:sp>
+      <p:sp>
+        <p:nvSpPr>
+          <p:cNvPr id="3" name="Espaço Reservado para Anotações 2">
+            <a:extLst>
+              <a:ext uri="{FF2B5EF4-FFF2-40B4-BE49-F238E27FC236}">
+                <a16:creationId xmlns:a16="http://schemas.microsoft.com/office/drawing/2014/main" id="{C9596992-D838-3729-DA47-1B7B48009A60}"/>
+              </a:ext>
+            </a:extLst>
+          </p:cNvPr>
+          <p:cNvSpPr>
+            <a:spLocks noGrp="1"/>
+          </p:cNvSpPr>
+          <p:nvPr>
+            <p:ph type="body" idx="1"/>
+          </p:nvPr>
+        </p:nvSpPr>
+        <p:spPr/>
+        <p:txBody>
+          <a:bodyPr/>
+          <a:lstStyle/>
+          <a:p>
+            <a:endParaRPr lang="pt-BR" dirty="0"/>
+          </a:p>
+        </p:txBody>
+      </p:sp>
+    </p:spTree>
+    <p:extLst>
+      <p:ext uri="{BB962C8B-B14F-4D97-AF65-F5344CB8AC3E}">
+        <p14:creationId xmlns:p14="http://schemas.microsoft.com/office/powerpoint/2010/main" val="138042130"/>
+      </p:ext>
+    </p:extLst>
+  </p:cSld>
+  <p:clrMapOvr>
+    <a:masterClrMapping/>
+  </p:clrMapOvr>
+</p:notes>
+</file>
+
+<file path=ppt/notesSlides/notesSlide8.xml><?xml version="1.0" encoding="utf-8"?>
+<p:notes xmlns:a="http://schemas.openxmlformats.org/drawingml/2006/main" xmlns:r="http://schemas.openxmlformats.org/officeDocument/2006/relationships" xmlns:p="http://schemas.openxmlformats.org/presentationml/2006/main">
+  <p:cSld>
+    <p:spTree>
+      <p:nvGrpSpPr>
+        <p:cNvPr id="1" name="">
+          <a:extLst>
+            <a:ext uri="{FF2B5EF4-FFF2-40B4-BE49-F238E27FC236}">
+              <a16:creationId xmlns:a16="http://schemas.microsoft.com/office/drawing/2014/main" id="{B753D732-8877-3B0F-0E13-78BA583CE88F}"/>
+            </a:ext>
+          </a:extLst>
+        </p:cNvPr>
+        <p:cNvGrpSpPr/>
+        <p:nvPr/>
+      </p:nvGrpSpPr>
+      <p:grpSpPr>
+        <a:xfrm>
+          <a:off x="0" y="0"/>
+          <a:ext cx="0" cy="0"/>
+          <a:chOff x="0" y="0"/>
+          <a:chExt cx="0" cy="0"/>
+        </a:xfrm>
+      </p:grpSpPr>
+      <p:sp>
+        <p:nvSpPr>
+          <p:cNvPr id="2" name="Espaço Reservado para Imagem de Slide 1">
+            <a:extLst>
+              <a:ext uri="{FF2B5EF4-FFF2-40B4-BE49-F238E27FC236}">
+                <a16:creationId xmlns:a16="http://schemas.microsoft.com/office/drawing/2014/main" id="{C6619A9F-F31A-FADD-368E-D09DACFDC042}"/>
+              </a:ext>
+            </a:extLst>
+          </p:cNvPr>
+          <p:cNvSpPr>
+            <a:spLocks noGrp="1" noRot="1" noChangeAspect="1"/>
+          </p:cNvSpPr>
+          <p:nvPr>
+            <p:ph type="sldImg"/>
+          </p:nvPr>
+        </p:nvSpPr>
+        <p:spPr>
+          <a:xfrm>
+            <a:off x="381000" y="685800"/>
+            <a:ext cx="6096000" cy="3429000"/>
+          </a:xfrm>
+        </p:spPr>
+      </p:sp>
+      <p:sp>
+        <p:nvSpPr>
+          <p:cNvPr id="3" name="Espaço Reservado para Anotações 2">
+            <a:extLst>
+              <a:ext uri="{FF2B5EF4-FFF2-40B4-BE49-F238E27FC236}">
+                <a16:creationId xmlns:a16="http://schemas.microsoft.com/office/drawing/2014/main" id="{B5BD98A6-3D38-D959-23BA-EA2578DA17F5}"/>
+              </a:ext>
+            </a:extLst>
+          </p:cNvPr>
+          <p:cNvSpPr>
+            <a:spLocks noGrp="1"/>
+          </p:cNvSpPr>
+          <p:nvPr>
+            <p:ph type="body" idx="1"/>
+          </p:nvPr>
+        </p:nvSpPr>
+        <p:spPr/>
+        <p:txBody>
+          <a:bodyPr/>
+          <a:lstStyle/>
+          <a:p>
+            <a:endParaRPr lang="pt-BR" dirty="0"/>
+          </a:p>
+        </p:txBody>
+      </p:sp>
+    </p:spTree>
+    <p:extLst>
+      <p:ext uri="{BB962C8B-B14F-4D97-AF65-F5344CB8AC3E}">
+        <p14:creationId xmlns:p14="http://schemas.microsoft.com/office/powerpoint/2010/main" val="1530520180"/>
+      </p:ext>
+    </p:extLst>
+  </p:cSld>
+  <p:clrMapOvr>
+    <a:masterClrMapping/>
+  </p:clrMapOvr>
+</p:notes>
+</file>
+
+<file path=ppt/notesSlides/notesSlide9.xml><?xml version="1.0" encoding="utf-8"?>
 <p:notes xmlns:a="http://schemas.openxmlformats.org/drawingml/2006/main" xmlns:r="http://schemas.openxmlformats.org/officeDocument/2006/relationships" xmlns:p="http://schemas.openxmlformats.org/presentationml/2006/main">
   <p:cSld>
     <p:spTree>
@@ -835,139 +1647,7 @@
     </p:spTree>
     <p:extLst>
       <p:ext uri="{BB962C8B-B14F-4D97-AF65-F5344CB8AC3E}">
-        <p14:creationId xmlns:p14="http://schemas.microsoft.com/office/powerpoint/2010/main" val="2709569597"/>
-      </p:ext>
-    </p:extLst>
-  </p:cSld>
-  <p:clrMapOvr>
-    <a:masterClrMapping/>
-  </p:clrMapOvr>
-</p:notes>
-</file>
-
-<file path=ppt/notesSlides/notesSlide6.xml><?xml version="1.0" encoding="utf-8"?>
-<p:notes xmlns:a="http://schemas.openxmlformats.org/drawingml/2006/main" xmlns:r="http://schemas.openxmlformats.org/officeDocument/2006/relationships" xmlns:p="http://schemas.openxmlformats.org/presentationml/2006/main">
-  <p:cSld>
-    <p:spTree>
-      <p:nvGrpSpPr>
-        <p:cNvPr id="1" name=""/>
-        <p:cNvGrpSpPr/>
-        <p:nvPr/>
-      </p:nvGrpSpPr>
-      <p:grpSpPr>
-        <a:xfrm>
-          <a:off x="0" y="0"/>
-          <a:ext cx="0" cy="0"/>
-          <a:chOff x="0" y="0"/>
-          <a:chExt cx="0" cy="0"/>
-        </a:xfrm>
-      </p:grpSpPr>
-      <p:sp>
-        <p:nvSpPr>
-          <p:cNvPr id="2" name="Espaço Reservado para Imagem de Slide 1"/>
-          <p:cNvSpPr>
-            <a:spLocks noGrp="1" noRot="1" noChangeAspect="1"/>
-          </p:cNvSpPr>
-          <p:nvPr>
-            <p:ph type="sldImg"/>
-          </p:nvPr>
-        </p:nvSpPr>
-        <p:spPr>
-          <a:xfrm>
-            <a:off x="381000" y="685800"/>
-            <a:ext cx="6096000" cy="3429000"/>
-          </a:xfrm>
-        </p:spPr>
-      </p:sp>
-      <p:sp>
-        <p:nvSpPr>
-          <p:cNvPr id="3" name="Espaço Reservado para Anotações 2"/>
-          <p:cNvSpPr>
-            <a:spLocks noGrp="1"/>
-          </p:cNvSpPr>
-          <p:nvPr>
-            <p:ph type="body" idx="1"/>
-          </p:nvPr>
-        </p:nvSpPr>
-        <p:spPr/>
-        <p:txBody>
-          <a:bodyPr/>
-          <a:lstStyle/>
-          <a:p>
-            <a:endParaRPr lang="pt-BR" dirty="0"/>
-          </a:p>
-        </p:txBody>
-      </p:sp>
-    </p:spTree>
-    <p:extLst>
-      <p:ext uri="{BB962C8B-B14F-4D97-AF65-F5344CB8AC3E}">
-        <p14:creationId xmlns:p14="http://schemas.microsoft.com/office/powerpoint/2010/main" val="2296249050"/>
-      </p:ext>
-    </p:extLst>
-  </p:cSld>
-  <p:clrMapOvr>
-    <a:masterClrMapping/>
-  </p:clrMapOvr>
-</p:notes>
-</file>
-
-<file path=ppt/notesSlides/notesSlide7.xml><?xml version="1.0" encoding="utf-8"?>
-<p:notes xmlns:a="http://schemas.openxmlformats.org/drawingml/2006/main" xmlns:r="http://schemas.openxmlformats.org/officeDocument/2006/relationships" xmlns:p="http://schemas.openxmlformats.org/presentationml/2006/main">
-  <p:cSld>
-    <p:spTree>
-      <p:nvGrpSpPr>
-        <p:cNvPr id="1" name=""/>
-        <p:cNvGrpSpPr/>
-        <p:nvPr/>
-      </p:nvGrpSpPr>
-      <p:grpSpPr>
-        <a:xfrm>
-          <a:off x="0" y="0"/>
-          <a:ext cx="0" cy="0"/>
-          <a:chOff x="0" y="0"/>
-          <a:chExt cx="0" cy="0"/>
-        </a:xfrm>
-      </p:grpSpPr>
-      <p:sp>
-        <p:nvSpPr>
-          <p:cNvPr id="2" name="Espaço Reservado para Imagem de Slide 1"/>
-          <p:cNvSpPr>
-            <a:spLocks noGrp="1" noRot="1" noChangeAspect="1"/>
-          </p:cNvSpPr>
-          <p:nvPr>
-            <p:ph type="sldImg"/>
-          </p:nvPr>
-        </p:nvSpPr>
-        <p:spPr>
-          <a:xfrm>
-            <a:off x="381000" y="685800"/>
-            <a:ext cx="6096000" cy="3429000"/>
-          </a:xfrm>
-        </p:spPr>
-      </p:sp>
-      <p:sp>
-        <p:nvSpPr>
-          <p:cNvPr id="3" name="Espaço Reservado para Anotações 2"/>
-          <p:cNvSpPr>
-            <a:spLocks noGrp="1"/>
-          </p:cNvSpPr>
-          <p:nvPr>
-            <p:ph type="body" idx="1"/>
-          </p:nvPr>
-        </p:nvSpPr>
-        <p:spPr/>
-        <p:txBody>
-          <a:bodyPr/>
-          <a:lstStyle/>
-          <a:p>
-            <a:endParaRPr lang="pt-BR" dirty="0"/>
-          </a:p>
-        </p:txBody>
-      </p:sp>
-    </p:spTree>
-    <p:extLst>
-      <p:ext uri="{BB962C8B-B14F-4D97-AF65-F5344CB8AC3E}">
-        <p14:creationId xmlns:p14="http://schemas.microsoft.com/office/powerpoint/2010/main" val="4290351292"/>
+        <p14:creationId xmlns:p14="http://schemas.microsoft.com/office/powerpoint/2010/main" val="585304384"/>
       </p:ext>
     </p:extLst>
   </p:cSld>
@@ -3914,6 +4594,2455 @@
 </p:sld>
 </file>
 
+<file path=ppt/slides/slide10.xml><?xml version="1.0" encoding="utf-8"?>
+<p:sld xmlns:a="http://schemas.openxmlformats.org/drawingml/2006/main" xmlns:r="http://schemas.openxmlformats.org/officeDocument/2006/relationships" xmlns:p="http://schemas.openxmlformats.org/presentationml/2006/main">
+  <p:cSld>
+    <p:spTree>
+      <p:nvGrpSpPr>
+        <p:cNvPr id="1" name=""/>
+        <p:cNvGrpSpPr/>
+        <p:nvPr/>
+      </p:nvGrpSpPr>
+      <p:grpSpPr>
+        <a:xfrm>
+          <a:off x="0" y="0"/>
+          <a:ext cx="0" cy="0"/>
+          <a:chOff x="0" y="0"/>
+          <a:chExt cx="0" cy="0"/>
+        </a:xfrm>
+      </p:grpSpPr>
+      <p:sp>
+        <p:nvSpPr>
+          <p:cNvPr id="6" name="Title 1"/>
+          <p:cNvSpPr>
+            <a:spLocks noGrp="1"/>
+          </p:cNvSpPr>
+          <p:nvPr>
+            <p:ph type="title"/>
+          </p:nvPr>
+        </p:nvSpPr>
+        <p:spPr>
+          <a:xfrm>
+            <a:off x="457200" y="205980"/>
+            <a:ext cx="8229600" cy="857251"/>
+          </a:xfrm>
+        </p:spPr>
+        <p:txBody>
+          <a:bodyPr>
+            <a:normAutofit/>
+          </a:bodyPr>
+          <a:lstStyle/>
+          <a:p>
+            <a:r>
+              <a:rPr lang="en-US" b="1" dirty="0" err="1">
+                <a:solidFill>
+                  <a:srgbClr val="0070C0"/>
+                </a:solidFill>
+              </a:rPr>
+              <a:t>Leitura</a:t>
+            </a:r>
+            <a:r>
+              <a:rPr lang="en-US" b="1" dirty="0">
+                <a:solidFill>
+                  <a:srgbClr val="0070C0"/>
+                </a:solidFill>
+              </a:rPr>
+              <a:t> </a:t>
+            </a:r>
+            <a:r>
+              <a:rPr lang="en-US" b="1" dirty="0" err="1">
+                <a:solidFill>
+                  <a:srgbClr val="0070C0"/>
+                </a:solidFill>
+              </a:rPr>
+              <a:t>Específica</a:t>
+            </a:r>
+            <a:endParaRPr lang="en-US" b="1" dirty="0">
+              <a:solidFill>
+                <a:srgbClr val="0070C0"/>
+              </a:solidFill>
+            </a:endParaRPr>
+          </a:p>
+        </p:txBody>
+      </p:sp>
+      <p:sp>
+        <p:nvSpPr>
+          <p:cNvPr id="8" name="Text Placeholder 2"/>
+          <p:cNvSpPr>
+            <a:spLocks noGrp="1"/>
+          </p:cNvSpPr>
+          <p:nvPr>
+            <p:ph type="body" sz="half" idx="1"/>
+          </p:nvPr>
+        </p:nvSpPr>
+        <p:spPr>
+          <a:xfrm>
+            <a:off x="142865" y="1200150"/>
+            <a:ext cx="8865056" cy="3737369"/>
+          </a:xfrm>
+        </p:spPr>
+        <p:txBody>
+          <a:bodyPr>
+            <a:noAutofit/>
+          </a:bodyPr>
+          <a:lstStyle/>
+          <a:p>
+            <a:pPr marL="0" indent="0" algn="just">
+              <a:buNone/>
+            </a:pPr>
+            <a:r>
+              <a:rPr lang="pt-BR" sz="2000" dirty="0">
+                <a:latin typeface="Times New Roman" panose="02020603050405020304" pitchFamily="18" charset="0"/>
+                <a:cs typeface="Times New Roman" panose="02020603050405020304" pitchFamily="18" charset="0"/>
+              </a:rPr>
+              <a:t>[1] </a:t>
+            </a:r>
+            <a:r>
+              <a:rPr lang="pt-BR" sz="2000" b="1" dirty="0" err="1">
+                <a:latin typeface="Times New Roman" panose="02020603050405020304" pitchFamily="18" charset="0"/>
+                <a:cs typeface="Times New Roman" panose="02020603050405020304" pitchFamily="18" charset="0"/>
+              </a:rPr>
+              <a:t>TutorialsPoint</a:t>
+            </a:r>
+            <a:r>
+              <a:rPr lang="pt-BR" sz="2000" b="1" dirty="0">
+                <a:latin typeface="Times New Roman" panose="02020603050405020304" pitchFamily="18" charset="0"/>
+                <a:cs typeface="Times New Roman" panose="02020603050405020304" pitchFamily="18" charset="0"/>
+              </a:rPr>
+              <a:t>: NP-Hard &amp; NP-Complete Classes.</a:t>
+            </a:r>
+          </a:p>
+          <a:p>
+            <a:pPr marL="0" indent="0" algn="just">
+              <a:buNone/>
+            </a:pPr>
+            <a:r>
+              <a:rPr lang="pt-BR" sz="2000" b="1" dirty="0">
+                <a:solidFill>
+                  <a:srgbClr val="FF0000"/>
+                </a:solidFill>
+                <a:latin typeface="Times New Roman" panose="02020603050405020304" pitchFamily="18" charset="0"/>
+                <a:cs typeface="Times New Roman" panose="02020603050405020304" pitchFamily="18" charset="0"/>
+              </a:rPr>
+              <a:t>Disponível em:</a:t>
+            </a:r>
+          </a:p>
+          <a:p>
+            <a:pPr marL="0" indent="0" algn="just">
+              <a:buNone/>
+            </a:pPr>
+            <a:r>
+              <a:rPr lang="pt-BR" sz="2000" b="1" dirty="0">
+                <a:solidFill>
+                  <a:srgbClr val="FF0000"/>
+                </a:solidFill>
+                <a:latin typeface="Times New Roman" panose="02020603050405020304" pitchFamily="18" charset="0"/>
+                <a:cs typeface="Times New Roman" panose="02020603050405020304" pitchFamily="18" charset="0"/>
+                <a:hlinkClick r:id="rId3"/>
+              </a:rPr>
+              <a:t>https://www.tutorialspoint.com/design_and_analysis_of_algorithms/design_and_analysis_of_algorithms_np_hard_complete_classes.htm?utm_source=chatgpt.com</a:t>
+            </a:r>
+            <a:r>
+              <a:rPr lang="pt-BR" sz="2000" b="1" dirty="0">
+                <a:solidFill>
+                  <a:srgbClr val="FF0000"/>
+                </a:solidFill>
+                <a:latin typeface="Times New Roman" panose="02020603050405020304" pitchFamily="18" charset="0"/>
+                <a:cs typeface="Times New Roman" panose="02020603050405020304" pitchFamily="18" charset="0"/>
+              </a:rPr>
+              <a:t> </a:t>
+            </a:r>
+          </a:p>
+          <a:p>
+            <a:pPr marL="0" indent="0" algn="just">
+              <a:buNone/>
+            </a:pPr>
+            <a:endParaRPr lang="pt-BR" sz="2000" dirty="0">
+              <a:latin typeface="Times New Roman" panose="02020603050405020304" pitchFamily="18" charset="0"/>
+              <a:cs typeface="Times New Roman" panose="02020603050405020304" pitchFamily="18" charset="0"/>
+            </a:endParaRPr>
+          </a:p>
+          <a:p>
+            <a:pPr marL="0" indent="0" algn="just">
+              <a:buNone/>
+            </a:pPr>
+            <a:r>
+              <a:rPr lang="pt-BR" sz="2000" dirty="0">
+                <a:latin typeface="Times New Roman" panose="02020603050405020304" pitchFamily="18" charset="0"/>
+                <a:cs typeface="Times New Roman" panose="02020603050405020304" pitchFamily="18" charset="0"/>
+              </a:rPr>
+              <a:t>[2] </a:t>
+            </a:r>
+            <a:r>
+              <a:rPr lang="pt-BR" sz="2000" b="1" dirty="0">
+                <a:latin typeface="Times New Roman" panose="02020603050405020304" pitchFamily="18" charset="0"/>
+                <a:cs typeface="Times New Roman" panose="02020603050405020304" pitchFamily="18" charset="0"/>
+              </a:rPr>
+              <a:t>Wikipedia: </a:t>
+            </a:r>
+            <a:r>
+              <a:rPr lang="pt-BR" sz="2000" b="1" dirty="0" err="1">
+                <a:latin typeface="Times New Roman" panose="02020603050405020304" pitchFamily="18" charset="0"/>
+                <a:cs typeface="Times New Roman" panose="02020603050405020304" pitchFamily="18" charset="0"/>
+              </a:rPr>
+              <a:t>Approximation</a:t>
+            </a:r>
+            <a:r>
+              <a:rPr lang="pt-BR" sz="2000" b="1" dirty="0">
+                <a:latin typeface="Times New Roman" panose="02020603050405020304" pitchFamily="18" charset="0"/>
+                <a:cs typeface="Times New Roman" panose="02020603050405020304" pitchFamily="18" charset="0"/>
+              </a:rPr>
+              <a:t> </a:t>
+            </a:r>
+            <a:r>
+              <a:rPr lang="pt-BR" sz="2000" b="1" dirty="0" err="1">
+                <a:latin typeface="Times New Roman" panose="02020603050405020304" pitchFamily="18" charset="0"/>
+                <a:cs typeface="Times New Roman" panose="02020603050405020304" pitchFamily="18" charset="0"/>
+              </a:rPr>
+              <a:t>Algorithm</a:t>
+            </a:r>
+            <a:r>
+              <a:rPr lang="pt-BR" sz="2000" b="1" dirty="0">
+                <a:latin typeface="Times New Roman" panose="02020603050405020304" pitchFamily="18" charset="0"/>
+                <a:cs typeface="Times New Roman" panose="02020603050405020304" pitchFamily="18" charset="0"/>
+              </a:rPr>
+              <a:t>. </a:t>
+            </a:r>
+          </a:p>
+          <a:p>
+            <a:pPr marL="0" indent="0" algn="just">
+              <a:buNone/>
+            </a:pPr>
+            <a:r>
+              <a:rPr lang="pt-BR" sz="2000" b="1" dirty="0">
+                <a:solidFill>
+                  <a:srgbClr val="FF0000"/>
+                </a:solidFill>
+                <a:latin typeface="Times New Roman" panose="02020603050405020304" pitchFamily="18" charset="0"/>
+                <a:cs typeface="Times New Roman" panose="02020603050405020304" pitchFamily="18" charset="0"/>
+              </a:rPr>
+              <a:t>Disponível em:</a:t>
+            </a:r>
+          </a:p>
+          <a:p>
+            <a:pPr marL="0" indent="0" algn="just">
+              <a:buNone/>
+            </a:pPr>
+            <a:r>
+              <a:rPr lang="pt-BR" sz="2000" b="1" dirty="0">
+                <a:solidFill>
+                  <a:srgbClr val="FF0000"/>
+                </a:solidFill>
+                <a:latin typeface="Times New Roman" panose="02020603050405020304" pitchFamily="18" charset="0"/>
+                <a:cs typeface="Times New Roman" panose="02020603050405020304" pitchFamily="18" charset="0"/>
+                <a:hlinkClick r:id="rId4"/>
+              </a:rPr>
+              <a:t>https://en.wikipedia.org/wiki/Approximation_algorithm?utm_source=chatgpt.com</a:t>
+            </a:r>
+            <a:r>
+              <a:rPr lang="pt-BR" sz="2000" b="1" dirty="0">
+                <a:solidFill>
+                  <a:srgbClr val="FF0000"/>
+                </a:solidFill>
+                <a:latin typeface="Times New Roman" panose="02020603050405020304" pitchFamily="18" charset="0"/>
+                <a:cs typeface="Times New Roman" panose="02020603050405020304" pitchFamily="18" charset="0"/>
+              </a:rPr>
+              <a:t> </a:t>
+            </a:r>
+            <a:endParaRPr lang="pt-BR" sz="2000" dirty="0">
+              <a:latin typeface="Calibri" panose="020F0502020204030204" pitchFamily="34" charset="0"/>
+            </a:endParaRPr>
+          </a:p>
+        </p:txBody>
+      </p:sp>
+    </p:spTree>
+    <p:extLst>
+      <p:ext uri="{BB962C8B-B14F-4D97-AF65-F5344CB8AC3E}">
+        <p14:creationId xmlns:p14="http://schemas.microsoft.com/office/powerpoint/2010/main" val="3680270425"/>
+      </p:ext>
+    </p:extLst>
+  </p:cSld>
+  <p:clrMapOvr>
+    <a:masterClrMapping/>
+  </p:clrMapOvr>
+  <p:transition spd="med"/>
+</p:sld>
+</file>
+
+<file path=ppt/slides/slide11.xml><?xml version="1.0" encoding="utf-8"?>
+<p:sld xmlns:a="http://schemas.openxmlformats.org/drawingml/2006/main" xmlns:r="http://schemas.openxmlformats.org/officeDocument/2006/relationships" xmlns:p="http://schemas.openxmlformats.org/presentationml/2006/main">
+  <p:cSld>
+    <p:spTree>
+      <p:nvGrpSpPr>
+        <p:cNvPr id="1" name=""/>
+        <p:cNvGrpSpPr/>
+        <p:nvPr/>
+      </p:nvGrpSpPr>
+      <p:grpSpPr>
+        <a:xfrm>
+          <a:off x="0" y="0"/>
+          <a:ext cx="0" cy="0"/>
+          <a:chOff x="0" y="0"/>
+          <a:chExt cx="0" cy="0"/>
+        </a:xfrm>
+      </p:grpSpPr>
+      <p:sp>
+        <p:nvSpPr>
+          <p:cNvPr id="6" name="Title 1"/>
+          <p:cNvSpPr>
+            <a:spLocks noGrp="1"/>
+          </p:cNvSpPr>
+          <p:nvPr>
+            <p:ph type="title"/>
+          </p:nvPr>
+        </p:nvSpPr>
+        <p:spPr>
+          <a:xfrm>
+            <a:off x="457200" y="205980"/>
+            <a:ext cx="8229600" cy="857251"/>
+          </a:xfrm>
+        </p:spPr>
+        <p:txBody>
+          <a:bodyPr>
+            <a:normAutofit/>
+          </a:bodyPr>
+          <a:lstStyle/>
+          <a:p>
+            <a:r>
+              <a:rPr lang="en-US" b="1" dirty="0" err="1">
+                <a:solidFill>
+                  <a:srgbClr val="0070C0"/>
+                </a:solidFill>
+              </a:rPr>
+              <a:t>Aprenda</a:t>
+            </a:r>
+            <a:r>
+              <a:rPr lang="en-US" b="1" dirty="0">
+                <a:solidFill>
+                  <a:srgbClr val="0070C0"/>
+                </a:solidFill>
+              </a:rPr>
+              <a:t>+</a:t>
+            </a:r>
+          </a:p>
+        </p:txBody>
+      </p:sp>
+      <p:sp>
+        <p:nvSpPr>
+          <p:cNvPr id="8" name="Text Placeholder 2"/>
+          <p:cNvSpPr>
+            <a:spLocks noGrp="1"/>
+          </p:cNvSpPr>
+          <p:nvPr>
+            <p:ph type="body" sz="half" idx="1"/>
+          </p:nvPr>
+        </p:nvSpPr>
+        <p:spPr>
+          <a:xfrm>
+            <a:off x="142865" y="1213597"/>
+            <a:ext cx="8865056" cy="3737370"/>
+          </a:xfrm>
+        </p:spPr>
+        <p:txBody>
+          <a:bodyPr>
+            <a:noAutofit/>
+          </a:bodyPr>
+          <a:lstStyle/>
+          <a:p>
+            <a:pPr marL="0" indent="0" algn="just">
+              <a:buNone/>
+            </a:pPr>
+            <a:r>
+              <a:rPr lang="pt-BR" sz="2200" dirty="0">
+                <a:latin typeface="Times New Roman" panose="02020603050405020304" pitchFamily="18" charset="0"/>
+                <a:cs typeface="Times New Roman" panose="02020603050405020304" pitchFamily="18" charset="0"/>
+              </a:rPr>
+              <a:t>[1] </a:t>
+            </a:r>
+            <a:r>
+              <a:rPr lang="pt-BR" sz="2200" b="1" dirty="0">
+                <a:latin typeface="Times New Roman" panose="02020603050405020304" pitchFamily="18" charset="0"/>
+                <a:cs typeface="Times New Roman" panose="02020603050405020304" pitchFamily="18" charset="0"/>
+              </a:rPr>
+              <a:t>Problemas NP-Completo – </a:t>
+            </a:r>
+            <a:r>
+              <a:rPr lang="pt-BR" sz="2200" b="1" dirty="0" err="1">
+                <a:latin typeface="Times New Roman" panose="02020603050405020304" pitchFamily="18" charset="0"/>
+                <a:cs typeface="Times New Roman" panose="02020603050405020304" pitchFamily="18" charset="0"/>
+              </a:rPr>
+              <a:t>Computerphile</a:t>
+            </a:r>
+            <a:endParaRPr lang="pt-BR" sz="2200" b="1" dirty="0">
+              <a:latin typeface="Times New Roman" panose="02020603050405020304" pitchFamily="18" charset="0"/>
+              <a:cs typeface="Times New Roman" panose="02020603050405020304" pitchFamily="18" charset="0"/>
+            </a:endParaRPr>
+          </a:p>
+          <a:p>
+            <a:pPr marL="0" indent="0" algn="just">
+              <a:buNone/>
+            </a:pPr>
+            <a:r>
+              <a:rPr lang="pt-BR" sz="2200" b="1" dirty="0">
+                <a:solidFill>
+                  <a:srgbClr val="FF0000"/>
+                </a:solidFill>
+                <a:latin typeface="Times New Roman" panose="02020603050405020304" pitchFamily="18" charset="0"/>
+                <a:cs typeface="Times New Roman" panose="02020603050405020304" pitchFamily="18" charset="0"/>
+              </a:rPr>
+              <a:t>Disponível em: </a:t>
+            </a:r>
+            <a:r>
+              <a:rPr lang="pt-BR" sz="2200" b="1" dirty="0">
+                <a:solidFill>
+                  <a:srgbClr val="FF0000"/>
+                </a:solidFill>
+                <a:latin typeface="Times New Roman" panose="02020603050405020304" pitchFamily="18" charset="0"/>
+                <a:cs typeface="Times New Roman" panose="02020603050405020304" pitchFamily="18" charset="0"/>
+                <a:hlinkClick r:id="rId3"/>
+              </a:rPr>
+              <a:t>https://www.youtube.com/watch?v=dJUEkjxylBw</a:t>
+            </a:r>
+            <a:r>
+              <a:rPr lang="pt-BR" sz="2200" b="1" dirty="0">
+                <a:solidFill>
+                  <a:srgbClr val="FF0000"/>
+                </a:solidFill>
+                <a:latin typeface="Times New Roman" panose="02020603050405020304" pitchFamily="18" charset="0"/>
+                <a:cs typeface="Times New Roman" panose="02020603050405020304" pitchFamily="18" charset="0"/>
+              </a:rPr>
+              <a:t> </a:t>
+            </a:r>
+            <a:endParaRPr lang="pt-BR" sz="2200" dirty="0">
+              <a:latin typeface="Times New Roman" panose="02020603050405020304" pitchFamily="18" charset="0"/>
+              <a:cs typeface="Times New Roman" panose="02020603050405020304" pitchFamily="18" charset="0"/>
+            </a:endParaRPr>
+          </a:p>
+          <a:p>
+            <a:pPr marL="0" indent="0" algn="just">
+              <a:buNone/>
+            </a:pPr>
+            <a:endParaRPr lang="pt-BR" sz="2200" dirty="0">
+              <a:latin typeface="Times New Roman" panose="02020603050405020304" pitchFamily="18" charset="0"/>
+              <a:cs typeface="Times New Roman" panose="02020603050405020304" pitchFamily="18" charset="0"/>
+            </a:endParaRPr>
+          </a:p>
+          <a:p>
+            <a:pPr marL="0" indent="0" algn="just">
+              <a:buNone/>
+            </a:pPr>
+            <a:r>
+              <a:rPr lang="pt-BR" sz="2200" dirty="0">
+                <a:latin typeface="Times New Roman" panose="02020603050405020304" pitchFamily="18" charset="0"/>
+                <a:cs typeface="Times New Roman" panose="02020603050405020304" pitchFamily="18" charset="0"/>
+              </a:rPr>
+              <a:t>[2] </a:t>
+            </a:r>
+            <a:r>
+              <a:rPr lang="pt-BR" sz="2200" b="1" dirty="0">
+                <a:latin typeface="Times New Roman" panose="02020603050405020304" pitchFamily="18" charset="0"/>
+                <a:cs typeface="Times New Roman" panose="02020603050405020304" pitchFamily="18" charset="0"/>
+              </a:rPr>
+              <a:t>Algoritmos de Aproximação – William </a:t>
+            </a:r>
+            <a:r>
+              <a:rPr lang="pt-BR" sz="2200" b="1" dirty="0" err="1">
+                <a:latin typeface="Times New Roman" panose="02020603050405020304" pitchFamily="18" charset="0"/>
+                <a:cs typeface="Times New Roman" panose="02020603050405020304" pitchFamily="18" charset="0"/>
+              </a:rPr>
+              <a:t>Fiset</a:t>
+            </a:r>
+            <a:endParaRPr lang="pt-BR" sz="2200" b="1" dirty="0">
+              <a:latin typeface="Times New Roman" panose="02020603050405020304" pitchFamily="18" charset="0"/>
+              <a:cs typeface="Times New Roman" panose="02020603050405020304" pitchFamily="18" charset="0"/>
+            </a:endParaRPr>
+          </a:p>
+          <a:p>
+            <a:pPr marL="0" indent="0" algn="just">
+              <a:buNone/>
+            </a:pPr>
+            <a:r>
+              <a:rPr lang="pt-BR" sz="2200" b="1" dirty="0">
+                <a:solidFill>
+                  <a:srgbClr val="FF0000"/>
+                </a:solidFill>
+                <a:latin typeface="Times New Roman" panose="02020603050405020304" pitchFamily="18" charset="0"/>
+                <a:cs typeface="Times New Roman" panose="02020603050405020304" pitchFamily="18" charset="0"/>
+              </a:rPr>
+              <a:t>Disponível em: </a:t>
+            </a:r>
+            <a:r>
+              <a:rPr lang="pt-BR" sz="2200" b="1" dirty="0">
+                <a:solidFill>
+                  <a:srgbClr val="FF0000"/>
+                </a:solidFill>
+                <a:latin typeface="Times New Roman" panose="02020603050405020304" pitchFamily="18" charset="0"/>
+                <a:cs typeface="Times New Roman" panose="02020603050405020304" pitchFamily="18" charset="0"/>
+                <a:hlinkClick r:id="rId4"/>
+              </a:rPr>
+              <a:t>https://youtu.be/NAxiJKNQu7o</a:t>
+            </a:r>
+            <a:r>
+              <a:rPr lang="pt-BR" sz="2200" b="1" dirty="0">
+                <a:solidFill>
+                  <a:srgbClr val="FF0000"/>
+                </a:solidFill>
+                <a:latin typeface="Times New Roman" panose="02020603050405020304" pitchFamily="18" charset="0"/>
+                <a:cs typeface="Times New Roman" panose="02020603050405020304" pitchFamily="18" charset="0"/>
+              </a:rPr>
+              <a:t> </a:t>
+            </a:r>
+          </a:p>
+          <a:p>
+            <a:pPr marL="0" indent="0" algn="just">
+              <a:buNone/>
+            </a:pPr>
+            <a:endParaRPr lang="pt-BR" sz="2200" b="1" dirty="0">
+              <a:solidFill>
+                <a:srgbClr val="FF0000"/>
+              </a:solidFill>
+              <a:latin typeface="Times New Roman" panose="02020603050405020304" pitchFamily="18" charset="0"/>
+              <a:cs typeface="Times New Roman" panose="02020603050405020304" pitchFamily="18" charset="0"/>
+            </a:endParaRPr>
+          </a:p>
+          <a:p>
+            <a:pPr marL="0" indent="0" algn="just">
+              <a:buNone/>
+            </a:pPr>
+            <a:r>
+              <a:rPr lang="pt-BR" sz="2200" dirty="0">
+                <a:latin typeface="Times New Roman" panose="02020603050405020304" pitchFamily="18" charset="0"/>
+                <a:cs typeface="Times New Roman" panose="02020603050405020304" pitchFamily="18" charset="0"/>
+              </a:rPr>
+              <a:t>[3] </a:t>
+            </a:r>
+            <a:r>
+              <a:rPr lang="pt-BR" sz="2200" b="1" dirty="0">
+                <a:latin typeface="Times New Roman" panose="02020603050405020304" pitchFamily="18" charset="0"/>
+                <a:cs typeface="Times New Roman" panose="02020603050405020304" pitchFamily="18" charset="0"/>
+              </a:rPr>
+              <a:t>Entendendo Problemas de Otimização, Decisão, P, NP, </a:t>
+            </a:r>
+            <a:r>
+              <a:rPr lang="pt-BR" sz="2200" b="1" dirty="0" err="1">
+                <a:latin typeface="Times New Roman" panose="02020603050405020304" pitchFamily="18" charset="0"/>
+                <a:cs typeface="Times New Roman" panose="02020603050405020304" pitchFamily="18" charset="0"/>
+              </a:rPr>
+              <a:t>co-NP</a:t>
+            </a:r>
+            <a:r>
+              <a:rPr lang="pt-BR" sz="2200" b="1" dirty="0">
+                <a:latin typeface="Times New Roman" panose="02020603050405020304" pitchFamily="18" charset="0"/>
+                <a:cs typeface="Times New Roman" panose="02020603050405020304" pitchFamily="18" charset="0"/>
+              </a:rPr>
+              <a:t> e Complementos de Problemas</a:t>
+            </a:r>
+          </a:p>
+          <a:p>
+            <a:pPr marL="0" indent="0" algn="just">
+              <a:buNone/>
+            </a:pPr>
+            <a:r>
+              <a:rPr lang="pt-BR" sz="2200" b="1" dirty="0">
+                <a:solidFill>
+                  <a:srgbClr val="FF0000"/>
+                </a:solidFill>
+                <a:latin typeface="Times New Roman" panose="02020603050405020304" pitchFamily="18" charset="0"/>
+                <a:cs typeface="Times New Roman" panose="02020603050405020304" pitchFamily="18" charset="0"/>
+              </a:rPr>
+              <a:t>Disponível em: </a:t>
+            </a:r>
+            <a:r>
+              <a:rPr lang="pt-BR" sz="2200" dirty="0">
+                <a:latin typeface="Times New Roman" panose="02020603050405020304" pitchFamily="18" charset="0"/>
+                <a:cs typeface="Times New Roman" panose="02020603050405020304" pitchFamily="18" charset="0"/>
+                <a:hlinkClick r:id="rId5"/>
+              </a:rPr>
+              <a:t>https://youtu.be/iKTke58n9cY</a:t>
+            </a:r>
+            <a:r>
+              <a:rPr lang="pt-BR" sz="2200" dirty="0">
+                <a:latin typeface="Times New Roman" panose="02020603050405020304" pitchFamily="18" charset="0"/>
+                <a:cs typeface="Times New Roman" panose="02020603050405020304" pitchFamily="18" charset="0"/>
+              </a:rPr>
+              <a:t> </a:t>
+            </a:r>
+          </a:p>
+        </p:txBody>
+      </p:sp>
+    </p:spTree>
+    <p:extLst>
+      <p:ext uri="{BB962C8B-B14F-4D97-AF65-F5344CB8AC3E}">
+        <p14:creationId xmlns:p14="http://schemas.microsoft.com/office/powerpoint/2010/main" val="2747596967"/>
+      </p:ext>
+    </p:extLst>
+  </p:cSld>
+  <p:clrMapOvr>
+    <a:masterClrMapping/>
+  </p:clrMapOvr>
+  <p:transition spd="med"/>
+</p:sld>
+</file>
+
+<file path=ppt/slides/slide12.xml><?xml version="1.0" encoding="utf-8"?>
+<p:sld xmlns:a="http://schemas.openxmlformats.org/drawingml/2006/main" xmlns:r="http://schemas.openxmlformats.org/officeDocument/2006/relationships" xmlns:p="http://schemas.openxmlformats.org/presentationml/2006/main">
+  <p:cSld>
+    <p:spTree>
+      <p:nvGrpSpPr>
+        <p:cNvPr id="1" name=""/>
+        <p:cNvGrpSpPr/>
+        <p:nvPr/>
+      </p:nvGrpSpPr>
+      <p:grpSpPr>
+        <a:xfrm>
+          <a:off x="0" y="0"/>
+          <a:ext cx="0" cy="0"/>
+          <a:chOff x="0" y="0"/>
+          <a:chExt cx="0" cy="0"/>
+        </a:xfrm>
+      </p:grpSpPr>
+      <p:sp>
+        <p:nvSpPr>
+          <p:cNvPr id="6" name="Title 1"/>
+          <p:cNvSpPr>
+            <a:spLocks noGrp="1"/>
+          </p:cNvSpPr>
+          <p:nvPr>
+            <p:ph type="title"/>
+          </p:nvPr>
+        </p:nvSpPr>
+        <p:spPr>
+          <a:xfrm>
+            <a:off x="457200" y="205980"/>
+            <a:ext cx="8229600" cy="857251"/>
+          </a:xfrm>
+        </p:spPr>
+        <p:txBody>
+          <a:bodyPr>
+            <a:normAutofit/>
+          </a:bodyPr>
+          <a:lstStyle/>
+          <a:p>
+            <a:r>
+              <a:rPr lang="en-US" b="1" dirty="0" err="1">
+                <a:solidFill>
+                  <a:srgbClr val="0070C0"/>
+                </a:solidFill>
+              </a:rPr>
+              <a:t>Dinâmica</a:t>
+            </a:r>
+            <a:endParaRPr lang="en-US" b="1" dirty="0">
+              <a:solidFill>
+                <a:srgbClr val="0070C0"/>
+              </a:solidFill>
+            </a:endParaRPr>
+          </a:p>
+        </p:txBody>
+      </p:sp>
+      <p:sp>
+        <p:nvSpPr>
+          <p:cNvPr id="8" name="Text Placeholder 2"/>
+          <p:cNvSpPr>
+            <a:spLocks noGrp="1"/>
+          </p:cNvSpPr>
+          <p:nvPr>
+            <p:ph type="body" sz="half" idx="1"/>
+          </p:nvPr>
+        </p:nvSpPr>
+        <p:spPr>
+          <a:xfrm>
+            <a:off x="139472" y="1063230"/>
+            <a:ext cx="8865056" cy="3606305"/>
+          </a:xfrm>
+        </p:spPr>
+        <p:txBody>
+          <a:bodyPr>
+            <a:noAutofit/>
+          </a:bodyPr>
+          <a:lstStyle/>
+          <a:p>
+            <a:pPr marL="0" indent="0" algn="just">
+              <a:buNone/>
+            </a:pPr>
+            <a:r>
+              <a:rPr lang="pt-BR" sz="2000" b="1" dirty="0">
+                <a:solidFill>
+                  <a:srgbClr val="FF0000"/>
+                </a:solidFill>
+                <a:latin typeface="Times New Roman" panose="02020603050405020304" pitchFamily="18" charset="0"/>
+                <a:cs typeface="Times New Roman" panose="02020603050405020304" pitchFamily="18" charset="0"/>
+              </a:rPr>
+              <a:t>Coloração de Grafos</a:t>
+            </a:r>
+          </a:p>
+          <a:p>
+            <a:pPr marL="0" indent="0" algn="just">
+              <a:buNone/>
+            </a:pPr>
+            <a:endParaRPr lang="pt-BR" sz="2000" b="1" dirty="0">
+              <a:latin typeface="Times New Roman" panose="02020603050405020304" pitchFamily="18" charset="0"/>
+              <a:cs typeface="Times New Roman" panose="02020603050405020304" pitchFamily="18" charset="0"/>
+            </a:endParaRPr>
+          </a:p>
+          <a:p>
+            <a:pPr marL="0" indent="0" algn="just">
+              <a:buNone/>
+            </a:pPr>
+            <a:r>
+              <a:rPr lang="pt-BR" sz="2000" b="1" dirty="0">
+                <a:latin typeface="Times New Roman" panose="02020603050405020304" pitchFamily="18" charset="0"/>
+                <a:cs typeface="Times New Roman" panose="02020603050405020304" pitchFamily="18" charset="0"/>
+              </a:rPr>
+              <a:t>Pergunta</a:t>
+            </a:r>
+            <a:r>
+              <a:rPr lang="pt-BR" sz="2000" dirty="0">
+                <a:latin typeface="Times New Roman" panose="02020603050405020304" pitchFamily="18" charset="0"/>
+                <a:cs typeface="Times New Roman" panose="02020603050405020304" pitchFamily="18" charset="0"/>
+              </a:rPr>
+              <a:t>: Por que o problema de determinar a coloração mínima de um grafo é considerado NP-completo?</a:t>
+            </a:r>
+          </a:p>
+          <a:p>
+            <a:pPr marL="0" indent="0" algn="just">
+              <a:buNone/>
+            </a:pPr>
+            <a:endParaRPr lang="pt-BR" sz="2000" dirty="0">
+              <a:latin typeface="Times New Roman" panose="02020603050405020304" pitchFamily="18" charset="0"/>
+              <a:cs typeface="Times New Roman" panose="02020603050405020304" pitchFamily="18" charset="0"/>
+            </a:endParaRPr>
+          </a:p>
+          <a:p>
+            <a:pPr marL="0" indent="0" algn="just">
+              <a:buNone/>
+            </a:pPr>
+            <a:r>
+              <a:rPr lang="pt-BR" sz="1800" dirty="0">
+                <a:latin typeface="Times New Roman" panose="02020603050405020304" pitchFamily="18" charset="0"/>
+                <a:cs typeface="Times New Roman" panose="02020603050405020304" pitchFamily="18" charset="0"/>
+              </a:rPr>
+              <a:t>A) Porque é impossível verificar se uma coloração é válida.</a:t>
+            </a:r>
+          </a:p>
+          <a:p>
+            <a:pPr marL="0" indent="0" algn="just">
+              <a:buNone/>
+            </a:pPr>
+            <a:r>
+              <a:rPr lang="pt-BR" sz="1800" dirty="0">
+                <a:latin typeface="Times New Roman" panose="02020603050405020304" pitchFamily="18" charset="0"/>
+                <a:cs typeface="Times New Roman" panose="02020603050405020304" pitchFamily="18" charset="0"/>
+              </a:rPr>
+              <a:t>B) Porque encontrar a coloração mínima exige explorar um número exponencial de combinações, embora verificar uma coloração seja polinomial.</a:t>
+            </a:r>
+          </a:p>
+          <a:p>
+            <a:pPr marL="0" indent="0" algn="just">
+              <a:buNone/>
+            </a:pPr>
+            <a:r>
+              <a:rPr lang="pt-BR" sz="1800" dirty="0">
+                <a:latin typeface="Times New Roman" panose="02020603050405020304" pitchFamily="18" charset="0"/>
+                <a:cs typeface="Times New Roman" panose="02020603050405020304" pitchFamily="18" charset="0"/>
+              </a:rPr>
+              <a:t>C) Porque todo grafo possui apenas uma coloração possível.</a:t>
+            </a:r>
+          </a:p>
+          <a:p>
+            <a:pPr marL="0" indent="0" algn="just">
+              <a:buNone/>
+            </a:pPr>
+            <a:r>
+              <a:rPr lang="pt-BR" sz="1800" dirty="0">
+                <a:latin typeface="Times New Roman" panose="02020603050405020304" pitchFamily="18" charset="0"/>
+                <a:cs typeface="Times New Roman" panose="02020603050405020304" pitchFamily="18" charset="0"/>
+              </a:rPr>
+              <a:t>D) Porque grafos com menos de 10 vértices nunca podem ser coloridos com menos de 3 cores.</a:t>
+            </a:r>
+          </a:p>
+          <a:p>
+            <a:pPr marL="0" indent="0" algn="just">
+              <a:buNone/>
+            </a:pPr>
+            <a:endParaRPr lang="pt-BR" sz="2000" dirty="0">
+              <a:latin typeface="Times New Roman" panose="02020603050405020304" pitchFamily="18" charset="0"/>
+              <a:cs typeface="Times New Roman" panose="02020603050405020304" pitchFamily="18" charset="0"/>
+            </a:endParaRPr>
+          </a:p>
+        </p:txBody>
+      </p:sp>
+    </p:spTree>
+    <p:extLst>
+      <p:ext uri="{BB962C8B-B14F-4D97-AF65-F5344CB8AC3E}">
+        <p14:creationId xmlns:p14="http://schemas.microsoft.com/office/powerpoint/2010/main" val="2470652989"/>
+      </p:ext>
+    </p:extLst>
+  </p:cSld>
+  <p:clrMapOvr>
+    <a:masterClrMapping/>
+  </p:clrMapOvr>
+  <p:transition spd="med"/>
+</p:sld>
+</file>
+
+<file path=ppt/slides/slide13.xml><?xml version="1.0" encoding="utf-8"?>
+<p:sld xmlns:a="http://schemas.openxmlformats.org/drawingml/2006/main" xmlns:r="http://schemas.openxmlformats.org/officeDocument/2006/relationships" xmlns:p="http://schemas.openxmlformats.org/presentationml/2006/main">
+  <p:cSld>
+    <p:spTree>
+      <p:nvGrpSpPr>
+        <p:cNvPr id="1" name="">
+          <a:extLst>
+            <a:ext uri="{FF2B5EF4-FFF2-40B4-BE49-F238E27FC236}">
+              <a16:creationId xmlns:a16="http://schemas.microsoft.com/office/drawing/2014/main" id="{046AC367-A25F-F1FD-A3A4-3ED1A1AE276E}"/>
+            </a:ext>
+          </a:extLst>
+        </p:cNvPr>
+        <p:cNvGrpSpPr/>
+        <p:nvPr/>
+      </p:nvGrpSpPr>
+      <p:grpSpPr>
+        <a:xfrm>
+          <a:off x="0" y="0"/>
+          <a:ext cx="0" cy="0"/>
+          <a:chOff x="0" y="0"/>
+          <a:chExt cx="0" cy="0"/>
+        </a:xfrm>
+      </p:grpSpPr>
+      <p:sp>
+        <p:nvSpPr>
+          <p:cNvPr id="6" name="Title 1">
+            <a:extLst>
+              <a:ext uri="{FF2B5EF4-FFF2-40B4-BE49-F238E27FC236}">
+                <a16:creationId xmlns:a16="http://schemas.microsoft.com/office/drawing/2014/main" id="{DBCA2305-D2E0-D1DD-F79A-91B0C1653F78}"/>
+              </a:ext>
+            </a:extLst>
+          </p:cNvPr>
+          <p:cNvSpPr>
+            <a:spLocks noGrp="1"/>
+          </p:cNvSpPr>
+          <p:nvPr>
+            <p:ph type="title"/>
+          </p:nvPr>
+        </p:nvSpPr>
+        <p:spPr>
+          <a:xfrm>
+            <a:off x="457200" y="205980"/>
+            <a:ext cx="8229600" cy="857251"/>
+          </a:xfrm>
+        </p:spPr>
+        <p:txBody>
+          <a:bodyPr>
+            <a:normAutofit/>
+          </a:bodyPr>
+          <a:lstStyle/>
+          <a:p>
+            <a:r>
+              <a:rPr lang="en-US" b="1" dirty="0" err="1">
+                <a:solidFill>
+                  <a:srgbClr val="0070C0"/>
+                </a:solidFill>
+              </a:rPr>
+              <a:t>Dinâmica</a:t>
+            </a:r>
+            <a:endParaRPr lang="en-US" b="1" dirty="0">
+              <a:solidFill>
+                <a:srgbClr val="0070C0"/>
+              </a:solidFill>
+            </a:endParaRPr>
+          </a:p>
+        </p:txBody>
+      </p:sp>
+      <p:sp>
+        <p:nvSpPr>
+          <p:cNvPr id="8" name="Text Placeholder 2">
+            <a:extLst>
+              <a:ext uri="{FF2B5EF4-FFF2-40B4-BE49-F238E27FC236}">
+                <a16:creationId xmlns:a16="http://schemas.microsoft.com/office/drawing/2014/main" id="{12B0AC78-C434-736A-62EA-72925ACCE323}"/>
+              </a:ext>
+            </a:extLst>
+          </p:cNvPr>
+          <p:cNvSpPr>
+            <a:spLocks noGrp="1"/>
+          </p:cNvSpPr>
+          <p:nvPr>
+            <p:ph type="body" sz="half" idx="1"/>
+          </p:nvPr>
+        </p:nvSpPr>
+        <p:spPr>
+          <a:xfrm>
+            <a:off x="139472" y="1063230"/>
+            <a:ext cx="8865056" cy="3606305"/>
+          </a:xfrm>
+        </p:spPr>
+        <p:txBody>
+          <a:bodyPr>
+            <a:noAutofit/>
+          </a:bodyPr>
+          <a:lstStyle/>
+          <a:p>
+            <a:pPr marL="0" indent="0" algn="just">
+              <a:buNone/>
+            </a:pPr>
+            <a:r>
+              <a:rPr lang="pt-BR" sz="2000" b="1" dirty="0">
+                <a:solidFill>
+                  <a:srgbClr val="FF0000"/>
+                </a:solidFill>
+                <a:latin typeface="Times New Roman" panose="02020603050405020304" pitchFamily="18" charset="0"/>
+                <a:cs typeface="Times New Roman" panose="02020603050405020304" pitchFamily="18" charset="0"/>
+              </a:rPr>
+              <a:t>Coloração de Grafos</a:t>
+            </a:r>
+          </a:p>
+          <a:p>
+            <a:pPr marL="0" indent="0" algn="just">
+              <a:buNone/>
+            </a:pPr>
+            <a:endParaRPr lang="pt-BR" sz="2000" b="1" dirty="0">
+              <a:latin typeface="Times New Roman" panose="02020603050405020304" pitchFamily="18" charset="0"/>
+              <a:cs typeface="Times New Roman" panose="02020603050405020304" pitchFamily="18" charset="0"/>
+            </a:endParaRPr>
+          </a:p>
+          <a:p>
+            <a:pPr marL="0" indent="0" algn="just">
+              <a:buNone/>
+            </a:pPr>
+            <a:r>
+              <a:rPr lang="pt-BR" sz="2000" b="1" dirty="0">
+                <a:latin typeface="Times New Roman" panose="02020603050405020304" pitchFamily="18" charset="0"/>
+                <a:cs typeface="Times New Roman" panose="02020603050405020304" pitchFamily="18" charset="0"/>
+              </a:rPr>
+              <a:t>Resposta</a:t>
+            </a:r>
+            <a:r>
+              <a:rPr lang="pt-BR" sz="2000" dirty="0">
+                <a:latin typeface="Times New Roman" panose="02020603050405020304" pitchFamily="18" charset="0"/>
+                <a:cs typeface="Times New Roman" panose="02020603050405020304" pitchFamily="18" charset="0"/>
+              </a:rPr>
+              <a:t>: </a:t>
+            </a:r>
+            <a:r>
+              <a:rPr lang="pt-BR" sz="2000" b="1" dirty="0">
+                <a:solidFill>
+                  <a:srgbClr val="FF0000"/>
+                </a:solidFill>
+                <a:latin typeface="Times New Roman" panose="02020603050405020304" pitchFamily="18" charset="0"/>
+                <a:cs typeface="Times New Roman" panose="02020603050405020304" pitchFamily="18" charset="0"/>
+              </a:rPr>
+              <a:t>B</a:t>
+            </a:r>
+          </a:p>
+          <a:p>
+            <a:pPr marL="0" indent="0" algn="just">
+              <a:buNone/>
+            </a:pPr>
+            <a:endParaRPr lang="pt-BR" sz="2000" dirty="0">
+              <a:latin typeface="Times New Roman" panose="02020603050405020304" pitchFamily="18" charset="0"/>
+              <a:cs typeface="Times New Roman" panose="02020603050405020304" pitchFamily="18" charset="0"/>
+            </a:endParaRPr>
+          </a:p>
+          <a:p>
+            <a:pPr marL="0" indent="0" algn="just">
+              <a:buNone/>
+            </a:pPr>
+            <a:r>
+              <a:rPr lang="pt-BR" sz="2000" b="1" dirty="0">
+                <a:latin typeface="Times New Roman" panose="02020603050405020304" pitchFamily="18" charset="0"/>
+                <a:cs typeface="Times New Roman" panose="02020603050405020304" pitchFamily="18" charset="0"/>
+              </a:rPr>
+              <a:t>Comentário</a:t>
+            </a:r>
+            <a:r>
+              <a:rPr lang="pt-BR" sz="2000" dirty="0">
+                <a:latin typeface="Times New Roman" panose="02020603050405020304" pitchFamily="18" charset="0"/>
+                <a:cs typeface="Times New Roman" panose="02020603050405020304" pitchFamily="18" charset="0"/>
+              </a:rPr>
+              <a:t>:</a:t>
+            </a:r>
+          </a:p>
+          <a:p>
+            <a:pPr marL="0" indent="0" algn="just">
+              <a:buNone/>
+            </a:pPr>
+            <a:r>
+              <a:rPr lang="pt-BR" sz="2000" dirty="0">
+                <a:latin typeface="Times New Roman" panose="02020603050405020304" pitchFamily="18" charset="0"/>
+                <a:cs typeface="Times New Roman" panose="02020603050405020304" pitchFamily="18" charset="0"/>
+              </a:rPr>
+              <a:t>	</a:t>
+            </a:r>
+          </a:p>
+          <a:p>
+            <a:pPr marL="0" indent="0" algn="just">
+              <a:buNone/>
+            </a:pPr>
+            <a:r>
+              <a:rPr lang="pt-BR" sz="2000" dirty="0">
+                <a:latin typeface="Times New Roman" panose="02020603050405020304" pitchFamily="18" charset="0"/>
+                <a:cs typeface="Times New Roman" panose="02020603050405020304" pitchFamily="18" charset="0"/>
+              </a:rPr>
+              <a:t>	Verificar se uma </a:t>
+            </a:r>
+            <a:r>
+              <a:rPr lang="pt-BR" sz="2000" b="1" dirty="0">
+                <a:latin typeface="Times New Roman" panose="02020603050405020304" pitchFamily="18" charset="0"/>
+                <a:cs typeface="Times New Roman" panose="02020603050405020304" pitchFamily="18" charset="0"/>
+              </a:rPr>
+              <a:t>coloração</a:t>
+            </a:r>
+            <a:r>
+              <a:rPr lang="pt-BR" sz="2000" dirty="0">
+                <a:latin typeface="Times New Roman" panose="02020603050405020304" pitchFamily="18" charset="0"/>
+                <a:cs typeface="Times New Roman" panose="02020603050405020304" pitchFamily="18" charset="0"/>
+              </a:rPr>
+              <a:t> com </a:t>
+            </a:r>
+            <a:r>
+              <a:rPr lang="pt-BR" sz="2000" b="1" dirty="0">
+                <a:solidFill>
+                  <a:srgbClr val="FF0000"/>
+                </a:solidFill>
+                <a:latin typeface="Times New Roman" panose="02020603050405020304" pitchFamily="18" charset="0"/>
+                <a:cs typeface="Times New Roman" panose="02020603050405020304" pitchFamily="18" charset="0"/>
+              </a:rPr>
+              <a:t>k cores </a:t>
+            </a:r>
+            <a:r>
+              <a:rPr lang="pt-BR" sz="2000" dirty="0">
+                <a:latin typeface="Times New Roman" panose="02020603050405020304" pitchFamily="18" charset="0"/>
+                <a:cs typeface="Times New Roman" panose="02020603050405020304" pitchFamily="18" charset="0"/>
+              </a:rPr>
+              <a:t>é válida é fácil (</a:t>
+            </a:r>
+            <a:r>
+              <a:rPr lang="pt-BR" sz="2000" b="1" dirty="0">
+                <a:solidFill>
+                  <a:srgbClr val="FF0000"/>
+                </a:solidFill>
+                <a:latin typeface="Times New Roman" panose="02020603050405020304" pitchFamily="18" charset="0"/>
+                <a:cs typeface="Times New Roman" panose="02020603050405020304" pitchFamily="18" charset="0"/>
+              </a:rPr>
+              <a:t>tempo polinomial</a:t>
+            </a:r>
+            <a:r>
+              <a:rPr lang="pt-BR" sz="2000" dirty="0">
+                <a:latin typeface="Times New Roman" panose="02020603050405020304" pitchFamily="18" charset="0"/>
+                <a:cs typeface="Times New Roman" panose="02020603050405020304" pitchFamily="18" charset="0"/>
+              </a:rPr>
+              <a:t>), mas encontrar a </a:t>
+            </a:r>
+            <a:r>
+              <a:rPr lang="pt-BR" sz="2000" b="1" dirty="0">
+                <a:latin typeface="Times New Roman" panose="02020603050405020304" pitchFamily="18" charset="0"/>
+                <a:cs typeface="Times New Roman" panose="02020603050405020304" pitchFamily="18" charset="0"/>
+              </a:rPr>
+              <a:t>coloração mínima </a:t>
+            </a:r>
+            <a:r>
+              <a:rPr lang="pt-BR" sz="2000" dirty="0">
+                <a:latin typeface="Times New Roman" panose="02020603050405020304" pitchFamily="18" charset="0"/>
+                <a:cs typeface="Times New Roman" panose="02020603050405020304" pitchFamily="18" charset="0"/>
+              </a:rPr>
+              <a:t>exige </a:t>
+            </a:r>
+            <a:r>
+              <a:rPr lang="pt-BR" sz="2000" b="1" dirty="0">
+                <a:solidFill>
+                  <a:srgbClr val="FF0000"/>
+                </a:solidFill>
+                <a:latin typeface="Times New Roman" panose="02020603050405020304" pitchFamily="18" charset="0"/>
+                <a:cs typeface="Times New Roman" panose="02020603050405020304" pitchFamily="18" charset="0"/>
+              </a:rPr>
+              <a:t>testar muitas combinações possíveis de cores</a:t>
+            </a:r>
+            <a:r>
+              <a:rPr lang="pt-BR" sz="2000" dirty="0">
+                <a:latin typeface="Times New Roman" panose="02020603050405020304" pitchFamily="18" charset="0"/>
+                <a:cs typeface="Times New Roman" panose="02020603050405020304" pitchFamily="18" charset="0"/>
+              </a:rPr>
+              <a:t>, que crescem </a:t>
+            </a:r>
+            <a:r>
+              <a:rPr lang="pt-BR" sz="2000" b="1" dirty="0">
+                <a:latin typeface="Times New Roman" panose="02020603050405020304" pitchFamily="18" charset="0"/>
+                <a:cs typeface="Times New Roman" panose="02020603050405020304" pitchFamily="18" charset="0"/>
+              </a:rPr>
+              <a:t>exponencialmente</a:t>
+            </a:r>
+            <a:r>
+              <a:rPr lang="pt-BR" sz="2000" dirty="0">
+                <a:latin typeface="Times New Roman" panose="02020603050405020304" pitchFamily="18" charset="0"/>
+                <a:cs typeface="Times New Roman" panose="02020603050405020304" pitchFamily="18" charset="0"/>
+              </a:rPr>
+              <a:t> com o </a:t>
+            </a:r>
+            <a:r>
+              <a:rPr lang="pt-BR" sz="2000" b="1" dirty="0">
+                <a:solidFill>
+                  <a:srgbClr val="FF0000"/>
+                </a:solidFill>
+                <a:latin typeface="Times New Roman" panose="02020603050405020304" pitchFamily="18" charset="0"/>
+                <a:cs typeface="Times New Roman" panose="02020603050405020304" pitchFamily="18" charset="0"/>
+              </a:rPr>
+              <a:t>tamanho do grafo</a:t>
+            </a:r>
+            <a:r>
+              <a:rPr lang="pt-BR" sz="2000" dirty="0">
+                <a:latin typeface="Times New Roman" panose="02020603050405020304" pitchFamily="18" charset="0"/>
+                <a:cs typeface="Times New Roman" panose="02020603050405020304" pitchFamily="18" charset="0"/>
+              </a:rPr>
+              <a:t>. Por isso, o problema é </a:t>
+            </a:r>
+            <a:r>
+              <a:rPr lang="pt-BR" sz="2000" b="1" dirty="0">
+                <a:latin typeface="Times New Roman" panose="02020603050405020304" pitchFamily="18" charset="0"/>
+                <a:cs typeface="Times New Roman" panose="02020603050405020304" pitchFamily="18" charset="0"/>
+              </a:rPr>
+              <a:t>NP-completo</a:t>
+            </a:r>
+            <a:r>
+              <a:rPr lang="pt-BR" sz="2000" dirty="0">
+                <a:latin typeface="Times New Roman" panose="02020603050405020304" pitchFamily="18" charset="0"/>
+                <a:cs typeface="Times New Roman" panose="02020603050405020304" pitchFamily="18" charset="0"/>
+              </a:rPr>
+              <a:t>.</a:t>
+            </a:r>
+          </a:p>
+        </p:txBody>
+      </p:sp>
+    </p:spTree>
+    <p:extLst>
+      <p:ext uri="{BB962C8B-B14F-4D97-AF65-F5344CB8AC3E}">
+        <p14:creationId xmlns:p14="http://schemas.microsoft.com/office/powerpoint/2010/main" val="760057158"/>
+      </p:ext>
+    </p:extLst>
+  </p:cSld>
+  <p:clrMapOvr>
+    <a:masterClrMapping/>
+  </p:clrMapOvr>
+  <p:transition spd="med"/>
+</p:sld>
+</file>
+
+<file path=ppt/slides/slide14.xml><?xml version="1.0" encoding="utf-8"?>
+<p:sld xmlns:a="http://schemas.openxmlformats.org/drawingml/2006/main" xmlns:r="http://schemas.openxmlformats.org/officeDocument/2006/relationships" xmlns:p="http://schemas.openxmlformats.org/presentationml/2006/main">
+  <p:cSld>
+    <p:spTree>
+      <p:nvGrpSpPr>
+        <p:cNvPr id="1" name="">
+          <a:extLst>
+            <a:ext uri="{FF2B5EF4-FFF2-40B4-BE49-F238E27FC236}">
+              <a16:creationId xmlns:a16="http://schemas.microsoft.com/office/drawing/2014/main" id="{3B6B034C-A43A-5EBD-DFE2-F93B78EFD3DA}"/>
+            </a:ext>
+          </a:extLst>
+        </p:cNvPr>
+        <p:cNvGrpSpPr/>
+        <p:nvPr/>
+      </p:nvGrpSpPr>
+      <p:grpSpPr>
+        <a:xfrm>
+          <a:off x="0" y="0"/>
+          <a:ext cx="0" cy="0"/>
+          <a:chOff x="0" y="0"/>
+          <a:chExt cx="0" cy="0"/>
+        </a:xfrm>
+      </p:grpSpPr>
+      <p:sp>
+        <p:nvSpPr>
+          <p:cNvPr id="6" name="Title 1">
+            <a:extLst>
+              <a:ext uri="{FF2B5EF4-FFF2-40B4-BE49-F238E27FC236}">
+                <a16:creationId xmlns:a16="http://schemas.microsoft.com/office/drawing/2014/main" id="{2D69EB08-E2C0-943A-B931-FBD039FE6EB5}"/>
+              </a:ext>
+            </a:extLst>
+          </p:cNvPr>
+          <p:cNvSpPr>
+            <a:spLocks noGrp="1"/>
+          </p:cNvSpPr>
+          <p:nvPr>
+            <p:ph type="title"/>
+          </p:nvPr>
+        </p:nvSpPr>
+        <p:spPr>
+          <a:xfrm>
+            <a:off x="457200" y="205980"/>
+            <a:ext cx="8229600" cy="857251"/>
+          </a:xfrm>
+        </p:spPr>
+        <p:txBody>
+          <a:bodyPr>
+            <a:normAutofit/>
+          </a:bodyPr>
+          <a:lstStyle/>
+          <a:p>
+            <a:r>
+              <a:rPr lang="en-US" b="1" dirty="0" err="1">
+                <a:solidFill>
+                  <a:srgbClr val="0070C0"/>
+                </a:solidFill>
+              </a:rPr>
+              <a:t>Dinâmica</a:t>
+            </a:r>
+            <a:endParaRPr lang="en-US" b="1" dirty="0">
+              <a:solidFill>
+                <a:srgbClr val="0070C0"/>
+              </a:solidFill>
+            </a:endParaRPr>
+          </a:p>
+        </p:txBody>
+      </p:sp>
+      <p:sp>
+        <p:nvSpPr>
+          <p:cNvPr id="8" name="Text Placeholder 2">
+            <a:extLst>
+              <a:ext uri="{FF2B5EF4-FFF2-40B4-BE49-F238E27FC236}">
+                <a16:creationId xmlns:a16="http://schemas.microsoft.com/office/drawing/2014/main" id="{63842E79-02A1-6EB9-89FD-6B3354D1DB04}"/>
+              </a:ext>
+            </a:extLst>
+          </p:cNvPr>
+          <p:cNvSpPr>
+            <a:spLocks noGrp="1"/>
+          </p:cNvSpPr>
+          <p:nvPr>
+            <p:ph type="body" sz="half" idx="1"/>
+          </p:nvPr>
+        </p:nvSpPr>
+        <p:spPr>
+          <a:xfrm>
+            <a:off x="139472" y="1063230"/>
+            <a:ext cx="8865056" cy="3606305"/>
+          </a:xfrm>
+        </p:spPr>
+        <p:txBody>
+          <a:bodyPr>
+            <a:noAutofit/>
+          </a:bodyPr>
+          <a:lstStyle/>
+          <a:p>
+            <a:pPr marL="0" indent="0" algn="just">
+              <a:buNone/>
+            </a:pPr>
+            <a:r>
+              <a:rPr lang="pt-BR" sz="2000" b="1" dirty="0">
+                <a:solidFill>
+                  <a:srgbClr val="FF0000"/>
+                </a:solidFill>
+                <a:latin typeface="Times New Roman" panose="02020603050405020304" pitchFamily="18" charset="0"/>
+                <a:cs typeface="Times New Roman" panose="02020603050405020304" pitchFamily="18" charset="0"/>
+              </a:rPr>
+              <a:t>Problema da Mochila 0-1</a:t>
+            </a:r>
+          </a:p>
+          <a:p>
+            <a:pPr marL="0" indent="0" algn="just">
+              <a:buNone/>
+            </a:pPr>
+            <a:endParaRPr lang="pt-BR" sz="2000" dirty="0">
+              <a:solidFill>
+                <a:schemeClr val="tx1"/>
+              </a:solidFill>
+              <a:latin typeface="Times New Roman" panose="02020603050405020304" pitchFamily="18" charset="0"/>
+              <a:cs typeface="Times New Roman" panose="02020603050405020304" pitchFamily="18" charset="0"/>
+            </a:endParaRPr>
+          </a:p>
+          <a:p>
+            <a:pPr marL="0" indent="0" algn="just">
+              <a:buNone/>
+            </a:pPr>
+            <a:r>
+              <a:rPr lang="pt-BR" sz="2000" b="1" dirty="0">
+                <a:solidFill>
+                  <a:schemeClr val="tx1"/>
+                </a:solidFill>
+                <a:latin typeface="Times New Roman" panose="02020603050405020304" pitchFamily="18" charset="0"/>
+                <a:cs typeface="Times New Roman" panose="02020603050405020304" pitchFamily="18" charset="0"/>
+              </a:rPr>
+              <a:t>Pergunta</a:t>
+            </a:r>
+            <a:r>
+              <a:rPr lang="pt-BR" sz="2000" dirty="0">
+                <a:solidFill>
+                  <a:schemeClr val="tx1"/>
+                </a:solidFill>
+                <a:latin typeface="Times New Roman" panose="02020603050405020304" pitchFamily="18" charset="0"/>
+                <a:cs typeface="Times New Roman" panose="02020603050405020304" pitchFamily="18" charset="0"/>
+              </a:rPr>
+              <a:t>: Como funciona um algoritmo guloso de aproximação para o problema da mochila 0-1 e qual sua limitação?</a:t>
+            </a:r>
+          </a:p>
+          <a:p>
+            <a:pPr marL="0" indent="0" algn="just">
+              <a:buNone/>
+            </a:pPr>
+            <a:endParaRPr lang="pt-BR" sz="2000" dirty="0">
+              <a:solidFill>
+                <a:schemeClr val="tx1"/>
+              </a:solidFill>
+              <a:latin typeface="Times New Roman" panose="02020603050405020304" pitchFamily="18" charset="0"/>
+              <a:cs typeface="Times New Roman" panose="02020603050405020304" pitchFamily="18" charset="0"/>
+            </a:endParaRPr>
+          </a:p>
+          <a:p>
+            <a:pPr marL="0" indent="0" algn="just">
+              <a:buNone/>
+            </a:pPr>
+            <a:r>
+              <a:rPr lang="pt-BR" sz="1800" dirty="0">
+                <a:solidFill>
+                  <a:schemeClr val="tx1"/>
+                </a:solidFill>
+                <a:latin typeface="Times New Roman" panose="02020603050405020304" pitchFamily="18" charset="0"/>
+                <a:cs typeface="Times New Roman" panose="02020603050405020304" pitchFamily="18" charset="0"/>
+              </a:rPr>
+              <a:t>A) Seleciona itens aleatoriamente, garantindo a solução ótima.</a:t>
+            </a:r>
+          </a:p>
+          <a:p>
+            <a:pPr marL="0" indent="0" algn="just">
+              <a:buNone/>
+            </a:pPr>
+            <a:r>
+              <a:rPr lang="pt-BR" sz="1800" dirty="0">
+                <a:solidFill>
+                  <a:schemeClr val="tx1"/>
+                </a:solidFill>
+                <a:latin typeface="Times New Roman" panose="02020603050405020304" pitchFamily="18" charset="0"/>
+                <a:cs typeface="Times New Roman" panose="02020603050405020304" pitchFamily="18" charset="0"/>
+              </a:rPr>
+              <a:t>B) Seleciona itens com menor peso primeiro, sempre garantindo a solução ótima.</a:t>
+            </a:r>
+          </a:p>
+          <a:p>
+            <a:pPr marL="0" indent="0" algn="just">
+              <a:buNone/>
+            </a:pPr>
+            <a:r>
+              <a:rPr lang="pt-BR" sz="1800" dirty="0">
+                <a:solidFill>
+                  <a:schemeClr val="tx1"/>
+                </a:solidFill>
+                <a:latin typeface="Times New Roman" panose="02020603050405020304" pitchFamily="18" charset="0"/>
+                <a:cs typeface="Times New Roman" panose="02020603050405020304" pitchFamily="18" charset="0"/>
+              </a:rPr>
+              <a:t>C) Seleciona itens por valor/peso decrescente até a mochila encher, mas pode não encontrar a solução ótima.</a:t>
+            </a:r>
+          </a:p>
+          <a:p>
+            <a:pPr marL="0" indent="0" algn="just">
+              <a:buNone/>
+            </a:pPr>
+            <a:r>
+              <a:rPr lang="pt-BR" sz="1800" dirty="0">
+                <a:solidFill>
+                  <a:schemeClr val="tx1"/>
+                </a:solidFill>
+                <a:latin typeface="Times New Roman" panose="02020603050405020304" pitchFamily="18" charset="0"/>
+                <a:cs typeface="Times New Roman" panose="02020603050405020304" pitchFamily="18" charset="0"/>
+              </a:rPr>
+              <a:t>D) Seleciona todos os itens de uma vez, ignorando a capacidade da mochila.</a:t>
+            </a:r>
+          </a:p>
+        </p:txBody>
+      </p:sp>
+    </p:spTree>
+    <p:extLst>
+      <p:ext uri="{BB962C8B-B14F-4D97-AF65-F5344CB8AC3E}">
+        <p14:creationId xmlns:p14="http://schemas.microsoft.com/office/powerpoint/2010/main" val="4233509704"/>
+      </p:ext>
+    </p:extLst>
+  </p:cSld>
+  <p:clrMapOvr>
+    <a:masterClrMapping/>
+  </p:clrMapOvr>
+  <p:transition spd="med"/>
+</p:sld>
+</file>
+
+<file path=ppt/slides/slide15.xml><?xml version="1.0" encoding="utf-8"?>
+<p:sld xmlns:a="http://schemas.openxmlformats.org/drawingml/2006/main" xmlns:r="http://schemas.openxmlformats.org/officeDocument/2006/relationships" xmlns:p="http://schemas.openxmlformats.org/presentationml/2006/main">
+  <p:cSld>
+    <p:spTree>
+      <p:nvGrpSpPr>
+        <p:cNvPr id="1" name="">
+          <a:extLst>
+            <a:ext uri="{FF2B5EF4-FFF2-40B4-BE49-F238E27FC236}">
+              <a16:creationId xmlns:a16="http://schemas.microsoft.com/office/drawing/2014/main" id="{AAD38666-1CC7-841A-78B9-CAB9A4EBD9B5}"/>
+            </a:ext>
+          </a:extLst>
+        </p:cNvPr>
+        <p:cNvGrpSpPr/>
+        <p:nvPr/>
+      </p:nvGrpSpPr>
+      <p:grpSpPr>
+        <a:xfrm>
+          <a:off x="0" y="0"/>
+          <a:ext cx="0" cy="0"/>
+          <a:chOff x="0" y="0"/>
+          <a:chExt cx="0" cy="0"/>
+        </a:xfrm>
+      </p:grpSpPr>
+      <p:sp>
+        <p:nvSpPr>
+          <p:cNvPr id="6" name="Title 1">
+            <a:extLst>
+              <a:ext uri="{FF2B5EF4-FFF2-40B4-BE49-F238E27FC236}">
+                <a16:creationId xmlns:a16="http://schemas.microsoft.com/office/drawing/2014/main" id="{CD34F970-F66A-F0C9-4A88-19E79CB461F7}"/>
+              </a:ext>
+            </a:extLst>
+          </p:cNvPr>
+          <p:cNvSpPr>
+            <a:spLocks noGrp="1"/>
+          </p:cNvSpPr>
+          <p:nvPr>
+            <p:ph type="title"/>
+          </p:nvPr>
+        </p:nvSpPr>
+        <p:spPr>
+          <a:xfrm>
+            <a:off x="457200" y="205980"/>
+            <a:ext cx="8229600" cy="857251"/>
+          </a:xfrm>
+        </p:spPr>
+        <p:txBody>
+          <a:bodyPr>
+            <a:normAutofit/>
+          </a:bodyPr>
+          <a:lstStyle/>
+          <a:p>
+            <a:r>
+              <a:rPr lang="en-US" b="1" dirty="0" err="1">
+                <a:solidFill>
+                  <a:srgbClr val="0070C0"/>
+                </a:solidFill>
+              </a:rPr>
+              <a:t>Dinâmica</a:t>
+            </a:r>
+            <a:endParaRPr lang="en-US" b="1" dirty="0">
+              <a:solidFill>
+                <a:srgbClr val="0070C0"/>
+              </a:solidFill>
+            </a:endParaRPr>
+          </a:p>
+        </p:txBody>
+      </p:sp>
+      <p:sp>
+        <p:nvSpPr>
+          <p:cNvPr id="8" name="Text Placeholder 2">
+            <a:extLst>
+              <a:ext uri="{FF2B5EF4-FFF2-40B4-BE49-F238E27FC236}">
+                <a16:creationId xmlns:a16="http://schemas.microsoft.com/office/drawing/2014/main" id="{DEF4D7F4-8800-937C-50E5-0B48E2140E43}"/>
+              </a:ext>
+            </a:extLst>
+          </p:cNvPr>
+          <p:cNvSpPr>
+            <a:spLocks noGrp="1"/>
+          </p:cNvSpPr>
+          <p:nvPr>
+            <p:ph type="body" sz="half" idx="1"/>
+          </p:nvPr>
+        </p:nvSpPr>
+        <p:spPr>
+          <a:xfrm>
+            <a:off x="139472" y="1063230"/>
+            <a:ext cx="8865056" cy="3606305"/>
+          </a:xfrm>
+        </p:spPr>
+        <p:txBody>
+          <a:bodyPr>
+            <a:noAutofit/>
+          </a:bodyPr>
+          <a:lstStyle/>
+          <a:p>
+            <a:pPr marL="0" indent="0" algn="just">
+              <a:buNone/>
+            </a:pPr>
+            <a:r>
+              <a:rPr lang="pt-BR" sz="2000" b="1" dirty="0">
+                <a:solidFill>
+                  <a:srgbClr val="FF0000"/>
+                </a:solidFill>
+                <a:latin typeface="Times New Roman" panose="02020603050405020304" pitchFamily="18" charset="0"/>
+                <a:cs typeface="Times New Roman" panose="02020603050405020304" pitchFamily="18" charset="0"/>
+              </a:rPr>
+              <a:t>Problema da Mochila 0-1</a:t>
+            </a:r>
+          </a:p>
+          <a:p>
+            <a:pPr marL="0" indent="0" algn="just">
+              <a:buNone/>
+            </a:pPr>
+            <a:endParaRPr lang="pt-BR" sz="2000" dirty="0">
+              <a:solidFill>
+                <a:schemeClr val="tx1"/>
+              </a:solidFill>
+              <a:latin typeface="Times New Roman" panose="02020603050405020304" pitchFamily="18" charset="0"/>
+              <a:cs typeface="Times New Roman" panose="02020603050405020304" pitchFamily="18" charset="0"/>
+            </a:endParaRPr>
+          </a:p>
+          <a:p>
+            <a:pPr marL="0" indent="0" algn="just">
+              <a:buNone/>
+            </a:pPr>
+            <a:r>
+              <a:rPr lang="pt-BR" sz="2000" b="1" dirty="0">
+                <a:solidFill>
+                  <a:schemeClr val="tx1"/>
+                </a:solidFill>
+                <a:latin typeface="Times New Roman" panose="02020603050405020304" pitchFamily="18" charset="0"/>
+                <a:cs typeface="Times New Roman" panose="02020603050405020304" pitchFamily="18" charset="0"/>
+              </a:rPr>
+              <a:t>Resposta</a:t>
+            </a:r>
+            <a:r>
+              <a:rPr lang="pt-BR" sz="2000" dirty="0">
+                <a:solidFill>
+                  <a:schemeClr val="tx1"/>
+                </a:solidFill>
+                <a:latin typeface="Times New Roman" panose="02020603050405020304" pitchFamily="18" charset="0"/>
+                <a:cs typeface="Times New Roman" panose="02020603050405020304" pitchFamily="18" charset="0"/>
+              </a:rPr>
+              <a:t>:</a:t>
+            </a:r>
+            <a:r>
+              <a:rPr lang="pt-BR" sz="2000" b="1" dirty="0">
+                <a:solidFill>
+                  <a:srgbClr val="FF0000"/>
+                </a:solidFill>
+                <a:latin typeface="Times New Roman" panose="02020603050405020304" pitchFamily="18" charset="0"/>
+                <a:cs typeface="Times New Roman" panose="02020603050405020304" pitchFamily="18" charset="0"/>
+              </a:rPr>
+              <a:t> C</a:t>
+            </a:r>
+          </a:p>
+          <a:p>
+            <a:pPr marL="0" indent="0" algn="just">
+              <a:buNone/>
+            </a:pPr>
+            <a:endParaRPr lang="pt-BR" sz="2000" dirty="0">
+              <a:solidFill>
+                <a:schemeClr val="tx1"/>
+              </a:solidFill>
+              <a:latin typeface="Times New Roman" panose="02020603050405020304" pitchFamily="18" charset="0"/>
+              <a:cs typeface="Times New Roman" panose="02020603050405020304" pitchFamily="18" charset="0"/>
+            </a:endParaRPr>
+          </a:p>
+          <a:p>
+            <a:pPr marL="0" indent="0" algn="just">
+              <a:buNone/>
+            </a:pPr>
+            <a:r>
+              <a:rPr lang="pt-BR" sz="2000" b="1" dirty="0">
+                <a:solidFill>
+                  <a:schemeClr val="tx1"/>
+                </a:solidFill>
+                <a:latin typeface="Times New Roman" panose="02020603050405020304" pitchFamily="18" charset="0"/>
+                <a:cs typeface="Times New Roman" panose="02020603050405020304" pitchFamily="18" charset="0"/>
+              </a:rPr>
+              <a:t>Comentário</a:t>
+            </a:r>
+            <a:r>
+              <a:rPr lang="pt-BR" sz="2000" dirty="0">
+                <a:solidFill>
+                  <a:schemeClr val="tx1"/>
+                </a:solidFill>
+                <a:latin typeface="Times New Roman" panose="02020603050405020304" pitchFamily="18" charset="0"/>
+                <a:cs typeface="Times New Roman" panose="02020603050405020304" pitchFamily="18" charset="0"/>
+              </a:rPr>
+              <a:t>:</a:t>
+            </a:r>
+          </a:p>
+          <a:p>
+            <a:pPr marL="0" indent="0" algn="just">
+              <a:buNone/>
+            </a:pPr>
+            <a:endParaRPr lang="pt-BR" sz="2000" dirty="0">
+              <a:solidFill>
+                <a:schemeClr val="tx1"/>
+              </a:solidFill>
+              <a:latin typeface="Times New Roman" panose="02020603050405020304" pitchFamily="18" charset="0"/>
+              <a:cs typeface="Times New Roman" panose="02020603050405020304" pitchFamily="18" charset="0"/>
+            </a:endParaRPr>
+          </a:p>
+          <a:p>
+            <a:pPr marL="0" indent="0" algn="just">
+              <a:buNone/>
+            </a:pPr>
+            <a:r>
+              <a:rPr lang="pt-BR" sz="2000" dirty="0">
+                <a:solidFill>
+                  <a:schemeClr val="tx1"/>
+                </a:solidFill>
+                <a:latin typeface="Times New Roman" panose="02020603050405020304" pitchFamily="18" charset="0"/>
+                <a:cs typeface="Times New Roman" panose="02020603050405020304" pitchFamily="18" charset="0"/>
+              </a:rPr>
+              <a:t>	O </a:t>
+            </a:r>
+            <a:r>
+              <a:rPr lang="pt-BR" sz="2000" b="1" dirty="0">
+                <a:solidFill>
+                  <a:srgbClr val="FF0000"/>
+                </a:solidFill>
+                <a:latin typeface="Times New Roman" panose="02020603050405020304" pitchFamily="18" charset="0"/>
+                <a:cs typeface="Times New Roman" panose="02020603050405020304" pitchFamily="18" charset="0"/>
+              </a:rPr>
+              <a:t>algoritmo guloso escolhe os itens mais </a:t>
+            </a:r>
+            <a:r>
+              <a:rPr lang="pt-BR" sz="2000" dirty="0">
+                <a:solidFill>
+                  <a:schemeClr val="tx1"/>
+                </a:solidFill>
+                <a:latin typeface="Times New Roman" panose="02020603050405020304" pitchFamily="18" charset="0"/>
+                <a:cs typeface="Times New Roman" panose="02020603050405020304" pitchFamily="18" charset="0"/>
+              </a:rPr>
+              <a:t>"</a:t>
+            </a:r>
+            <a:r>
+              <a:rPr lang="pt-BR" sz="2000" b="1" dirty="0">
+                <a:solidFill>
+                  <a:schemeClr val="tx1"/>
+                </a:solidFill>
+                <a:latin typeface="Times New Roman" panose="02020603050405020304" pitchFamily="18" charset="0"/>
+                <a:cs typeface="Times New Roman" panose="02020603050405020304" pitchFamily="18" charset="0"/>
+              </a:rPr>
+              <a:t>valiosos por unidade de peso</a:t>
+            </a:r>
+            <a:r>
+              <a:rPr lang="pt-BR" sz="2000" dirty="0">
+                <a:solidFill>
+                  <a:schemeClr val="tx1"/>
+                </a:solidFill>
+                <a:latin typeface="Times New Roman" panose="02020603050405020304" pitchFamily="18" charset="0"/>
+                <a:cs typeface="Times New Roman" panose="02020603050405020304" pitchFamily="18" charset="0"/>
+              </a:rPr>
+              <a:t>" primeiro. Embora seja eficiente, ele </a:t>
+            </a:r>
+            <a:r>
+              <a:rPr lang="pt-BR" sz="2000" b="1" dirty="0">
+                <a:solidFill>
+                  <a:schemeClr val="tx1"/>
+                </a:solidFill>
+                <a:latin typeface="Times New Roman" panose="02020603050405020304" pitchFamily="18" charset="0"/>
+                <a:cs typeface="Times New Roman" panose="02020603050405020304" pitchFamily="18" charset="0"/>
+              </a:rPr>
+              <a:t>pode deixar de fora itens grandes com alto valor</a:t>
+            </a:r>
+            <a:r>
+              <a:rPr lang="pt-BR" sz="2000" dirty="0">
+                <a:solidFill>
+                  <a:schemeClr val="tx1"/>
+                </a:solidFill>
+                <a:latin typeface="Times New Roman" panose="02020603050405020304" pitchFamily="18" charset="0"/>
+                <a:cs typeface="Times New Roman" panose="02020603050405020304" pitchFamily="18" charset="0"/>
+              </a:rPr>
+              <a:t>, resultando em uma </a:t>
+            </a:r>
+            <a:r>
+              <a:rPr lang="pt-BR" sz="2000" b="1" dirty="0">
+                <a:solidFill>
+                  <a:srgbClr val="FF0000"/>
+                </a:solidFill>
+                <a:latin typeface="Times New Roman" panose="02020603050405020304" pitchFamily="18" charset="0"/>
+                <a:cs typeface="Times New Roman" panose="02020603050405020304" pitchFamily="18" charset="0"/>
+              </a:rPr>
+              <a:t>solução subótima</a:t>
+            </a:r>
+            <a:r>
+              <a:rPr lang="pt-BR" sz="2000" dirty="0">
+                <a:solidFill>
+                  <a:schemeClr val="tx1"/>
+                </a:solidFill>
+                <a:latin typeface="Times New Roman" panose="02020603050405020304" pitchFamily="18" charset="0"/>
+                <a:cs typeface="Times New Roman" panose="02020603050405020304" pitchFamily="18" charset="0"/>
+              </a:rPr>
+              <a:t>. É uma boa aproximação, mas </a:t>
+            </a:r>
+            <a:r>
+              <a:rPr lang="pt-BR" sz="2000" b="1" dirty="0">
+                <a:solidFill>
+                  <a:schemeClr val="tx1"/>
+                </a:solidFill>
+                <a:latin typeface="Times New Roman" panose="02020603050405020304" pitchFamily="18" charset="0"/>
+                <a:cs typeface="Times New Roman" panose="02020603050405020304" pitchFamily="18" charset="0"/>
+              </a:rPr>
+              <a:t>não garante o ótimo</a:t>
+            </a:r>
+            <a:r>
+              <a:rPr lang="pt-BR" sz="2000" dirty="0">
+                <a:solidFill>
+                  <a:schemeClr val="tx1"/>
+                </a:solidFill>
+                <a:latin typeface="Times New Roman" panose="02020603050405020304" pitchFamily="18" charset="0"/>
+                <a:cs typeface="Times New Roman" panose="02020603050405020304" pitchFamily="18" charset="0"/>
+              </a:rPr>
+              <a:t>.</a:t>
+            </a:r>
+          </a:p>
+        </p:txBody>
+      </p:sp>
+    </p:spTree>
+    <p:extLst>
+      <p:ext uri="{BB962C8B-B14F-4D97-AF65-F5344CB8AC3E}">
+        <p14:creationId xmlns:p14="http://schemas.microsoft.com/office/powerpoint/2010/main" val="1721003773"/>
+      </p:ext>
+    </p:extLst>
+  </p:cSld>
+  <p:clrMapOvr>
+    <a:masterClrMapping/>
+  </p:clrMapOvr>
+  <p:transition spd="med"/>
+</p:sld>
+</file>
+
+<file path=ppt/slides/slide16.xml><?xml version="1.0" encoding="utf-8"?>
+<p:sld xmlns:a="http://schemas.openxmlformats.org/drawingml/2006/main" xmlns:r="http://schemas.openxmlformats.org/officeDocument/2006/relationships" xmlns:p="http://schemas.openxmlformats.org/presentationml/2006/main">
+  <p:cSld>
+    <p:spTree>
+      <p:nvGrpSpPr>
+        <p:cNvPr id="1" name=""/>
+        <p:cNvGrpSpPr/>
+        <p:nvPr/>
+      </p:nvGrpSpPr>
+      <p:grpSpPr>
+        <a:xfrm>
+          <a:off x="0" y="0"/>
+          <a:ext cx="0" cy="0"/>
+          <a:chOff x="0" y="0"/>
+          <a:chExt cx="0" cy="0"/>
+        </a:xfrm>
+      </p:grpSpPr>
+      <p:sp>
+        <p:nvSpPr>
+          <p:cNvPr id="6" name="Title 1"/>
+          <p:cNvSpPr>
+            <a:spLocks noGrp="1"/>
+          </p:cNvSpPr>
+          <p:nvPr>
+            <p:ph type="title"/>
+          </p:nvPr>
+        </p:nvSpPr>
+        <p:spPr>
+          <a:xfrm>
+            <a:off x="457200" y="205980"/>
+            <a:ext cx="8229600" cy="857251"/>
+          </a:xfrm>
+        </p:spPr>
+        <p:txBody>
+          <a:bodyPr>
+            <a:normAutofit/>
+          </a:bodyPr>
+          <a:lstStyle/>
+          <a:p>
+            <a:r>
+              <a:rPr lang="en-US" b="1" dirty="0" err="1">
+                <a:solidFill>
+                  <a:srgbClr val="0070C0"/>
+                </a:solidFill>
+              </a:rPr>
+              <a:t>Referências</a:t>
+            </a:r>
+            <a:r>
+              <a:rPr lang="en-US" b="1" dirty="0">
+                <a:solidFill>
+                  <a:srgbClr val="0070C0"/>
+                </a:solidFill>
+              </a:rPr>
+              <a:t> </a:t>
+            </a:r>
+            <a:r>
+              <a:rPr lang="en-US" b="1" dirty="0" err="1">
+                <a:solidFill>
+                  <a:srgbClr val="0070C0"/>
+                </a:solidFill>
+              </a:rPr>
+              <a:t>Bibliográficas</a:t>
+            </a:r>
+            <a:endParaRPr lang="en-US" b="1" dirty="0">
+              <a:solidFill>
+                <a:srgbClr val="0070C0"/>
+              </a:solidFill>
+            </a:endParaRPr>
+          </a:p>
+        </p:txBody>
+      </p:sp>
+      <p:sp>
+        <p:nvSpPr>
+          <p:cNvPr id="8" name="Text Placeholder 2"/>
+          <p:cNvSpPr>
+            <a:spLocks noGrp="1"/>
+          </p:cNvSpPr>
+          <p:nvPr>
+            <p:ph type="body" sz="half" idx="1"/>
+          </p:nvPr>
+        </p:nvSpPr>
+        <p:spPr>
+          <a:xfrm>
+            <a:off x="142865" y="1200151"/>
+            <a:ext cx="8865056" cy="3394472"/>
+          </a:xfrm>
+        </p:spPr>
+        <p:txBody>
+          <a:bodyPr>
+            <a:noAutofit/>
+          </a:bodyPr>
+          <a:lstStyle/>
+          <a:p>
+            <a:pPr marL="0" indent="0" algn="just">
+              <a:buNone/>
+            </a:pPr>
+            <a:endParaRPr lang="pt-BR" sz="2200" dirty="0">
+              <a:latin typeface="Times New Roman" panose="02020603050405020304" pitchFamily="18" charset="0"/>
+              <a:cs typeface="Times New Roman" panose="02020603050405020304" pitchFamily="18" charset="0"/>
+            </a:endParaRPr>
+          </a:p>
+          <a:p>
+            <a:pPr marL="0" indent="0" algn="just">
+              <a:buNone/>
+            </a:pPr>
+            <a:r>
+              <a:rPr lang="pt-BR" sz="2200" dirty="0">
+                <a:latin typeface="Times New Roman" panose="02020603050405020304" pitchFamily="18" charset="0"/>
+                <a:cs typeface="Times New Roman" panose="02020603050405020304" pitchFamily="18" charset="0"/>
+              </a:rPr>
+              <a:t>[1] </a:t>
+            </a:r>
+            <a:r>
+              <a:rPr lang="pt-BR" sz="2200" b="1" dirty="0">
+                <a:latin typeface="Times New Roman" panose="02020603050405020304" pitchFamily="18" charset="0"/>
+                <a:cs typeface="Times New Roman" panose="02020603050405020304" pitchFamily="18" charset="0"/>
+              </a:rPr>
+              <a:t>CORMEN, T. H.; LEISERSON, C. E.; RIVEST, R. L.; STEIN, C. </a:t>
+            </a:r>
+            <a:r>
+              <a:rPr lang="pt-BR" sz="2200" dirty="0" err="1">
+                <a:latin typeface="Times New Roman" panose="02020603050405020304" pitchFamily="18" charset="0"/>
+                <a:cs typeface="Times New Roman" panose="02020603050405020304" pitchFamily="18" charset="0"/>
+              </a:rPr>
+              <a:t>Introduction</a:t>
+            </a:r>
+            <a:r>
+              <a:rPr lang="pt-BR" sz="2200" dirty="0">
+                <a:latin typeface="Times New Roman" panose="02020603050405020304" pitchFamily="18" charset="0"/>
+                <a:cs typeface="Times New Roman" panose="02020603050405020304" pitchFamily="18" charset="0"/>
+              </a:rPr>
+              <a:t> </a:t>
+            </a:r>
+            <a:r>
+              <a:rPr lang="pt-BR" sz="2200" dirty="0" err="1">
+                <a:latin typeface="Times New Roman" panose="02020603050405020304" pitchFamily="18" charset="0"/>
+                <a:cs typeface="Times New Roman" panose="02020603050405020304" pitchFamily="18" charset="0"/>
+              </a:rPr>
+              <a:t>to</a:t>
+            </a:r>
+            <a:r>
+              <a:rPr lang="pt-BR" sz="2200" dirty="0">
+                <a:latin typeface="Times New Roman" panose="02020603050405020304" pitchFamily="18" charset="0"/>
+                <a:cs typeface="Times New Roman" panose="02020603050405020304" pitchFamily="18" charset="0"/>
+              </a:rPr>
+              <a:t> </a:t>
+            </a:r>
+            <a:r>
+              <a:rPr lang="pt-BR" sz="2200" dirty="0" err="1">
+                <a:latin typeface="Times New Roman" panose="02020603050405020304" pitchFamily="18" charset="0"/>
+                <a:cs typeface="Times New Roman" panose="02020603050405020304" pitchFamily="18" charset="0"/>
+              </a:rPr>
+              <a:t>Algorithms</a:t>
+            </a:r>
+            <a:r>
+              <a:rPr lang="pt-BR" sz="2200" dirty="0">
+                <a:latin typeface="Times New Roman" panose="02020603050405020304" pitchFamily="18" charset="0"/>
+                <a:cs typeface="Times New Roman" panose="02020603050405020304" pitchFamily="18" charset="0"/>
+              </a:rPr>
+              <a:t>. 3. ed. Boston: MIT Press, 2009.</a:t>
+            </a:r>
+          </a:p>
+          <a:p>
+            <a:pPr marL="0" indent="0" algn="just">
+              <a:buNone/>
+            </a:pPr>
+            <a:endParaRPr lang="pt-BR" sz="2200" dirty="0">
+              <a:latin typeface="Times New Roman" panose="02020603050405020304" pitchFamily="18" charset="0"/>
+              <a:cs typeface="Times New Roman" panose="02020603050405020304" pitchFamily="18" charset="0"/>
+            </a:endParaRPr>
+          </a:p>
+          <a:p>
+            <a:pPr marL="0" indent="0" algn="just">
+              <a:buNone/>
+            </a:pPr>
+            <a:endParaRPr lang="pt-BR" sz="2200" dirty="0">
+              <a:latin typeface="Times New Roman" panose="02020603050405020304" pitchFamily="18" charset="0"/>
+              <a:cs typeface="Times New Roman" panose="02020603050405020304" pitchFamily="18" charset="0"/>
+            </a:endParaRPr>
+          </a:p>
+          <a:p>
+            <a:pPr marL="0" indent="0" algn="just">
+              <a:buNone/>
+            </a:pPr>
+            <a:r>
+              <a:rPr lang="pt-BR" sz="2200" dirty="0">
+                <a:latin typeface="Times New Roman" panose="02020603050405020304" pitchFamily="18" charset="0"/>
+                <a:cs typeface="Times New Roman" panose="02020603050405020304" pitchFamily="18" charset="0"/>
+              </a:rPr>
+              <a:t>[2] </a:t>
+            </a:r>
+            <a:r>
+              <a:rPr lang="pt-BR" sz="2200" b="1" dirty="0">
+                <a:latin typeface="Times New Roman" panose="02020603050405020304" pitchFamily="18" charset="0"/>
+                <a:cs typeface="Times New Roman" panose="02020603050405020304" pitchFamily="18" charset="0"/>
+              </a:rPr>
+              <a:t>KORTE, B.; VYGEN, J. </a:t>
+            </a:r>
+            <a:r>
+              <a:rPr lang="pt-BR" sz="2200" dirty="0" err="1">
+                <a:latin typeface="Times New Roman" panose="02020603050405020304" pitchFamily="18" charset="0"/>
+                <a:cs typeface="Times New Roman" panose="02020603050405020304" pitchFamily="18" charset="0"/>
+              </a:rPr>
+              <a:t>Combinatorial</a:t>
+            </a:r>
+            <a:r>
+              <a:rPr lang="pt-BR" sz="2200" dirty="0">
+                <a:latin typeface="Times New Roman" panose="02020603050405020304" pitchFamily="18" charset="0"/>
+                <a:cs typeface="Times New Roman" panose="02020603050405020304" pitchFamily="18" charset="0"/>
+              </a:rPr>
+              <a:t> </a:t>
+            </a:r>
+            <a:r>
+              <a:rPr lang="pt-BR" sz="2200" dirty="0" err="1">
+                <a:latin typeface="Times New Roman" panose="02020603050405020304" pitchFamily="18" charset="0"/>
+                <a:cs typeface="Times New Roman" panose="02020603050405020304" pitchFamily="18" charset="0"/>
+              </a:rPr>
+              <a:t>Optimization</a:t>
+            </a:r>
+            <a:r>
+              <a:rPr lang="pt-BR" sz="2200" dirty="0">
+                <a:latin typeface="Times New Roman" panose="02020603050405020304" pitchFamily="18" charset="0"/>
+                <a:cs typeface="Times New Roman" panose="02020603050405020304" pitchFamily="18" charset="0"/>
+              </a:rPr>
+              <a:t>: </a:t>
+            </a:r>
+            <a:r>
+              <a:rPr lang="pt-BR" sz="2200" dirty="0" err="1">
+                <a:latin typeface="Times New Roman" panose="02020603050405020304" pitchFamily="18" charset="0"/>
+                <a:cs typeface="Times New Roman" panose="02020603050405020304" pitchFamily="18" charset="0"/>
+              </a:rPr>
+              <a:t>Theory</a:t>
+            </a:r>
+            <a:r>
+              <a:rPr lang="pt-BR" sz="2200" dirty="0">
+                <a:latin typeface="Times New Roman" panose="02020603050405020304" pitchFamily="18" charset="0"/>
+                <a:cs typeface="Times New Roman" panose="02020603050405020304" pitchFamily="18" charset="0"/>
+              </a:rPr>
+              <a:t> </a:t>
+            </a:r>
+            <a:r>
+              <a:rPr lang="pt-BR" sz="2200" dirty="0" err="1">
+                <a:latin typeface="Times New Roman" panose="02020603050405020304" pitchFamily="18" charset="0"/>
+                <a:cs typeface="Times New Roman" panose="02020603050405020304" pitchFamily="18" charset="0"/>
+              </a:rPr>
+              <a:t>and</a:t>
+            </a:r>
+            <a:r>
+              <a:rPr lang="pt-BR" sz="2200" dirty="0">
+                <a:latin typeface="Times New Roman" panose="02020603050405020304" pitchFamily="18" charset="0"/>
+                <a:cs typeface="Times New Roman" panose="02020603050405020304" pitchFamily="18" charset="0"/>
+              </a:rPr>
+              <a:t> </a:t>
+            </a:r>
+            <a:r>
+              <a:rPr lang="pt-BR" sz="2200" dirty="0" err="1">
+                <a:latin typeface="Times New Roman" panose="02020603050405020304" pitchFamily="18" charset="0"/>
+                <a:cs typeface="Times New Roman" panose="02020603050405020304" pitchFamily="18" charset="0"/>
+              </a:rPr>
+              <a:t>Algorithms</a:t>
+            </a:r>
+            <a:r>
+              <a:rPr lang="pt-BR" sz="2200" dirty="0">
+                <a:latin typeface="Times New Roman" panose="02020603050405020304" pitchFamily="18" charset="0"/>
+                <a:cs typeface="Times New Roman" panose="02020603050405020304" pitchFamily="18" charset="0"/>
+              </a:rPr>
+              <a:t>. 6. ed. Berlin: Springer, 2012.</a:t>
+            </a:r>
+          </a:p>
+          <a:p>
+            <a:pPr marL="0" indent="0" algn="just">
+              <a:buNone/>
+            </a:pPr>
+            <a:endParaRPr lang="pt-BR" sz="2200" dirty="0">
+              <a:latin typeface="Times New Roman" panose="02020603050405020304" pitchFamily="18" charset="0"/>
+              <a:cs typeface="Times New Roman" panose="02020603050405020304" pitchFamily="18" charset="0"/>
+            </a:endParaRPr>
+          </a:p>
+        </p:txBody>
+      </p:sp>
+    </p:spTree>
+    <p:extLst>
+      <p:ext uri="{BB962C8B-B14F-4D97-AF65-F5344CB8AC3E}">
+        <p14:creationId xmlns:p14="http://schemas.microsoft.com/office/powerpoint/2010/main" val="1115311843"/>
+      </p:ext>
+    </p:extLst>
+  </p:cSld>
+  <p:clrMapOvr>
+    <a:masterClrMapping/>
+  </p:clrMapOvr>
+  <p:transition spd="med"/>
+</p:sld>
+</file>
+
+<file path=ppt/slides/slide17.xml><?xml version="1.0" encoding="utf-8"?>
+<p:sld xmlns:a="http://schemas.openxmlformats.org/drawingml/2006/main" xmlns:r="http://schemas.openxmlformats.org/officeDocument/2006/relationships" xmlns:p="http://schemas.openxmlformats.org/presentationml/2006/main">
+  <p:cSld>
+    <p:spTree>
+      <p:nvGrpSpPr>
+        <p:cNvPr id="1" name=""/>
+        <p:cNvGrpSpPr/>
+        <p:nvPr/>
+      </p:nvGrpSpPr>
+      <p:grpSpPr>
+        <a:xfrm>
+          <a:off x="0" y="0"/>
+          <a:ext cx="0" cy="0"/>
+          <a:chOff x="0" y="0"/>
+          <a:chExt cx="0" cy="0"/>
+        </a:xfrm>
+      </p:grpSpPr>
+      <p:pic>
+        <p:nvPicPr>
+          <p:cNvPr id="112" name="Picture 6" descr="Picture 6"/>
+          <p:cNvPicPr>
+            <a:picLocks noChangeAspect="1"/>
+          </p:cNvPicPr>
+          <p:nvPr/>
+        </p:nvPicPr>
+        <p:blipFill>
+          <a:blip r:embed="rId2"/>
+          <a:stretch>
+            <a:fillRect/>
+          </a:stretch>
+        </p:blipFill>
+        <p:spPr>
+          <a:xfrm>
+            <a:off x="0" y="0"/>
+            <a:ext cx="9144000" cy="5143500"/>
+          </a:xfrm>
+          <a:prstGeom prst="rect">
+            <a:avLst/>
+          </a:prstGeom>
+          <a:ln w="12700">
+            <a:miter lim="400000"/>
+            <a:headEnd/>
+            <a:tailEnd/>
+          </a:ln>
+        </p:spPr>
+      </p:pic>
+      <p:pic>
+        <p:nvPicPr>
+          <p:cNvPr id="114" name="Picture 5" descr="Picture 5"/>
+          <p:cNvPicPr>
+            <a:picLocks noChangeAspect="1"/>
+          </p:cNvPicPr>
+          <p:nvPr/>
+        </p:nvPicPr>
+        <p:blipFill>
+          <a:blip r:embed="rId3"/>
+          <a:stretch>
+            <a:fillRect/>
+          </a:stretch>
+        </p:blipFill>
+        <p:spPr>
+          <a:xfrm>
+            <a:off x="469900" y="0"/>
+            <a:ext cx="4391984" cy="171450"/>
+          </a:xfrm>
+          <a:prstGeom prst="rect">
+            <a:avLst/>
+          </a:prstGeom>
+          <a:ln w="12700">
+            <a:miter lim="400000"/>
+            <a:headEnd/>
+            <a:tailEnd/>
+          </a:ln>
+        </p:spPr>
+      </p:pic>
+      <p:sp>
+        <p:nvSpPr>
+          <p:cNvPr id="3" name="Título 2"/>
+          <p:cNvSpPr>
+            <a:spLocks noGrp="1"/>
+          </p:cNvSpPr>
+          <p:nvPr>
+            <p:ph type="title"/>
+          </p:nvPr>
+        </p:nvSpPr>
+        <p:spPr>
+          <a:xfrm>
+            <a:off x="285751" y="2386770"/>
+            <a:ext cx="8615364" cy="1102519"/>
+          </a:xfrm>
+        </p:spPr>
+        <p:txBody>
+          <a:bodyPr>
+            <a:noAutofit/>
+          </a:bodyPr>
+          <a:lstStyle/>
+          <a:p>
+            <a:r>
+              <a:rPr lang="pt-BR" sz="4800" b="1" dirty="0">
+                <a:solidFill>
+                  <a:schemeClr val="bg1"/>
+                </a:solidFill>
+              </a:rPr>
+              <a:t>Algoritmos e Complexidade</a:t>
+            </a:r>
+          </a:p>
+        </p:txBody>
+      </p:sp>
+      <p:sp>
+        <p:nvSpPr>
+          <p:cNvPr id="6" name="Título 2"/>
+          <p:cNvSpPr txBox="1"/>
+          <p:nvPr/>
+        </p:nvSpPr>
+        <p:spPr>
+          <a:xfrm>
+            <a:off x="975683" y="3866663"/>
+            <a:ext cx="7772400" cy="1102519"/>
+          </a:xfrm>
+          <a:prstGeom prst="rect">
+            <a:avLst/>
+          </a:prstGeom>
+          <a:ln w="12700">
+            <a:miter lim="400000"/>
+          </a:ln>
+        </p:spPr>
+        <p:txBody>
+          <a:bodyPr lIns="45718" tIns="45718" rIns="45718" bIns="45718" anchor="ctr">
+            <a:noAutofit/>
+          </a:bodyPr>
+          <a:lstStyle>
+            <a:lvl1pPr marL="0" marR="0" indent="0" algn="ctr" defTabSz="457200" rtl="0" latinLnBrk="0">
+              <a:lnSpc>
+                <a:spcPct val="100000"/>
+              </a:lnSpc>
+              <a:spcBef>
+                <a:spcPts val="0"/>
+              </a:spcBef>
+              <a:spcAft>
+                <a:spcPts val="0"/>
+              </a:spcAft>
+              <a:buClrTx/>
+              <a:buSzTx/>
+              <a:buFontTx/>
+              <a:buNone/>
+              <a:defRPr sz="4400" b="0" i="0" u="none" strike="noStrike" cap="none" spc="0" baseline="0">
+                <a:ln>
+                  <a:noFill/>
+                </a:ln>
+                <a:solidFill>
+                  <a:srgbClr val="000000"/>
+                </a:solidFill>
+                <a:uFillTx/>
+                <a:latin typeface="+mj-lt"/>
+                <a:ea typeface="+mj-ea"/>
+                <a:cs typeface="+mj-cs"/>
+                <a:sym typeface="Calibri"/>
+              </a:defRPr>
+            </a:lvl1pPr>
+            <a:lvl2pPr marL="0" marR="0" indent="0" algn="ctr" defTabSz="457200" rtl="0" latinLnBrk="0">
+              <a:lnSpc>
+                <a:spcPct val="100000"/>
+              </a:lnSpc>
+              <a:spcBef>
+                <a:spcPts val="0"/>
+              </a:spcBef>
+              <a:spcAft>
+                <a:spcPts val="0"/>
+              </a:spcAft>
+              <a:buClrTx/>
+              <a:buSzTx/>
+              <a:buFontTx/>
+              <a:buNone/>
+              <a:defRPr sz="4400" b="0" i="0" u="none" strike="noStrike" cap="none" spc="0" baseline="0">
+                <a:ln>
+                  <a:noFill/>
+                </a:ln>
+                <a:solidFill>
+                  <a:srgbClr val="000000"/>
+                </a:solidFill>
+                <a:uFillTx/>
+                <a:latin typeface="+mj-lt"/>
+                <a:ea typeface="+mj-ea"/>
+                <a:cs typeface="+mj-cs"/>
+                <a:sym typeface="Calibri"/>
+              </a:defRPr>
+            </a:lvl2pPr>
+            <a:lvl3pPr marL="0" marR="0" indent="0" algn="ctr" defTabSz="457200" rtl="0" latinLnBrk="0">
+              <a:lnSpc>
+                <a:spcPct val="100000"/>
+              </a:lnSpc>
+              <a:spcBef>
+                <a:spcPts val="0"/>
+              </a:spcBef>
+              <a:spcAft>
+                <a:spcPts val="0"/>
+              </a:spcAft>
+              <a:buClrTx/>
+              <a:buSzTx/>
+              <a:buFontTx/>
+              <a:buNone/>
+              <a:defRPr sz="4400" b="0" i="0" u="none" strike="noStrike" cap="none" spc="0" baseline="0">
+                <a:ln>
+                  <a:noFill/>
+                </a:ln>
+                <a:solidFill>
+                  <a:srgbClr val="000000"/>
+                </a:solidFill>
+                <a:uFillTx/>
+                <a:latin typeface="+mj-lt"/>
+                <a:ea typeface="+mj-ea"/>
+                <a:cs typeface="+mj-cs"/>
+                <a:sym typeface="Calibri"/>
+              </a:defRPr>
+            </a:lvl3pPr>
+            <a:lvl4pPr marL="0" marR="0" indent="0" algn="ctr" defTabSz="457200" rtl="0" latinLnBrk="0">
+              <a:lnSpc>
+                <a:spcPct val="100000"/>
+              </a:lnSpc>
+              <a:spcBef>
+                <a:spcPts val="0"/>
+              </a:spcBef>
+              <a:spcAft>
+                <a:spcPts val="0"/>
+              </a:spcAft>
+              <a:buClrTx/>
+              <a:buSzTx/>
+              <a:buFontTx/>
+              <a:buNone/>
+              <a:defRPr sz="4400" b="0" i="0" u="none" strike="noStrike" cap="none" spc="0" baseline="0">
+                <a:ln>
+                  <a:noFill/>
+                </a:ln>
+                <a:solidFill>
+                  <a:srgbClr val="000000"/>
+                </a:solidFill>
+                <a:uFillTx/>
+                <a:latin typeface="+mj-lt"/>
+                <a:ea typeface="+mj-ea"/>
+                <a:cs typeface="+mj-cs"/>
+                <a:sym typeface="Calibri"/>
+              </a:defRPr>
+            </a:lvl4pPr>
+            <a:lvl5pPr marL="0" marR="0" indent="0" algn="ctr" defTabSz="457200" rtl="0" latinLnBrk="0">
+              <a:lnSpc>
+                <a:spcPct val="100000"/>
+              </a:lnSpc>
+              <a:spcBef>
+                <a:spcPts val="0"/>
+              </a:spcBef>
+              <a:spcAft>
+                <a:spcPts val="0"/>
+              </a:spcAft>
+              <a:buClrTx/>
+              <a:buSzTx/>
+              <a:buFontTx/>
+              <a:buNone/>
+              <a:defRPr sz="4400" b="0" i="0" u="none" strike="noStrike" cap="none" spc="0" baseline="0">
+                <a:ln>
+                  <a:noFill/>
+                </a:ln>
+                <a:solidFill>
+                  <a:srgbClr val="000000"/>
+                </a:solidFill>
+                <a:uFillTx/>
+                <a:latin typeface="+mj-lt"/>
+                <a:ea typeface="+mj-ea"/>
+                <a:cs typeface="+mj-cs"/>
+                <a:sym typeface="Calibri"/>
+              </a:defRPr>
+            </a:lvl5pPr>
+            <a:lvl6pPr marL="0" marR="0" indent="0" algn="ctr" defTabSz="457200" rtl="0" latinLnBrk="0">
+              <a:lnSpc>
+                <a:spcPct val="100000"/>
+              </a:lnSpc>
+              <a:spcBef>
+                <a:spcPts val="0"/>
+              </a:spcBef>
+              <a:spcAft>
+                <a:spcPts val="0"/>
+              </a:spcAft>
+              <a:buClrTx/>
+              <a:buSzTx/>
+              <a:buFontTx/>
+              <a:buNone/>
+              <a:defRPr sz="4400" b="0" i="0" u="none" strike="noStrike" cap="none" spc="0" baseline="0">
+                <a:ln>
+                  <a:noFill/>
+                </a:ln>
+                <a:solidFill>
+                  <a:srgbClr val="000000"/>
+                </a:solidFill>
+                <a:uFillTx/>
+                <a:latin typeface="+mj-lt"/>
+                <a:ea typeface="+mj-ea"/>
+                <a:cs typeface="+mj-cs"/>
+                <a:sym typeface="Calibri"/>
+              </a:defRPr>
+            </a:lvl6pPr>
+            <a:lvl7pPr marL="0" marR="0" indent="0" algn="ctr" defTabSz="457200" rtl="0" latinLnBrk="0">
+              <a:lnSpc>
+                <a:spcPct val="100000"/>
+              </a:lnSpc>
+              <a:spcBef>
+                <a:spcPts val="0"/>
+              </a:spcBef>
+              <a:spcAft>
+                <a:spcPts val="0"/>
+              </a:spcAft>
+              <a:buClrTx/>
+              <a:buSzTx/>
+              <a:buFontTx/>
+              <a:buNone/>
+              <a:defRPr sz="4400" b="0" i="0" u="none" strike="noStrike" cap="none" spc="0" baseline="0">
+                <a:ln>
+                  <a:noFill/>
+                </a:ln>
+                <a:solidFill>
+                  <a:srgbClr val="000000"/>
+                </a:solidFill>
+                <a:uFillTx/>
+                <a:latin typeface="+mj-lt"/>
+                <a:ea typeface="+mj-ea"/>
+                <a:cs typeface="+mj-cs"/>
+                <a:sym typeface="Calibri"/>
+              </a:defRPr>
+            </a:lvl7pPr>
+            <a:lvl8pPr marL="0" marR="0" indent="0" algn="ctr" defTabSz="457200" rtl="0" latinLnBrk="0">
+              <a:lnSpc>
+                <a:spcPct val="100000"/>
+              </a:lnSpc>
+              <a:spcBef>
+                <a:spcPts val="0"/>
+              </a:spcBef>
+              <a:spcAft>
+                <a:spcPts val="0"/>
+              </a:spcAft>
+              <a:buClrTx/>
+              <a:buSzTx/>
+              <a:buFontTx/>
+              <a:buNone/>
+              <a:defRPr sz="4400" b="0" i="0" u="none" strike="noStrike" cap="none" spc="0" baseline="0">
+                <a:ln>
+                  <a:noFill/>
+                </a:ln>
+                <a:solidFill>
+                  <a:srgbClr val="000000"/>
+                </a:solidFill>
+                <a:uFillTx/>
+                <a:latin typeface="+mj-lt"/>
+                <a:ea typeface="+mj-ea"/>
+                <a:cs typeface="+mj-cs"/>
+                <a:sym typeface="Calibri"/>
+              </a:defRPr>
+            </a:lvl8pPr>
+            <a:lvl9pPr marL="0" marR="0" indent="0" algn="ctr" defTabSz="457200" rtl="0" latinLnBrk="0">
+              <a:lnSpc>
+                <a:spcPct val="100000"/>
+              </a:lnSpc>
+              <a:spcBef>
+                <a:spcPts val="0"/>
+              </a:spcBef>
+              <a:spcAft>
+                <a:spcPts val="0"/>
+              </a:spcAft>
+              <a:buClrTx/>
+              <a:buSzTx/>
+              <a:buFontTx/>
+              <a:buNone/>
+              <a:defRPr sz="4400" b="0" i="0" u="none" strike="noStrike" cap="none" spc="0" baseline="0">
+                <a:ln>
+                  <a:noFill/>
+                </a:ln>
+                <a:solidFill>
+                  <a:srgbClr val="000000"/>
+                </a:solidFill>
+                <a:uFillTx/>
+                <a:latin typeface="+mj-lt"/>
+                <a:ea typeface="+mj-ea"/>
+                <a:cs typeface="+mj-cs"/>
+                <a:sym typeface="Calibri"/>
+              </a:defRPr>
+            </a:lvl9pPr>
+          </a:lstStyle>
+          <a:p>
+            <a:pPr algn="r" hangingPunct="1"/>
+            <a:r>
+              <a:rPr lang="pt-BR" sz="2000" b="1" dirty="0">
+                <a:solidFill>
+                  <a:schemeClr val="bg1"/>
+                </a:solidFill>
+              </a:rPr>
+              <a:t>Professor </a:t>
+            </a:r>
+            <a:r>
+              <a:rPr lang="pt-BR" sz="2000" b="1">
+                <a:solidFill>
+                  <a:schemeClr val="bg1"/>
+                </a:solidFill>
+              </a:rPr>
+              <a:t>M.Sc</a:t>
+            </a:r>
+            <a:r>
+              <a:rPr lang="pt-BR" sz="2000" b="1" dirty="0">
+                <a:solidFill>
+                  <a:schemeClr val="bg1"/>
+                </a:solidFill>
+              </a:rPr>
+              <a:t>. Heleno Cardoso</a:t>
+            </a:r>
+          </a:p>
+        </p:txBody>
+      </p:sp>
+      <p:pic>
+        <p:nvPicPr>
+          <p:cNvPr id="2" name="Google Shape;62;p1" descr="Imagem">
+            <a:extLst>
+              <a:ext uri="{FF2B5EF4-FFF2-40B4-BE49-F238E27FC236}">
+                <a16:creationId xmlns:a16="http://schemas.microsoft.com/office/drawing/2014/main" id="{9C895622-2963-024D-634E-EA58F5381D06}"/>
+              </a:ext>
+            </a:extLst>
+          </p:cNvPr>
+          <p:cNvPicPr preferRelativeResize="0"/>
+          <p:nvPr/>
+        </p:nvPicPr>
+        <p:blipFill rotWithShape="1">
+          <a:blip r:embed="rId4">
+            <a:alphaModFix/>
+          </a:blip>
+          <a:srcRect/>
+          <a:stretch/>
+        </p:blipFill>
+        <p:spPr>
+          <a:xfrm>
+            <a:off x="469898" y="343798"/>
+            <a:ext cx="2858518" cy="1338697"/>
+          </a:xfrm>
+          <a:prstGeom prst="rect">
+            <a:avLst/>
+          </a:prstGeom>
+          <a:noFill/>
+          <a:ln>
+            <a:noFill/>
+          </a:ln>
+        </p:spPr>
+      </p:pic>
+    </p:spTree>
+  </p:cSld>
+  <p:clrMapOvr>
+    <a:masterClrMapping/>
+  </p:clrMapOvr>
+  <p:transition spd="med"/>
+</p:sld>
+</file>
+
 <file path=ppt/slides/slide2.xml><?xml version="1.0" encoding="utf-8"?>
 <p:sld xmlns:a="http://schemas.openxmlformats.org/drawingml/2006/main" xmlns:r="http://schemas.openxmlformats.org/officeDocument/2006/relationships" xmlns:p="http://schemas.openxmlformats.org/presentationml/2006/main">
   <p:cSld>
@@ -4460,7 +7589,7 @@
                   <a:srgbClr val="0070C0"/>
                 </a:solidFill>
               </a:rPr>
-              <a:t>Problemas</a:t>
+              <a:t>Revisão</a:t>
             </a:r>
             <a:r>
               <a:rPr lang="en-US" b="1" dirty="0">
@@ -4468,7 +7597,7 @@
                   <a:srgbClr val="0070C0"/>
                 </a:solidFill>
               </a:rPr>
-              <a:t> NP </a:t>
+              <a:t> </a:t>
             </a:r>
             <a:r>
               <a:rPr lang="en-US" b="1" dirty="0" err="1">
@@ -4476,7 +7605,7 @@
                   <a:srgbClr val="0070C0"/>
                 </a:solidFill>
               </a:rPr>
-              <a:t>Completos</a:t>
+              <a:t>Complexidade</a:t>
             </a:r>
             <a:endParaRPr lang="en-US" b="1" dirty="0">
               <a:solidFill>
@@ -4512,30 +7641,289 @@
               <a:buNone/>
             </a:pPr>
             <a:r>
-              <a:rPr lang="pt-BR" sz="2000" dirty="0">
-                <a:latin typeface="Times New Roman" panose="02020603050405020304" pitchFamily="18" charset="0"/>
-                <a:cs typeface="Times New Roman" panose="02020603050405020304" pitchFamily="18" charset="0"/>
-              </a:rPr>
-              <a:t>Algoritmos e </a:t>
-            </a:r>
-            <a:r>
-              <a:rPr lang="pt-BR" sz="2000">
-                <a:latin typeface="Times New Roman" panose="02020603050405020304" pitchFamily="18" charset="0"/>
-                <a:cs typeface="Times New Roman" panose="02020603050405020304" pitchFamily="18" charset="0"/>
-              </a:rPr>
-              <a:t>Complexidade</a:t>
-            </a:r>
-            <a:r>
-              <a:rPr lang="pt-BR" sz="2000">
+              <a:rPr lang="pt-BR" sz="1800" b="1" dirty="0">
+                <a:latin typeface="Times New Roman" panose="02020603050405020304" pitchFamily="18" charset="0"/>
+                <a:cs typeface="Times New Roman" panose="02020603050405020304" pitchFamily="18" charset="0"/>
+              </a:rPr>
+              <a:t>P</a:t>
+            </a:r>
+            <a:r>
+              <a:rPr lang="pt-BR" sz="1800" dirty="0">
+                <a:latin typeface="Times New Roman" panose="02020603050405020304" pitchFamily="18" charset="0"/>
+                <a:cs typeface="Times New Roman" panose="02020603050405020304" pitchFamily="18" charset="0"/>
+              </a:rPr>
+              <a:t>: Conjunto de </a:t>
+            </a:r>
+            <a:r>
+              <a:rPr lang="pt-BR" sz="1800" b="1" dirty="0">
+                <a:latin typeface="Times New Roman" panose="02020603050405020304" pitchFamily="18" charset="0"/>
+                <a:cs typeface="Times New Roman" panose="02020603050405020304" pitchFamily="18" charset="0"/>
+              </a:rPr>
+              <a:t>problemas solucionáveis </a:t>
+            </a:r>
+            <a:r>
+              <a:rPr lang="pt-BR" sz="1800" dirty="0">
+                <a:latin typeface="Times New Roman" panose="02020603050405020304" pitchFamily="18" charset="0"/>
+                <a:cs typeface="Times New Roman" panose="02020603050405020304" pitchFamily="18" charset="0"/>
+              </a:rPr>
+              <a:t>em </a:t>
+            </a:r>
+            <a:r>
+              <a:rPr lang="pt-BR" sz="1800" b="1" dirty="0">
+                <a:solidFill>
+                  <a:srgbClr val="FF0000"/>
+                </a:solidFill>
+                <a:latin typeface="Times New Roman" panose="02020603050405020304" pitchFamily="18" charset="0"/>
+                <a:cs typeface="Times New Roman" panose="02020603050405020304" pitchFamily="18" charset="0"/>
+              </a:rPr>
+              <a:t>tempo polinomial</a:t>
+            </a:r>
+            <a:r>
+              <a:rPr lang="pt-BR" sz="1800" dirty="0">
+                <a:latin typeface="Times New Roman" panose="02020603050405020304" pitchFamily="18" charset="0"/>
+                <a:cs typeface="Times New Roman" panose="02020603050405020304" pitchFamily="18" charset="0"/>
+              </a:rPr>
+              <a:t>. Para problemas de decisão.</a:t>
+            </a:r>
+          </a:p>
+          <a:p>
+            <a:pPr marL="0" indent="0" algn="just">
+              <a:buNone/>
+            </a:pPr>
+            <a:endParaRPr lang="pt-BR" sz="1800" dirty="0">
+              <a:latin typeface="Times New Roman" panose="02020603050405020304" pitchFamily="18" charset="0"/>
+              <a:cs typeface="Times New Roman" panose="02020603050405020304" pitchFamily="18" charset="0"/>
+            </a:endParaRPr>
+          </a:p>
+          <a:p>
+            <a:pPr marL="0" indent="0" algn="just">
+              <a:buNone/>
+            </a:pPr>
+            <a:r>
+              <a:rPr lang="pt-BR" sz="1800" b="1" dirty="0">
+                <a:latin typeface="Times New Roman" panose="02020603050405020304" pitchFamily="18" charset="0"/>
+                <a:cs typeface="Times New Roman" panose="02020603050405020304" pitchFamily="18" charset="0"/>
+              </a:rPr>
+              <a:t>NP</a:t>
+            </a:r>
+            <a:r>
+              <a:rPr lang="pt-BR" sz="1800" dirty="0">
+                <a:latin typeface="Times New Roman" panose="02020603050405020304" pitchFamily="18" charset="0"/>
+                <a:cs typeface="Times New Roman" panose="02020603050405020304" pitchFamily="18" charset="0"/>
+              </a:rPr>
+              <a:t>: Conjunto de </a:t>
+            </a:r>
+            <a:r>
+              <a:rPr lang="pt-BR" sz="1800" b="1" dirty="0">
+                <a:latin typeface="Times New Roman" panose="02020603050405020304" pitchFamily="18" charset="0"/>
+                <a:cs typeface="Times New Roman" panose="02020603050405020304" pitchFamily="18" charset="0"/>
+              </a:rPr>
+              <a:t>problemas cuja solução </a:t>
+            </a:r>
+            <a:r>
+              <a:rPr lang="pt-BR" sz="1800" b="1" dirty="0">
+                <a:solidFill>
+                  <a:srgbClr val="FF0000"/>
+                </a:solidFill>
+                <a:latin typeface="Times New Roman" panose="02020603050405020304" pitchFamily="18" charset="0"/>
+                <a:cs typeface="Times New Roman" panose="02020603050405020304" pitchFamily="18" charset="0"/>
+              </a:rPr>
+              <a:t>pode ser verificada em tempo polinomial</a:t>
+            </a:r>
+            <a:r>
+              <a:rPr lang="pt-BR" sz="1800" dirty="0">
+                <a:latin typeface="Times New Roman" panose="02020603050405020304" pitchFamily="18" charset="0"/>
+                <a:cs typeface="Times New Roman" panose="02020603050405020304" pitchFamily="18" charset="0"/>
+              </a:rPr>
+              <a:t>.</a:t>
+            </a:r>
+          </a:p>
+          <a:p>
+            <a:pPr marL="0" indent="0" algn="just">
+              <a:buNone/>
+            </a:pPr>
+            <a:endParaRPr lang="pt-BR" sz="1800" dirty="0">
+              <a:latin typeface="Times New Roman" panose="02020603050405020304" pitchFamily="18" charset="0"/>
+              <a:cs typeface="Times New Roman" panose="02020603050405020304" pitchFamily="18" charset="0"/>
+            </a:endParaRPr>
+          </a:p>
+          <a:p>
+            <a:pPr marL="0" indent="0" algn="just">
+              <a:buNone/>
+            </a:pPr>
+            <a:r>
+              <a:rPr lang="pt-BR" sz="1800" b="1" dirty="0">
+                <a:latin typeface="Times New Roman" panose="02020603050405020304" pitchFamily="18" charset="0"/>
+                <a:cs typeface="Times New Roman" panose="02020603050405020304" pitchFamily="18" charset="0"/>
+              </a:rPr>
+              <a:t>NP-completo</a:t>
+            </a:r>
+            <a:r>
+              <a:rPr lang="pt-BR" sz="1800" dirty="0">
+                <a:latin typeface="Times New Roman" panose="02020603050405020304" pitchFamily="18" charset="0"/>
+                <a:cs typeface="Times New Roman" panose="02020603050405020304" pitchFamily="18" charset="0"/>
+              </a:rPr>
+              <a:t>: </a:t>
+            </a:r>
+            <a:r>
+              <a:rPr lang="pt-BR" sz="1800" b="1" dirty="0">
+                <a:solidFill>
+                  <a:srgbClr val="FF0000"/>
+                </a:solidFill>
+                <a:latin typeface="Times New Roman" panose="02020603050405020304" pitchFamily="18" charset="0"/>
+                <a:cs typeface="Times New Roman" panose="02020603050405020304" pitchFamily="18" charset="0"/>
+              </a:rPr>
+              <a:t>Problemas que são os mais difíceis dentro de NP</a:t>
+            </a:r>
+            <a:r>
+              <a:rPr lang="pt-BR" sz="1800" dirty="0">
+                <a:latin typeface="Times New Roman" panose="02020603050405020304" pitchFamily="18" charset="0"/>
+                <a:cs typeface="Times New Roman" panose="02020603050405020304" pitchFamily="18" charset="0"/>
+              </a:rPr>
+              <a:t>, ou seja, se </a:t>
+            </a:r>
+            <a:r>
+              <a:rPr lang="pt-BR" sz="1800" b="1" dirty="0">
+                <a:latin typeface="Times New Roman" panose="02020603050405020304" pitchFamily="18" charset="0"/>
+                <a:cs typeface="Times New Roman" panose="02020603050405020304" pitchFamily="18" charset="0"/>
+              </a:rPr>
+              <a:t>qualquer NP-completo </a:t>
+            </a:r>
+            <a:r>
+              <a:rPr lang="pt-BR" sz="1800" dirty="0">
+                <a:latin typeface="Times New Roman" panose="02020603050405020304" pitchFamily="18" charset="0"/>
+                <a:cs typeface="Times New Roman" panose="02020603050405020304" pitchFamily="18" charset="0"/>
+              </a:rPr>
+              <a:t>for </a:t>
+            </a:r>
+            <a:r>
+              <a:rPr lang="pt-BR" sz="1800" b="1" dirty="0">
+                <a:solidFill>
+                  <a:srgbClr val="FF0000"/>
+                </a:solidFill>
+                <a:latin typeface="Times New Roman" panose="02020603050405020304" pitchFamily="18" charset="0"/>
+                <a:cs typeface="Times New Roman" panose="02020603050405020304" pitchFamily="18" charset="0"/>
+              </a:rPr>
+              <a:t>resolvido</a:t>
+            </a:r>
+            <a:r>
+              <a:rPr lang="pt-BR" sz="1800" dirty="0">
+                <a:latin typeface="Times New Roman" panose="02020603050405020304" pitchFamily="18" charset="0"/>
+                <a:cs typeface="Times New Roman" panose="02020603050405020304" pitchFamily="18" charset="0"/>
+              </a:rPr>
+              <a:t> em tempo </a:t>
+            </a:r>
+            <a:r>
+              <a:rPr lang="pt-BR" sz="1800" b="1" dirty="0">
                 <a:solidFill>
                   <a:schemeClr val="tx1"/>
                 </a:solidFill>
                 <a:latin typeface="Times New Roman" panose="02020603050405020304" pitchFamily="18" charset="0"/>
                 <a:cs typeface="Times New Roman" panose="02020603050405020304" pitchFamily="18" charset="0"/>
               </a:rPr>
-              <a:t> ... </a:t>
-            </a:r>
-            <a:endParaRPr lang="pt-BR" sz="2000" dirty="0">
+              <a:t>polinomial</a:t>
+            </a:r>
+            <a:r>
+              <a:rPr lang="pt-BR" sz="1800" dirty="0">
+                <a:latin typeface="Times New Roman" panose="02020603050405020304" pitchFamily="18" charset="0"/>
+                <a:cs typeface="Times New Roman" panose="02020603050405020304" pitchFamily="18" charset="0"/>
+              </a:rPr>
+              <a:t>, todos os </a:t>
+            </a:r>
+            <a:r>
+              <a:rPr lang="pt-BR" sz="1800" b="1" dirty="0">
+                <a:solidFill>
+                  <a:srgbClr val="FF0000"/>
+                </a:solidFill>
+                <a:latin typeface="Times New Roman" panose="02020603050405020304" pitchFamily="18" charset="0"/>
+                <a:cs typeface="Times New Roman" panose="02020603050405020304" pitchFamily="18" charset="0"/>
+              </a:rPr>
+              <a:t>problemas NP </a:t>
+            </a:r>
+            <a:r>
+              <a:rPr lang="pt-BR" sz="1800" dirty="0">
+                <a:latin typeface="Times New Roman" panose="02020603050405020304" pitchFamily="18" charset="0"/>
+                <a:cs typeface="Times New Roman" panose="02020603050405020304" pitchFamily="18" charset="0"/>
+              </a:rPr>
+              <a:t>podem ser </a:t>
+            </a:r>
+            <a:r>
+              <a:rPr lang="pt-BR" sz="1800" b="1" dirty="0">
+                <a:solidFill>
+                  <a:srgbClr val="FF0000"/>
+                </a:solidFill>
+                <a:latin typeface="Times New Roman" panose="02020603050405020304" pitchFamily="18" charset="0"/>
+                <a:cs typeface="Times New Roman" panose="02020603050405020304" pitchFamily="18" charset="0"/>
+              </a:rPr>
+              <a:t>resolvidos em tempo polinomial</a:t>
+            </a:r>
+            <a:r>
+              <a:rPr lang="pt-BR" sz="1800" dirty="0">
+                <a:latin typeface="Times New Roman" panose="02020603050405020304" pitchFamily="18" charset="0"/>
+                <a:cs typeface="Times New Roman" panose="02020603050405020304" pitchFamily="18" charset="0"/>
+              </a:rPr>
+              <a:t>.</a:t>
+            </a:r>
+          </a:p>
+          <a:p>
+            <a:pPr marL="0" indent="0" algn="just">
+              <a:buNone/>
+            </a:pPr>
+            <a:endParaRPr lang="pt-BR" sz="1800" dirty="0">
+              <a:latin typeface="Times New Roman" panose="02020603050405020304" pitchFamily="18" charset="0"/>
+              <a:cs typeface="Times New Roman" panose="02020603050405020304" pitchFamily="18" charset="0"/>
+            </a:endParaRPr>
+          </a:p>
+          <a:p>
+            <a:pPr marL="0" indent="0" algn="just">
+              <a:buNone/>
+            </a:pPr>
+            <a:r>
+              <a:rPr lang="pt-BR" sz="1800" b="1" dirty="0">
+                <a:latin typeface="Times New Roman" panose="02020603050405020304" pitchFamily="18" charset="0"/>
+                <a:cs typeface="Times New Roman" panose="02020603050405020304" pitchFamily="18" charset="0"/>
+              </a:rPr>
+              <a:t>Importante</a:t>
+            </a:r>
+            <a:r>
+              <a:rPr lang="pt-BR" sz="1800" dirty="0">
+                <a:latin typeface="Times New Roman" panose="02020603050405020304" pitchFamily="18" charset="0"/>
+                <a:cs typeface="Times New Roman" panose="02020603050405020304" pitchFamily="18" charset="0"/>
+              </a:rPr>
+              <a:t>: </a:t>
+            </a:r>
+            <a:r>
+              <a:rPr lang="pt-BR" sz="1800" b="1" dirty="0">
+                <a:solidFill>
+                  <a:srgbClr val="FF0000"/>
+                </a:solidFill>
+                <a:latin typeface="Times New Roman" panose="02020603050405020304" pitchFamily="18" charset="0"/>
+                <a:cs typeface="Times New Roman" panose="02020603050405020304" pitchFamily="18" charset="0"/>
+              </a:rPr>
+              <a:t>Nem todo problema NP-completo </a:t>
+            </a:r>
+            <a:r>
+              <a:rPr lang="pt-BR" sz="1800" dirty="0">
+                <a:latin typeface="Times New Roman" panose="02020603050405020304" pitchFamily="18" charset="0"/>
+                <a:cs typeface="Times New Roman" panose="02020603050405020304" pitchFamily="18" charset="0"/>
+              </a:rPr>
+              <a:t>possui </a:t>
+            </a:r>
+            <a:r>
+              <a:rPr lang="pt-BR" sz="1800" b="1" dirty="0">
+                <a:latin typeface="Times New Roman" panose="02020603050405020304" pitchFamily="18" charset="0"/>
+                <a:cs typeface="Times New Roman" panose="02020603050405020304" pitchFamily="18" charset="0"/>
+              </a:rPr>
+              <a:t>solução eficiente conhecida</a:t>
+            </a:r>
+            <a:r>
+              <a:rPr lang="pt-BR" sz="1800" dirty="0">
+                <a:latin typeface="Times New Roman" panose="02020603050405020304" pitchFamily="18" charset="0"/>
+                <a:cs typeface="Times New Roman" panose="02020603050405020304" pitchFamily="18" charset="0"/>
+              </a:rPr>
+              <a:t>; a busca por soluções exatas pode ser inviável para grandes instâncias.</a:t>
+            </a:r>
+            <a:endParaRPr lang="pt-BR" sz="1800" dirty="0">
               <a:solidFill>
                 <a:schemeClr val="tx1"/>
               </a:solidFill>
@@ -4606,7 +7994,7 @@
         </p:spPr>
         <p:txBody>
           <a:bodyPr>
-            <a:normAutofit/>
+            <a:normAutofit fontScale="90000"/>
           </a:bodyPr>
           <a:lstStyle/>
           <a:p>
@@ -4616,7 +8004,7 @@
                   <a:srgbClr val="0070C0"/>
                 </a:solidFill>
               </a:rPr>
-              <a:t>Algoritmos</a:t>
+              <a:t>Problemas</a:t>
             </a:r>
             <a:r>
               <a:rPr lang="en-US" b="1" dirty="0">
@@ -4624,7 +8012,7 @@
                   <a:srgbClr val="0070C0"/>
                 </a:solidFill>
               </a:rPr>
-              <a:t> de </a:t>
+              <a:t> NP-</a:t>
             </a:r>
             <a:r>
               <a:rPr lang="en-US" b="1" dirty="0" err="1">
@@ -4632,7 +8020,23 @@
                   <a:srgbClr val="0070C0"/>
                 </a:solidFill>
               </a:rPr>
-              <a:t>Aproximação</a:t>
+              <a:t>Completos</a:t>
+            </a:r>
+            <a:r>
+              <a:rPr lang="en-US" b="1" dirty="0">
+                <a:solidFill>
+                  <a:srgbClr val="0070C0"/>
+                </a:solidFill>
+              </a:rPr>
+              <a:t> </a:t>
+            </a:r>
+            <a:r>
+              <a:rPr lang="en-US" b="1" dirty="0" err="1">
+                <a:solidFill>
+                  <a:srgbClr val="0070C0"/>
+                </a:solidFill>
+              </a:rPr>
+              <a:t>Exemplos</a:t>
             </a:r>
             <a:endParaRPr lang="en-US" b="1" dirty="0">
               <a:solidFill>
@@ -4673,22 +8077,115 @@
             <a:pPr marL="0" indent="0" algn="just">
               <a:buNone/>
             </a:pPr>
-            <a:r>
-              <a:rPr lang="pt-BR" sz="2000" dirty="0">
-                <a:latin typeface="Times New Roman" panose="02020603050405020304" pitchFamily="18" charset="0"/>
-                <a:cs typeface="Times New Roman" panose="02020603050405020304" pitchFamily="18" charset="0"/>
-              </a:rPr>
-              <a:t>Algoritmos e Complexidade</a:t>
-            </a:r>
-            <a:r>
-              <a:rPr lang="pt-BR" sz="2000" dirty="0">
-                <a:solidFill>
-                  <a:schemeClr val="tx1"/>
-                </a:solidFill>
-                <a:latin typeface="Times New Roman" panose="02020603050405020304" pitchFamily="18" charset="0"/>
-                <a:cs typeface="Times New Roman" panose="02020603050405020304" pitchFamily="18" charset="0"/>
-              </a:rPr>
-              <a:t> ...</a:t>
+            <a:endParaRPr lang="pt-BR" sz="2200" dirty="0">
+              <a:latin typeface="Times New Roman" panose="02020603050405020304" pitchFamily="18" charset="0"/>
+              <a:cs typeface="Times New Roman" panose="02020603050405020304" pitchFamily="18" charset="0"/>
+            </a:endParaRPr>
+          </a:p>
+          <a:p>
+            <a:pPr algn="just">
+              <a:buFont typeface="Wingdings" panose="05000000000000000000" pitchFamily="2" charset="2"/>
+              <a:buChar char="§"/>
+            </a:pPr>
+            <a:r>
+              <a:rPr lang="pt-BR" sz="2200" b="1" dirty="0">
+                <a:latin typeface="Times New Roman" panose="02020603050405020304" pitchFamily="18" charset="0"/>
+                <a:cs typeface="Times New Roman" panose="02020603050405020304" pitchFamily="18" charset="0"/>
+              </a:rPr>
+              <a:t>Problema do Caixeiro Viajante </a:t>
+            </a:r>
+            <a:r>
+              <a:rPr lang="pt-BR" sz="2200" dirty="0">
+                <a:latin typeface="Times New Roman" panose="02020603050405020304" pitchFamily="18" charset="0"/>
+                <a:cs typeface="Times New Roman" panose="02020603050405020304" pitchFamily="18" charset="0"/>
+              </a:rPr>
+              <a:t>(</a:t>
+            </a:r>
+            <a:r>
+              <a:rPr lang="pt-BR" sz="2200" b="1" dirty="0">
+                <a:solidFill>
+                  <a:srgbClr val="FF0000"/>
+                </a:solidFill>
+                <a:latin typeface="Times New Roman" panose="02020603050405020304" pitchFamily="18" charset="0"/>
+                <a:cs typeface="Times New Roman" panose="02020603050405020304" pitchFamily="18" charset="0"/>
+              </a:rPr>
+              <a:t>TSP</a:t>
+            </a:r>
+            <a:r>
+              <a:rPr lang="pt-BR" sz="2200" dirty="0">
+                <a:latin typeface="Times New Roman" panose="02020603050405020304" pitchFamily="18" charset="0"/>
+                <a:cs typeface="Times New Roman" panose="02020603050405020304" pitchFamily="18" charset="0"/>
+              </a:rPr>
+              <a:t>): Encontrar o menor caminho que visita todas as cidades uma única vez.</a:t>
+            </a:r>
+          </a:p>
+          <a:p>
+            <a:pPr marL="0" indent="0" algn="just">
+              <a:buNone/>
+            </a:pPr>
+            <a:endParaRPr lang="pt-BR" sz="2200" dirty="0">
+              <a:latin typeface="Times New Roman" panose="02020603050405020304" pitchFamily="18" charset="0"/>
+              <a:cs typeface="Times New Roman" panose="02020603050405020304" pitchFamily="18" charset="0"/>
+            </a:endParaRPr>
+          </a:p>
+          <a:p>
+            <a:pPr marL="0" indent="0" algn="just">
+              <a:buNone/>
+            </a:pPr>
+            <a:endParaRPr lang="pt-BR" sz="2200" dirty="0">
+              <a:latin typeface="Times New Roman" panose="02020603050405020304" pitchFamily="18" charset="0"/>
+              <a:cs typeface="Times New Roman" panose="02020603050405020304" pitchFamily="18" charset="0"/>
+            </a:endParaRPr>
+          </a:p>
+          <a:p>
+            <a:pPr algn="just">
+              <a:buFont typeface="Wingdings" panose="05000000000000000000" pitchFamily="2" charset="2"/>
+              <a:buChar char="§"/>
+            </a:pPr>
+            <a:r>
+              <a:rPr lang="pt-BR" sz="2200" b="1" dirty="0">
+                <a:latin typeface="Times New Roman" panose="02020603050405020304" pitchFamily="18" charset="0"/>
+                <a:cs typeface="Times New Roman" panose="02020603050405020304" pitchFamily="18" charset="0"/>
+              </a:rPr>
+              <a:t>Problema da </a:t>
+            </a:r>
+            <a:r>
+              <a:rPr lang="pt-BR" sz="2200" b="1" dirty="0" err="1">
+                <a:latin typeface="Times New Roman" panose="02020603050405020304" pitchFamily="18" charset="0"/>
+                <a:cs typeface="Times New Roman" panose="02020603050405020304" pitchFamily="18" charset="0"/>
+              </a:rPr>
+              <a:t>Satisfatibilidade</a:t>
+            </a:r>
+            <a:r>
+              <a:rPr lang="pt-BR" sz="2200" b="1" dirty="0">
+                <a:latin typeface="Times New Roman" panose="02020603050405020304" pitchFamily="18" charset="0"/>
+                <a:cs typeface="Times New Roman" panose="02020603050405020304" pitchFamily="18" charset="0"/>
+              </a:rPr>
+              <a:t> </a:t>
+            </a:r>
+            <a:r>
+              <a:rPr lang="pt-BR" sz="2200" dirty="0">
+                <a:latin typeface="Times New Roman" panose="02020603050405020304" pitchFamily="18" charset="0"/>
+                <a:cs typeface="Times New Roman" panose="02020603050405020304" pitchFamily="18" charset="0"/>
+              </a:rPr>
+              <a:t>(</a:t>
+            </a:r>
+            <a:r>
+              <a:rPr lang="pt-BR" sz="2200" b="1" dirty="0">
+                <a:solidFill>
+                  <a:srgbClr val="FF0000"/>
+                </a:solidFill>
+                <a:latin typeface="Times New Roman" panose="02020603050405020304" pitchFamily="18" charset="0"/>
+                <a:cs typeface="Times New Roman" panose="02020603050405020304" pitchFamily="18" charset="0"/>
+              </a:rPr>
+              <a:t>SAT</a:t>
+            </a:r>
+            <a:r>
+              <a:rPr lang="pt-BR" sz="2200" dirty="0">
+                <a:latin typeface="Times New Roman" panose="02020603050405020304" pitchFamily="18" charset="0"/>
+                <a:cs typeface="Times New Roman" panose="02020603050405020304" pitchFamily="18" charset="0"/>
+              </a:rPr>
+              <a:t>): Determinar se existe uma atribuição de variáveis que satisfaz uma fórmula booleana.</a:t>
             </a:r>
           </a:p>
         </p:txBody>
@@ -4712,7 +8209,13 @@
   <p:cSld>
     <p:spTree>
       <p:nvGrpSpPr>
-        <p:cNvPr id="1" name=""/>
+        <p:cNvPr id="1" name="">
+          <a:extLst>
+            <a:ext uri="{FF2B5EF4-FFF2-40B4-BE49-F238E27FC236}">
+              <a16:creationId xmlns:a16="http://schemas.microsoft.com/office/drawing/2014/main" id="{265A45AC-F143-D14A-5B39-D8BBB5EC3A4A}"/>
+            </a:ext>
+          </a:extLst>
+        </p:cNvPr>
         <p:cNvGrpSpPr/>
         <p:nvPr/>
       </p:nvGrpSpPr>
@@ -4726,7 +8229,261 @@
       </p:grpSpPr>
       <p:sp>
         <p:nvSpPr>
-          <p:cNvPr id="6" name="Title 1"/>
+          <p:cNvPr id="6" name="Title 1">
+            <a:extLst>
+              <a:ext uri="{FF2B5EF4-FFF2-40B4-BE49-F238E27FC236}">
+                <a16:creationId xmlns:a16="http://schemas.microsoft.com/office/drawing/2014/main" id="{C7B87549-7765-98E7-4543-C9F11045FFD1}"/>
+              </a:ext>
+            </a:extLst>
+          </p:cNvPr>
+          <p:cNvSpPr>
+            <a:spLocks noGrp="1"/>
+          </p:cNvSpPr>
+          <p:nvPr>
+            <p:ph type="title"/>
+          </p:nvPr>
+        </p:nvSpPr>
+        <p:spPr>
+          <a:xfrm>
+            <a:off x="457200" y="205980"/>
+            <a:ext cx="8229600" cy="857251"/>
+          </a:xfrm>
+        </p:spPr>
+        <p:txBody>
+          <a:bodyPr>
+            <a:normAutofit fontScale="90000"/>
+          </a:bodyPr>
+          <a:lstStyle/>
+          <a:p>
+            <a:r>
+              <a:rPr lang="en-US" b="1" dirty="0" err="1">
+                <a:solidFill>
+                  <a:srgbClr val="0070C0"/>
+                </a:solidFill>
+              </a:rPr>
+              <a:t>Problemas</a:t>
+            </a:r>
+            <a:r>
+              <a:rPr lang="en-US" b="1" dirty="0">
+                <a:solidFill>
+                  <a:srgbClr val="0070C0"/>
+                </a:solidFill>
+              </a:rPr>
+              <a:t> NP-</a:t>
+            </a:r>
+            <a:r>
+              <a:rPr lang="en-US" b="1" dirty="0" err="1">
+                <a:solidFill>
+                  <a:srgbClr val="0070C0"/>
+                </a:solidFill>
+              </a:rPr>
+              <a:t>Completos</a:t>
+            </a:r>
+            <a:r>
+              <a:rPr lang="en-US" b="1" dirty="0">
+                <a:solidFill>
+                  <a:srgbClr val="0070C0"/>
+                </a:solidFill>
+              </a:rPr>
+              <a:t> </a:t>
+            </a:r>
+            <a:r>
+              <a:rPr lang="en-US" b="1" dirty="0" err="1">
+                <a:solidFill>
+                  <a:srgbClr val="0070C0"/>
+                </a:solidFill>
+              </a:rPr>
+              <a:t>Exemplos</a:t>
+            </a:r>
+            <a:endParaRPr lang="en-US" b="1" dirty="0">
+              <a:solidFill>
+                <a:srgbClr val="0070C0"/>
+              </a:solidFill>
+            </a:endParaRPr>
+          </a:p>
+        </p:txBody>
+      </p:sp>
+      <p:sp>
+        <p:nvSpPr>
+          <p:cNvPr id="8" name="Text Placeholder 2">
+            <a:extLst>
+              <a:ext uri="{FF2B5EF4-FFF2-40B4-BE49-F238E27FC236}">
+                <a16:creationId xmlns:a16="http://schemas.microsoft.com/office/drawing/2014/main" id="{79532F0F-272F-4B01-FFF8-C231AA5D501D}"/>
+              </a:ext>
+            </a:extLst>
+          </p:cNvPr>
+          <p:cNvSpPr>
+            <a:spLocks noGrp="1"/>
+          </p:cNvSpPr>
+          <p:nvPr>
+            <p:ph type="body" sz="half" idx="1"/>
+          </p:nvPr>
+        </p:nvSpPr>
+        <p:spPr>
+          <a:xfrm>
+            <a:off x="142865" y="1200150"/>
+            <a:ext cx="8865056" cy="3737370"/>
+          </a:xfrm>
+        </p:spPr>
+        <p:txBody>
+          <a:bodyPr>
+            <a:noAutofit/>
+          </a:bodyPr>
+          <a:lstStyle/>
+          <a:p>
+            <a:pPr algn="just">
+              <a:buFont typeface="Wingdings" panose="05000000000000000000" pitchFamily="2" charset="2"/>
+              <a:buChar char="§"/>
+            </a:pPr>
+            <a:endParaRPr lang="pt-BR" sz="2200" dirty="0">
+              <a:latin typeface="Times New Roman" panose="02020603050405020304" pitchFamily="18" charset="0"/>
+              <a:cs typeface="Times New Roman" panose="02020603050405020304" pitchFamily="18" charset="0"/>
+            </a:endParaRPr>
+          </a:p>
+          <a:p>
+            <a:pPr algn="just">
+              <a:buFont typeface="Wingdings" panose="05000000000000000000" pitchFamily="2" charset="2"/>
+              <a:buChar char="§"/>
+            </a:pPr>
+            <a:r>
+              <a:rPr lang="pt-BR" sz="2200" b="1" dirty="0">
+                <a:latin typeface="Times New Roman" panose="02020603050405020304" pitchFamily="18" charset="0"/>
+                <a:cs typeface="Times New Roman" panose="02020603050405020304" pitchFamily="18" charset="0"/>
+              </a:rPr>
+              <a:t>Problema da Mochila </a:t>
+            </a:r>
+            <a:r>
+              <a:rPr lang="pt-BR" sz="2200" dirty="0">
+                <a:latin typeface="Times New Roman" panose="02020603050405020304" pitchFamily="18" charset="0"/>
+                <a:cs typeface="Times New Roman" panose="02020603050405020304" pitchFamily="18" charset="0"/>
+              </a:rPr>
+              <a:t>(</a:t>
+            </a:r>
+            <a:r>
+              <a:rPr lang="pt-BR" sz="2200" b="1" dirty="0" err="1">
+                <a:solidFill>
+                  <a:srgbClr val="FF0000"/>
+                </a:solidFill>
+                <a:latin typeface="Times New Roman" panose="02020603050405020304" pitchFamily="18" charset="0"/>
+                <a:cs typeface="Times New Roman" panose="02020603050405020304" pitchFamily="18" charset="0"/>
+              </a:rPr>
+              <a:t>Knapsack</a:t>
+            </a:r>
+            <a:r>
+              <a:rPr lang="pt-BR" sz="2200" dirty="0">
+                <a:latin typeface="Times New Roman" panose="02020603050405020304" pitchFamily="18" charset="0"/>
+                <a:cs typeface="Times New Roman" panose="02020603050405020304" pitchFamily="18" charset="0"/>
+              </a:rPr>
+              <a:t>) – </a:t>
+            </a:r>
+            <a:r>
+              <a:rPr lang="pt-BR" sz="2200" b="1" dirty="0">
+                <a:latin typeface="Times New Roman" panose="02020603050405020304" pitchFamily="18" charset="0"/>
+                <a:cs typeface="Times New Roman" panose="02020603050405020304" pitchFamily="18" charset="0"/>
+              </a:rPr>
+              <a:t>versão inteira</a:t>
+            </a:r>
+            <a:r>
+              <a:rPr lang="pt-BR" sz="2200" dirty="0">
+                <a:latin typeface="Times New Roman" panose="02020603050405020304" pitchFamily="18" charset="0"/>
+                <a:cs typeface="Times New Roman" panose="02020603050405020304" pitchFamily="18" charset="0"/>
+              </a:rPr>
+              <a:t>: Maximizar o valor de itens escolhidos sem ultrapassar a capacidade da mochila.</a:t>
+            </a:r>
+          </a:p>
+          <a:p>
+            <a:pPr marL="0" indent="0" algn="just">
+              <a:buNone/>
+            </a:pPr>
+            <a:endParaRPr lang="pt-BR" sz="2200" dirty="0">
+              <a:latin typeface="Times New Roman" panose="02020603050405020304" pitchFamily="18" charset="0"/>
+              <a:cs typeface="Times New Roman" panose="02020603050405020304" pitchFamily="18" charset="0"/>
+            </a:endParaRPr>
+          </a:p>
+          <a:p>
+            <a:pPr marL="0" indent="0" algn="just">
+              <a:buNone/>
+            </a:pPr>
+            <a:endParaRPr lang="pt-BR" sz="2200" dirty="0">
+              <a:latin typeface="Times New Roman" panose="02020603050405020304" pitchFamily="18" charset="0"/>
+              <a:cs typeface="Times New Roman" panose="02020603050405020304" pitchFamily="18" charset="0"/>
+            </a:endParaRPr>
+          </a:p>
+          <a:p>
+            <a:pPr algn="just">
+              <a:buFont typeface="Wingdings" panose="05000000000000000000" pitchFamily="2" charset="2"/>
+              <a:buChar char="§"/>
+            </a:pPr>
+            <a:r>
+              <a:rPr lang="pt-BR" sz="2200" b="1" dirty="0">
+                <a:latin typeface="Times New Roman" panose="02020603050405020304" pitchFamily="18" charset="0"/>
+                <a:cs typeface="Times New Roman" panose="02020603050405020304" pitchFamily="18" charset="0"/>
+              </a:rPr>
+              <a:t>Problema de Coloração de Grafos</a:t>
+            </a:r>
+            <a:r>
+              <a:rPr lang="pt-BR" sz="2200" dirty="0">
+                <a:latin typeface="Times New Roman" panose="02020603050405020304" pitchFamily="18" charset="0"/>
+                <a:cs typeface="Times New Roman" panose="02020603050405020304" pitchFamily="18" charset="0"/>
+              </a:rPr>
+              <a:t>: Determinar se é possível colorir um grafo com k cores sem que vértices adjacentes tenham a mesma cor.</a:t>
+            </a:r>
+            <a:endParaRPr lang="pt-BR" sz="2200" dirty="0">
+              <a:solidFill>
+                <a:schemeClr val="tx1"/>
+              </a:solidFill>
+              <a:latin typeface="Times New Roman" panose="02020603050405020304" pitchFamily="18" charset="0"/>
+              <a:cs typeface="Times New Roman" panose="02020603050405020304" pitchFamily="18" charset="0"/>
+            </a:endParaRPr>
+          </a:p>
+        </p:txBody>
+      </p:sp>
+    </p:spTree>
+    <p:extLst>
+      <p:ext uri="{BB962C8B-B14F-4D97-AF65-F5344CB8AC3E}">
+        <p14:creationId xmlns:p14="http://schemas.microsoft.com/office/powerpoint/2010/main" val="1409453894"/>
+      </p:ext>
+    </p:extLst>
+  </p:cSld>
+  <p:clrMapOvr>
+    <a:masterClrMapping/>
+  </p:clrMapOvr>
+  <p:transition spd="med"/>
+</p:sld>
+</file>
+
+<file path=ppt/slides/slide6.xml><?xml version="1.0" encoding="utf-8"?>
+<p:sld xmlns:a="http://schemas.openxmlformats.org/drawingml/2006/main" xmlns:r="http://schemas.openxmlformats.org/officeDocument/2006/relationships" xmlns:p="http://schemas.openxmlformats.org/presentationml/2006/main">
+  <p:cSld>
+    <p:spTree>
+      <p:nvGrpSpPr>
+        <p:cNvPr id="1" name="">
+          <a:extLst>
+            <a:ext uri="{FF2B5EF4-FFF2-40B4-BE49-F238E27FC236}">
+              <a16:creationId xmlns:a16="http://schemas.microsoft.com/office/drawing/2014/main" id="{C5EF7080-76A2-F953-C3E8-BDA9959BF2A4}"/>
+            </a:ext>
+          </a:extLst>
+        </p:cNvPr>
+        <p:cNvGrpSpPr/>
+        <p:nvPr/>
+      </p:nvGrpSpPr>
+      <p:grpSpPr>
+        <a:xfrm>
+          <a:off x="0" y="0"/>
+          <a:ext cx="0" cy="0"/>
+          <a:chOff x="0" y="0"/>
+          <a:chExt cx="0" cy="0"/>
+        </a:xfrm>
+      </p:grpSpPr>
+      <p:sp>
+        <p:nvSpPr>
+          <p:cNvPr id="6" name="Title 1">
+            <a:extLst>
+              <a:ext uri="{FF2B5EF4-FFF2-40B4-BE49-F238E27FC236}">
+                <a16:creationId xmlns:a16="http://schemas.microsoft.com/office/drawing/2014/main" id="{2D5372CF-6DF0-FA95-632C-8832CA94A162}"/>
+              </a:ext>
+            </a:extLst>
+          </p:cNvPr>
           <p:cNvSpPr>
             <a:spLocks noGrp="1"/>
           </p:cNvSpPr>
@@ -4752,7 +8509,7 @@
                   <a:srgbClr val="0070C0"/>
                 </a:solidFill>
               </a:rPr>
-              <a:t>Leitura</a:t>
+              <a:t>Algoritmos</a:t>
             </a:r>
             <a:r>
               <a:rPr lang="en-US" b="1" dirty="0">
@@ -4760,7 +8517,7 @@
                   <a:srgbClr val="0070C0"/>
                 </a:solidFill>
               </a:rPr>
-              <a:t> </a:t>
+              <a:t> de </a:t>
             </a:r>
             <a:r>
               <a:rPr lang="en-US" b="1" dirty="0" err="1">
@@ -4768,7 +8525,7 @@
                   <a:srgbClr val="0070C0"/>
                 </a:solidFill>
               </a:rPr>
-              <a:t>Específica</a:t>
+              <a:t>Aproximação</a:t>
             </a:r>
             <a:endParaRPr lang="en-US" b="1" dirty="0">
               <a:solidFill>
@@ -4780,7 +8537,13 @@
       </p:sp>
       <p:sp>
         <p:nvSpPr>
-          <p:cNvPr id="8" name="Text Placeholder 2"/>
+          <p:cNvPr id="8" name="Text Placeholder 2">
+            <a:extLst>
+              <a:ext uri="{FF2B5EF4-FFF2-40B4-BE49-F238E27FC236}">
+                <a16:creationId xmlns:a16="http://schemas.microsoft.com/office/drawing/2014/main" id="{8C7F61AD-B6D1-72BA-B5D3-D321D32D596A}"/>
+              </a:ext>
+            </a:extLst>
+          </p:cNvPr>
           <p:cNvSpPr>
             <a:spLocks noGrp="1"/>
           </p:cNvSpPr>
@@ -4791,7 +8554,7 @@
         <p:spPr>
           <a:xfrm>
             <a:off x="142865" y="1200150"/>
-            <a:ext cx="8865056" cy="3737369"/>
+            <a:ext cx="8865056" cy="3737370"/>
           </a:xfrm>
         </p:spPr>
         <p:txBody>
@@ -4804,33 +8567,80 @@
               <a:buNone/>
             </a:pPr>
             <a:r>
-              <a:rPr lang="pt-BR" sz="2000" dirty="0">
-                <a:latin typeface="Times New Roman" panose="02020603050405020304" pitchFamily="18" charset="0"/>
-                <a:cs typeface="Times New Roman" panose="02020603050405020304" pitchFamily="18" charset="0"/>
-              </a:rPr>
-              <a:t>[1] Algoritmos e Complexidade – Parte 1.</a:t>
+              <a:rPr lang="pt-BR" sz="2200" dirty="0">
+                <a:latin typeface="Times New Roman" panose="02020603050405020304" pitchFamily="18" charset="0"/>
+                <a:cs typeface="Times New Roman" panose="02020603050405020304" pitchFamily="18" charset="0"/>
+              </a:rPr>
+              <a:t>	Quando para resolver um problema </a:t>
+            </a:r>
+            <a:r>
+              <a:rPr lang="pt-BR" sz="2200" b="1" dirty="0">
+                <a:solidFill>
+                  <a:srgbClr val="FF0000"/>
+                </a:solidFill>
+                <a:latin typeface="Times New Roman" panose="02020603050405020304" pitchFamily="18" charset="0"/>
+                <a:cs typeface="Times New Roman" panose="02020603050405020304" pitchFamily="18" charset="0"/>
+              </a:rPr>
+              <a:t>NP-completo</a:t>
+            </a:r>
+            <a:r>
+              <a:rPr lang="pt-BR" sz="2200" dirty="0">
+                <a:latin typeface="Times New Roman" panose="02020603050405020304" pitchFamily="18" charset="0"/>
+                <a:cs typeface="Times New Roman" panose="02020603050405020304" pitchFamily="18" charset="0"/>
+              </a:rPr>
+              <a:t> for exatamente inviável, podemos </a:t>
+            </a:r>
+            <a:r>
+              <a:rPr lang="pt-BR" sz="2200" b="1" dirty="0">
+                <a:latin typeface="Times New Roman" panose="02020603050405020304" pitchFamily="18" charset="0"/>
+                <a:cs typeface="Times New Roman" panose="02020603050405020304" pitchFamily="18" charset="0"/>
+              </a:rPr>
+              <a:t>recorrer</a:t>
+            </a:r>
+            <a:r>
+              <a:rPr lang="pt-BR" sz="2200" dirty="0">
+                <a:latin typeface="Times New Roman" panose="02020603050405020304" pitchFamily="18" charset="0"/>
+                <a:cs typeface="Times New Roman" panose="02020603050405020304" pitchFamily="18" charset="0"/>
+              </a:rPr>
+              <a:t> a </a:t>
+            </a:r>
+            <a:r>
+              <a:rPr lang="pt-BR" sz="2200" b="1" dirty="0">
+                <a:latin typeface="Times New Roman" panose="02020603050405020304" pitchFamily="18" charset="0"/>
+                <a:cs typeface="Times New Roman" panose="02020603050405020304" pitchFamily="18" charset="0"/>
+              </a:rPr>
+              <a:t>algoritmos de aproximação</a:t>
+            </a:r>
+            <a:r>
+              <a:rPr lang="pt-BR" sz="2200" dirty="0">
+                <a:latin typeface="Times New Roman" panose="02020603050405020304" pitchFamily="18" charset="0"/>
+                <a:cs typeface="Times New Roman" panose="02020603050405020304" pitchFamily="18" charset="0"/>
+              </a:rPr>
+              <a:t>, que garantem </a:t>
+            </a:r>
+            <a:r>
+              <a:rPr lang="pt-BR" sz="2200" b="1" dirty="0">
+                <a:solidFill>
+                  <a:srgbClr val="FF0000"/>
+                </a:solidFill>
+                <a:latin typeface="Times New Roman" panose="02020603050405020304" pitchFamily="18" charset="0"/>
+                <a:cs typeface="Times New Roman" panose="02020603050405020304" pitchFamily="18" charset="0"/>
+              </a:rPr>
+              <a:t>soluções próximas do ótimo em tempo polinomial</a:t>
+            </a:r>
+            <a:r>
+              <a:rPr lang="pt-BR" sz="2200" dirty="0">
+                <a:latin typeface="Times New Roman" panose="02020603050405020304" pitchFamily="18" charset="0"/>
+                <a:cs typeface="Times New Roman" panose="02020603050405020304" pitchFamily="18" charset="0"/>
+              </a:rPr>
+              <a:t>.</a:t>
             </a:r>
           </a:p>
           <a:p>
             <a:pPr marL="0" indent="0" algn="just">
               <a:buNone/>
             </a:pPr>
-            <a:r>
-              <a:rPr lang="pt-BR" sz="2000" b="1" dirty="0">
-                <a:solidFill>
-                  <a:srgbClr val="FF0000"/>
-                </a:solidFill>
-                <a:latin typeface="Times New Roman" panose="02020603050405020304" pitchFamily="18" charset="0"/>
-                <a:cs typeface="Times New Roman" panose="02020603050405020304" pitchFamily="18" charset="0"/>
-              </a:rPr>
-              <a:t>Disponível em:</a:t>
-            </a:r>
-          </a:p>
-          <a:p>
-            <a:pPr marL="0" indent="0" algn="just">
-              <a:buNone/>
-            </a:pPr>
-            <a:endParaRPr lang="pt-BR" sz="2000" dirty="0">
+            <a:endParaRPr lang="pt-BR" sz="2200" dirty="0">
               <a:latin typeface="Times New Roman" panose="02020603050405020304" pitchFamily="18" charset="0"/>
               <a:cs typeface="Times New Roman" panose="02020603050405020304" pitchFamily="18" charset="0"/>
             </a:endParaRPr>
@@ -4840,11 +8650,48 @@
               <a:buNone/>
             </a:pPr>
             <a:r>
+              <a:rPr lang="pt-BR" sz="2200" b="1" dirty="0">
+                <a:latin typeface="Times New Roman" panose="02020603050405020304" pitchFamily="18" charset="0"/>
+                <a:cs typeface="Times New Roman" panose="02020603050405020304" pitchFamily="18" charset="0"/>
+              </a:rPr>
+              <a:t>Conceitos</a:t>
+            </a:r>
+          </a:p>
+          <a:p>
+            <a:pPr algn="just">
+              <a:buFont typeface="Wingdings" panose="05000000000000000000" pitchFamily="2" charset="2"/>
+              <a:buChar char="§"/>
+            </a:pPr>
+            <a:r>
+              <a:rPr lang="pt-BR" sz="2000" b="1" dirty="0">
+                <a:latin typeface="Times New Roman" panose="02020603050405020304" pitchFamily="18" charset="0"/>
+                <a:cs typeface="Times New Roman" panose="02020603050405020304" pitchFamily="18" charset="0"/>
+              </a:rPr>
+              <a:t>Razão de aproximação </a:t>
+            </a:r>
+            <a:r>
               <a:rPr lang="pt-BR" sz="2000" dirty="0">
                 <a:latin typeface="Times New Roman" panose="02020603050405020304" pitchFamily="18" charset="0"/>
                 <a:cs typeface="Times New Roman" panose="02020603050405020304" pitchFamily="18" charset="0"/>
               </a:rPr>
-              <a:t>[2] Algoritmos e Complexidade – Parte 2. </a:t>
+              <a:t>(</a:t>
+            </a:r>
+            <a:r>
+              <a:rPr lang="pt-BR" sz="2000" b="1" dirty="0">
+                <a:solidFill>
+                  <a:srgbClr val="FF0000"/>
+                </a:solidFill>
+                <a:latin typeface="Times New Roman" panose="02020603050405020304" pitchFamily="18" charset="0"/>
+                <a:cs typeface="Times New Roman" panose="02020603050405020304" pitchFamily="18" charset="0"/>
+              </a:rPr>
+              <a:t>𝜌</a:t>
+            </a:r>
+            <a:r>
+              <a:rPr lang="pt-BR" sz="2000" dirty="0">
+                <a:latin typeface="Times New Roman" panose="02020603050405020304" pitchFamily="18" charset="0"/>
+                <a:cs typeface="Times New Roman" panose="02020603050405020304" pitchFamily="18" charset="0"/>
+              </a:rPr>
+              <a:t>): </a:t>
             </a:r>
           </a:p>
           <a:p>
@@ -4852,17 +8699,81 @@
               <a:buNone/>
             </a:pPr>
             <a:r>
+              <a:rPr lang="pt-BR" sz="2000" dirty="0">
+                <a:latin typeface="Times New Roman" panose="02020603050405020304" pitchFamily="18" charset="0"/>
+                <a:cs typeface="Times New Roman" panose="02020603050405020304" pitchFamily="18" charset="0"/>
+              </a:rPr>
+              <a:t>	</a:t>
+            </a:r>
+            <a:r>
               <a:rPr lang="pt-BR" sz="2000" b="1" dirty="0">
+                <a:latin typeface="Times New Roman" panose="02020603050405020304" pitchFamily="18" charset="0"/>
+                <a:cs typeface="Times New Roman" panose="02020603050405020304" pitchFamily="18" charset="0"/>
+              </a:rPr>
+              <a:t>𝜌</a:t>
+            </a:r>
+            <a:r>
+              <a:rPr lang="pt-BR" sz="2000" dirty="0">
+                <a:latin typeface="Times New Roman" panose="02020603050405020304" pitchFamily="18" charset="0"/>
+                <a:cs typeface="Times New Roman" panose="02020603050405020304" pitchFamily="18" charset="0"/>
+              </a:rPr>
+              <a:t> = </a:t>
+            </a:r>
+            <a:r>
+              <a:rPr lang="pt-BR" sz="2000" b="1" dirty="0">
                 <a:solidFill>
                   <a:srgbClr val="FF0000"/>
                 </a:solidFill>
                 <a:latin typeface="Times New Roman" panose="02020603050405020304" pitchFamily="18" charset="0"/>
                 <a:cs typeface="Times New Roman" panose="02020603050405020304" pitchFamily="18" charset="0"/>
               </a:rPr>
-              <a:t>Disponível em:</a:t>
-            </a:r>
-            <a:endParaRPr lang="pt-BR" sz="2000" dirty="0">
-              <a:latin typeface="Calibri" panose="020F0502020204030204" pitchFamily="34" charset="0"/>
+              <a:t>valor da solução do algoritmo </a:t>
+            </a:r>
+            <a:r>
+              <a:rPr lang="pt-BR" sz="2000" dirty="0">
+                <a:latin typeface="Times New Roman" panose="02020603050405020304" pitchFamily="18" charset="0"/>
+                <a:cs typeface="Times New Roman" panose="02020603050405020304" pitchFamily="18" charset="0"/>
+              </a:rPr>
+              <a:t>/ </a:t>
+            </a:r>
+            <a:r>
+              <a:rPr lang="pt-BR" sz="2000" b="1" dirty="0">
+                <a:latin typeface="Times New Roman" panose="02020603050405020304" pitchFamily="18" charset="0"/>
+                <a:cs typeface="Times New Roman" panose="02020603050405020304" pitchFamily="18" charset="0"/>
+              </a:rPr>
+              <a:t>valor da solução ótima</a:t>
+            </a:r>
+          </a:p>
+          <a:p>
+            <a:pPr algn="just">
+              <a:buFont typeface="Wingdings" panose="05000000000000000000" pitchFamily="2" charset="2"/>
+              <a:buChar char="§"/>
+            </a:pPr>
+            <a:r>
+              <a:rPr lang="pt-BR" sz="2000" b="1" dirty="0">
+                <a:latin typeface="Times New Roman" panose="02020603050405020304" pitchFamily="18" charset="0"/>
+                <a:cs typeface="Times New Roman" panose="02020603050405020304" pitchFamily="18" charset="0"/>
+              </a:rPr>
+              <a:t>Garantia de aproximação</a:t>
+            </a:r>
+            <a:r>
+              <a:rPr lang="pt-BR" sz="2000" dirty="0">
+                <a:latin typeface="Times New Roman" panose="02020603050405020304" pitchFamily="18" charset="0"/>
+                <a:cs typeface="Times New Roman" panose="02020603050405020304" pitchFamily="18" charset="0"/>
+              </a:rPr>
+              <a:t>: O algoritmo garante que a solução estará dentro de um fator conhecido da ótima.</a:t>
+            </a:r>
+          </a:p>
+          <a:p>
+            <a:pPr marL="0" indent="0" algn="just">
+              <a:buNone/>
+            </a:pPr>
+            <a:endParaRPr lang="pt-BR" sz="2200" b="1" dirty="0">
+              <a:solidFill>
+                <a:schemeClr val="tx1"/>
+              </a:solidFill>
+              <a:latin typeface="Times New Roman" panose="02020603050405020304" pitchFamily="18" charset="0"/>
+              <a:cs typeface="Times New Roman" panose="02020603050405020304" pitchFamily="18" charset="0"/>
             </a:endParaRPr>
           </a:p>
         </p:txBody>
@@ -4870,7 +8781,7 @@
     </p:spTree>
     <p:extLst>
       <p:ext uri="{BB962C8B-B14F-4D97-AF65-F5344CB8AC3E}">
-        <p14:creationId xmlns:p14="http://schemas.microsoft.com/office/powerpoint/2010/main" val="3680270425"/>
+        <p14:creationId xmlns:p14="http://schemas.microsoft.com/office/powerpoint/2010/main" val="2209184678"/>
       </p:ext>
     </p:extLst>
   </p:cSld>
@@ -4881,12 +8792,18 @@
 </p:sld>
 </file>
 
-<file path=ppt/slides/slide6.xml><?xml version="1.0" encoding="utf-8"?>
+<file path=ppt/slides/slide7.xml><?xml version="1.0" encoding="utf-8"?>
 <p:sld xmlns:a="http://schemas.openxmlformats.org/drawingml/2006/main" xmlns:r="http://schemas.openxmlformats.org/officeDocument/2006/relationships" xmlns:p="http://schemas.openxmlformats.org/presentationml/2006/main">
   <p:cSld>
     <p:spTree>
       <p:nvGrpSpPr>
-        <p:cNvPr id="1" name=""/>
+        <p:cNvPr id="1" name="">
+          <a:extLst>
+            <a:ext uri="{FF2B5EF4-FFF2-40B4-BE49-F238E27FC236}">
+              <a16:creationId xmlns:a16="http://schemas.microsoft.com/office/drawing/2014/main" id="{E8C97C3D-48B0-23E7-CE17-27A88E0C4494}"/>
+            </a:ext>
+          </a:extLst>
+        </p:cNvPr>
         <p:cNvGrpSpPr/>
         <p:nvPr/>
       </p:nvGrpSpPr>
@@ -4900,7 +8817,13 @@
       </p:grpSpPr>
       <p:sp>
         <p:nvSpPr>
-          <p:cNvPr id="6" name="Title 1"/>
+          <p:cNvPr id="6" name="Title 1">
+            <a:extLst>
+              <a:ext uri="{FF2B5EF4-FFF2-40B4-BE49-F238E27FC236}">
+                <a16:creationId xmlns:a16="http://schemas.microsoft.com/office/drawing/2014/main" id="{E1DF2049-7817-F4DC-26AB-9D2848ECCFEA}"/>
+              </a:ext>
+            </a:extLst>
+          </p:cNvPr>
           <p:cNvSpPr>
             <a:spLocks noGrp="1"/>
           </p:cNvSpPr>
@@ -4926,7 +8849,7 @@
                   <a:srgbClr val="0070C0"/>
                 </a:solidFill>
               </a:rPr>
-              <a:t>Aprenda</a:t>
+              <a:t>Algoritmos</a:t>
             </a:r>
             <a:r>
               <a:rPr lang="en-US" b="1" dirty="0">
@@ -4934,14 +8857,33 @@
                   <a:srgbClr val="0070C0"/>
                 </a:solidFill>
               </a:rPr>
-              <a:t>+</a:t>
-            </a:r>
+              <a:t> de </a:t>
+            </a:r>
+            <a:r>
+              <a:rPr lang="en-US" b="1" dirty="0" err="1">
+                <a:solidFill>
+                  <a:srgbClr val="0070C0"/>
+                </a:solidFill>
+              </a:rPr>
+              <a:t>Aproximação</a:t>
+            </a:r>
+            <a:endParaRPr lang="en-US" b="1" dirty="0">
+              <a:solidFill>
+                <a:srgbClr val="0070C0"/>
+              </a:solidFill>
+            </a:endParaRPr>
           </a:p>
         </p:txBody>
       </p:sp>
       <p:sp>
         <p:nvSpPr>
-          <p:cNvPr id="8" name="Text Placeholder 2"/>
+          <p:cNvPr id="8" name="Text Placeholder 2">
+            <a:extLst>
+              <a:ext uri="{FF2B5EF4-FFF2-40B4-BE49-F238E27FC236}">
+                <a16:creationId xmlns:a16="http://schemas.microsoft.com/office/drawing/2014/main" id="{5157DB58-F481-15E1-E9B3-887BC886E6E3}"/>
+              </a:ext>
+            </a:extLst>
+          </p:cNvPr>
           <p:cNvSpPr>
             <a:spLocks noGrp="1"/>
           </p:cNvSpPr>
@@ -4965,36 +8907,80 @@
               <a:buNone/>
             </a:pPr>
             <a:r>
-              <a:rPr lang="pt-BR" sz="2400" dirty="0">
-                <a:latin typeface="Times New Roman" panose="02020603050405020304" pitchFamily="18" charset="0"/>
-                <a:cs typeface="Times New Roman" panose="02020603050405020304" pitchFamily="18" charset="0"/>
-              </a:rPr>
-              <a:t>[1] Algoritmos e Complexidade – Parte 1</a:t>
+              <a:rPr lang="pt-BR" sz="2200" dirty="0">
+                <a:latin typeface="Times New Roman" panose="02020603050405020304" pitchFamily="18" charset="0"/>
+                <a:cs typeface="Times New Roman" panose="02020603050405020304" pitchFamily="18" charset="0"/>
+              </a:rPr>
+              <a:t>	Quando para resolver um problema </a:t>
+            </a:r>
+            <a:r>
+              <a:rPr lang="pt-BR" sz="2200" b="1" dirty="0">
+                <a:solidFill>
+                  <a:srgbClr val="FF0000"/>
+                </a:solidFill>
+                <a:latin typeface="Times New Roman" panose="02020603050405020304" pitchFamily="18" charset="0"/>
+                <a:cs typeface="Times New Roman" panose="02020603050405020304" pitchFamily="18" charset="0"/>
+              </a:rPr>
+              <a:t>NP-completo</a:t>
+            </a:r>
+            <a:r>
+              <a:rPr lang="pt-BR" sz="2200" dirty="0">
+                <a:latin typeface="Times New Roman" panose="02020603050405020304" pitchFamily="18" charset="0"/>
+                <a:cs typeface="Times New Roman" panose="02020603050405020304" pitchFamily="18" charset="0"/>
+              </a:rPr>
+              <a:t> for exatamente inviável, podemos </a:t>
+            </a:r>
+            <a:r>
+              <a:rPr lang="pt-BR" sz="2200" b="1" dirty="0">
+                <a:latin typeface="Times New Roman" panose="02020603050405020304" pitchFamily="18" charset="0"/>
+                <a:cs typeface="Times New Roman" panose="02020603050405020304" pitchFamily="18" charset="0"/>
+              </a:rPr>
+              <a:t>recorrer</a:t>
+            </a:r>
+            <a:r>
+              <a:rPr lang="pt-BR" sz="2200" dirty="0">
+                <a:latin typeface="Times New Roman" panose="02020603050405020304" pitchFamily="18" charset="0"/>
+                <a:cs typeface="Times New Roman" panose="02020603050405020304" pitchFamily="18" charset="0"/>
+              </a:rPr>
+              <a:t> a </a:t>
+            </a:r>
+            <a:r>
+              <a:rPr lang="pt-BR" sz="2200" b="1" dirty="0">
+                <a:latin typeface="Times New Roman" panose="02020603050405020304" pitchFamily="18" charset="0"/>
+                <a:cs typeface="Times New Roman" panose="02020603050405020304" pitchFamily="18" charset="0"/>
+              </a:rPr>
+              <a:t>algoritmos de aproximação</a:t>
+            </a:r>
+            <a:r>
+              <a:rPr lang="pt-BR" sz="2200" dirty="0">
+                <a:latin typeface="Times New Roman" panose="02020603050405020304" pitchFamily="18" charset="0"/>
+                <a:cs typeface="Times New Roman" panose="02020603050405020304" pitchFamily="18" charset="0"/>
+              </a:rPr>
+              <a:t>, que garantem </a:t>
+            </a:r>
+            <a:r>
+              <a:rPr lang="pt-BR" sz="2200" b="1" dirty="0">
+                <a:solidFill>
+                  <a:srgbClr val="FF0000"/>
+                </a:solidFill>
+                <a:latin typeface="Times New Roman" panose="02020603050405020304" pitchFamily="18" charset="0"/>
+                <a:cs typeface="Times New Roman" panose="02020603050405020304" pitchFamily="18" charset="0"/>
+              </a:rPr>
+              <a:t>soluções próximas do ótimo em tempo polinomial</a:t>
+            </a:r>
+            <a:r>
+              <a:rPr lang="pt-BR" sz="2200" dirty="0">
+                <a:latin typeface="Times New Roman" panose="02020603050405020304" pitchFamily="18" charset="0"/>
+                <a:cs typeface="Times New Roman" panose="02020603050405020304" pitchFamily="18" charset="0"/>
+              </a:rPr>
+              <a:t>.</a:t>
             </a:r>
           </a:p>
           <a:p>
             <a:pPr marL="0" indent="0" algn="just">
               <a:buNone/>
             </a:pPr>
-            <a:r>
-              <a:rPr lang="pt-BR" sz="2400" b="1" dirty="0">
-                <a:solidFill>
-                  <a:srgbClr val="FF0000"/>
-                </a:solidFill>
-                <a:latin typeface="Times New Roman" panose="02020603050405020304" pitchFamily="18" charset="0"/>
-                <a:cs typeface="Times New Roman" panose="02020603050405020304" pitchFamily="18" charset="0"/>
-              </a:rPr>
-              <a:t>Disponível em: </a:t>
-            </a:r>
-            <a:r>
-              <a:rPr lang="pt-BR" sz="2400" dirty="0">
-                <a:latin typeface="Times New Roman" panose="02020603050405020304" pitchFamily="18" charset="0"/>
-                <a:cs typeface="Times New Roman" panose="02020603050405020304" pitchFamily="18" charset="0"/>
-                <a:hlinkClick r:id="rId3"/>
-              </a:rPr>
-              <a:t>https://</a:t>
-            </a:r>
-            <a:endParaRPr lang="pt-BR" sz="2400" dirty="0">
+            <a:endParaRPr lang="pt-BR" sz="2200" dirty="0">
               <a:latin typeface="Times New Roman" panose="02020603050405020304" pitchFamily="18" charset="0"/>
               <a:cs typeface="Times New Roman" panose="02020603050405020304" pitchFamily="18" charset="0"/>
             </a:endParaRPr>
@@ -5003,55 +8989,129 @@
             <a:pPr marL="0" indent="0" algn="just">
               <a:buNone/>
             </a:pPr>
-            <a:endParaRPr lang="pt-BR" sz="2400" dirty="0">
-              <a:latin typeface="Times New Roman" panose="02020603050405020304" pitchFamily="18" charset="0"/>
-              <a:cs typeface="Times New Roman" panose="02020603050405020304" pitchFamily="18" charset="0"/>
-            </a:endParaRPr>
+            <a:r>
+              <a:rPr lang="pt-BR" sz="2200" b="1" dirty="0">
+                <a:latin typeface="Times New Roman" panose="02020603050405020304" pitchFamily="18" charset="0"/>
+                <a:cs typeface="Times New Roman" panose="02020603050405020304" pitchFamily="18" charset="0"/>
+              </a:rPr>
+              <a:t>Exemplos</a:t>
+            </a:r>
+          </a:p>
+          <a:p>
+            <a:pPr algn="just">
+              <a:buFont typeface="Wingdings" panose="05000000000000000000" pitchFamily="2" charset="2"/>
+              <a:buChar char="§"/>
+            </a:pPr>
+            <a:r>
+              <a:rPr lang="pt-BR" sz="2000" b="1" dirty="0">
+                <a:latin typeface="Times New Roman" panose="02020603050405020304" pitchFamily="18" charset="0"/>
+                <a:cs typeface="Times New Roman" panose="02020603050405020304" pitchFamily="18" charset="0"/>
+              </a:rPr>
+              <a:t>Razão de aproximação </a:t>
+            </a:r>
+            <a:r>
+              <a:rPr lang="pt-BR" sz="2000" dirty="0">
+                <a:latin typeface="Times New Roman" panose="02020603050405020304" pitchFamily="18" charset="0"/>
+                <a:cs typeface="Times New Roman" panose="02020603050405020304" pitchFamily="18" charset="0"/>
+              </a:rPr>
+              <a:t>(</a:t>
+            </a:r>
+            <a:r>
+              <a:rPr lang="pt-BR" sz="2000" b="1" dirty="0">
+                <a:solidFill>
+                  <a:srgbClr val="FF0000"/>
+                </a:solidFill>
+                <a:latin typeface="Times New Roman" panose="02020603050405020304" pitchFamily="18" charset="0"/>
+                <a:cs typeface="Times New Roman" panose="02020603050405020304" pitchFamily="18" charset="0"/>
+              </a:rPr>
+              <a:t>𝜌</a:t>
+            </a:r>
+            <a:r>
+              <a:rPr lang="pt-BR" sz="2000" dirty="0">
+                <a:latin typeface="Times New Roman" panose="02020603050405020304" pitchFamily="18" charset="0"/>
+                <a:cs typeface="Times New Roman" panose="02020603050405020304" pitchFamily="18" charset="0"/>
+              </a:rPr>
+              <a:t>): </a:t>
+            </a:r>
           </a:p>
           <a:p>
             <a:pPr marL="0" indent="0" algn="just">
               <a:buNone/>
             </a:pPr>
             <a:r>
-              <a:rPr lang="pt-BR" sz="2400" dirty="0">
-                <a:latin typeface="Times New Roman" panose="02020603050405020304" pitchFamily="18" charset="0"/>
-                <a:cs typeface="Times New Roman" panose="02020603050405020304" pitchFamily="18" charset="0"/>
-              </a:rPr>
-              <a:t>[2] Algoritmos e Complexidade – Parte 2</a:t>
+              <a:rPr lang="pt-BR" sz="2000" dirty="0">
+                <a:latin typeface="Times New Roman" panose="02020603050405020304" pitchFamily="18" charset="0"/>
+                <a:cs typeface="Times New Roman" panose="02020603050405020304" pitchFamily="18" charset="0"/>
+              </a:rPr>
+              <a:t>	</a:t>
+            </a:r>
+            <a:r>
+              <a:rPr lang="pt-BR" sz="2000" b="1" dirty="0">
+                <a:latin typeface="Times New Roman" panose="02020603050405020304" pitchFamily="18" charset="0"/>
+                <a:cs typeface="Times New Roman" panose="02020603050405020304" pitchFamily="18" charset="0"/>
+              </a:rPr>
+              <a:t>𝜌</a:t>
+            </a:r>
+            <a:r>
+              <a:rPr lang="pt-BR" sz="2000" dirty="0">
+                <a:latin typeface="Times New Roman" panose="02020603050405020304" pitchFamily="18" charset="0"/>
+                <a:cs typeface="Times New Roman" panose="02020603050405020304" pitchFamily="18" charset="0"/>
+              </a:rPr>
+              <a:t> = </a:t>
+            </a:r>
+            <a:r>
+              <a:rPr lang="pt-BR" sz="2000" b="1" dirty="0">
+                <a:solidFill>
+                  <a:srgbClr val="FF0000"/>
+                </a:solidFill>
+                <a:latin typeface="Times New Roman" panose="02020603050405020304" pitchFamily="18" charset="0"/>
+                <a:cs typeface="Times New Roman" panose="02020603050405020304" pitchFamily="18" charset="0"/>
+              </a:rPr>
+              <a:t>valor da solução do algoritmo </a:t>
+            </a:r>
+            <a:r>
+              <a:rPr lang="pt-BR" sz="2000" dirty="0">
+                <a:latin typeface="Times New Roman" panose="02020603050405020304" pitchFamily="18" charset="0"/>
+                <a:cs typeface="Times New Roman" panose="02020603050405020304" pitchFamily="18" charset="0"/>
+              </a:rPr>
+              <a:t>/ </a:t>
+            </a:r>
+            <a:r>
+              <a:rPr lang="pt-BR" sz="2000" b="1" dirty="0">
+                <a:latin typeface="Times New Roman" panose="02020603050405020304" pitchFamily="18" charset="0"/>
+                <a:cs typeface="Times New Roman" panose="02020603050405020304" pitchFamily="18" charset="0"/>
+              </a:rPr>
+              <a:t>valor da solução ótima</a:t>
+            </a:r>
+          </a:p>
+          <a:p>
+            <a:pPr algn="just">
+              <a:buFont typeface="Wingdings" panose="05000000000000000000" pitchFamily="2" charset="2"/>
+              <a:buChar char="§"/>
+            </a:pPr>
+            <a:r>
+              <a:rPr lang="pt-BR" sz="2000" b="1" dirty="0">
+                <a:latin typeface="Times New Roman" panose="02020603050405020304" pitchFamily="18" charset="0"/>
+                <a:cs typeface="Times New Roman" panose="02020603050405020304" pitchFamily="18" charset="0"/>
+              </a:rPr>
+              <a:t>Garantia de aproximação</a:t>
+            </a:r>
+            <a:r>
+              <a:rPr lang="pt-BR" sz="2000" dirty="0">
+                <a:latin typeface="Times New Roman" panose="02020603050405020304" pitchFamily="18" charset="0"/>
+                <a:cs typeface="Times New Roman" panose="02020603050405020304" pitchFamily="18" charset="0"/>
+              </a:rPr>
+              <a:t>: O algoritmo garante que a solução estará dentro de um fator conhecido da ótima.</a:t>
             </a:r>
           </a:p>
           <a:p>
             <a:pPr marL="0" indent="0" algn="just">
               <a:buNone/>
             </a:pPr>
-            <a:r>
-              <a:rPr lang="pt-BR" sz="2400" b="1" dirty="0">
-                <a:solidFill>
-                  <a:srgbClr val="FF0000"/>
-                </a:solidFill>
-                <a:latin typeface="Times New Roman" panose="02020603050405020304" pitchFamily="18" charset="0"/>
-                <a:cs typeface="Times New Roman" panose="02020603050405020304" pitchFamily="18" charset="0"/>
-              </a:rPr>
-              <a:t>Disponível em: </a:t>
-            </a:r>
-            <a:r>
-              <a:rPr lang="pt-BR" sz="2400" dirty="0">
-                <a:latin typeface="Times New Roman" panose="02020603050405020304" pitchFamily="18" charset="0"/>
-                <a:cs typeface="Times New Roman" panose="02020603050405020304" pitchFamily="18" charset="0"/>
-                <a:hlinkClick r:id="rId4"/>
-              </a:rPr>
-              <a:t>https://</a:t>
-            </a:r>
-            <a:endParaRPr lang="pt-BR" sz="2400" dirty="0">
-              <a:latin typeface="Times New Roman" panose="02020603050405020304" pitchFamily="18" charset="0"/>
-              <a:cs typeface="Times New Roman" panose="02020603050405020304" pitchFamily="18" charset="0"/>
-            </a:endParaRPr>
-          </a:p>
-          <a:p>
-            <a:pPr marL="0" indent="0" algn="just">
-              <a:buNone/>
-            </a:pPr>
-            <a:endParaRPr lang="pt-BR" sz="2400" dirty="0">
+            <a:endParaRPr lang="pt-BR" sz="2200" b="1" dirty="0">
+              <a:solidFill>
+                <a:schemeClr val="tx1"/>
+              </a:solidFill>
               <a:latin typeface="Times New Roman" panose="02020603050405020304" pitchFamily="18" charset="0"/>
               <a:cs typeface="Times New Roman" panose="02020603050405020304" pitchFamily="18" charset="0"/>
             </a:endParaRPr>
@@ -5061,7 +9121,7 @@
     </p:spTree>
     <p:extLst>
       <p:ext uri="{BB962C8B-B14F-4D97-AF65-F5344CB8AC3E}">
-        <p14:creationId xmlns:p14="http://schemas.microsoft.com/office/powerpoint/2010/main" val="2747596967"/>
+        <p14:creationId xmlns:p14="http://schemas.microsoft.com/office/powerpoint/2010/main" val="543970669"/>
       </p:ext>
     </p:extLst>
   </p:cSld>
@@ -5072,12 +9132,18 @@
 </p:sld>
 </file>
 
-<file path=ppt/slides/slide7.xml><?xml version="1.0" encoding="utf-8"?>
+<file path=ppt/slides/slide8.xml><?xml version="1.0" encoding="utf-8"?>
 <p:sld xmlns:a="http://schemas.openxmlformats.org/drawingml/2006/main" xmlns:r="http://schemas.openxmlformats.org/officeDocument/2006/relationships" xmlns:p="http://schemas.openxmlformats.org/presentationml/2006/main">
   <p:cSld>
     <p:spTree>
       <p:nvGrpSpPr>
-        <p:cNvPr id="1" name=""/>
+        <p:cNvPr id="1" name="">
+          <a:extLst>
+            <a:ext uri="{FF2B5EF4-FFF2-40B4-BE49-F238E27FC236}">
+              <a16:creationId xmlns:a16="http://schemas.microsoft.com/office/drawing/2014/main" id="{04AA0749-370F-427B-F2A5-A21759567F38}"/>
+            </a:ext>
+          </a:extLst>
+        </p:cNvPr>
         <p:cNvGrpSpPr/>
         <p:nvPr/>
       </p:nvGrpSpPr>
@@ -5091,7 +9157,13 @@
       </p:grpSpPr>
       <p:sp>
         <p:nvSpPr>
-          <p:cNvPr id="6" name="Title 1"/>
+          <p:cNvPr id="6" name="Title 1">
+            <a:extLst>
+              <a:ext uri="{FF2B5EF4-FFF2-40B4-BE49-F238E27FC236}">
+                <a16:creationId xmlns:a16="http://schemas.microsoft.com/office/drawing/2014/main" id="{69EBD73C-738A-E56E-F01C-FF8FBA460EA8}"/>
+              </a:ext>
+            </a:extLst>
+          </p:cNvPr>
           <p:cNvSpPr>
             <a:spLocks noGrp="1"/>
           </p:cNvSpPr>
@@ -5107,7 +9179,7 @@
         </p:spPr>
         <p:txBody>
           <a:bodyPr>
-            <a:normAutofit/>
+            <a:normAutofit fontScale="90000"/>
           </a:bodyPr>
           <a:lstStyle/>
           <a:p>
@@ -5117,7 +9189,7 @@
                   <a:srgbClr val="0070C0"/>
                 </a:solidFill>
               </a:rPr>
-              <a:t>Dinâmica</a:t>
+              <a:t>Algoritmos</a:t>
             </a:r>
             <a:r>
               <a:rPr lang="en-US" b="1" dirty="0">
@@ -5125,7 +9197,7 @@
                   <a:srgbClr val="0070C0"/>
                 </a:solidFill>
               </a:rPr>
-              <a:t>/</a:t>
+              <a:t> de </a:t>
             </a:r>
             <a:r>
               <a:rPr lang="en-US" b="1" dirty="0" err="1">
@@ -5133,7 +9205,23 @@
                   <a:srgbClr val="0070C0"/>
                 </a:solidFill>
               </a:rPr>
-              <a:t>Atividades</a:t>
+              <a:t>Aproximação</a:t>
+            </a:r>
+            <a:r>
+              <a:rPr lang="en-US" b="1" dirty="0">
+                <a:solidFill>
+                  <a:srgbClr val="0070C0"/>
+                </a:solidFill>
+              </a:rPr>
+              <a:t> </a:t>
+            </a:r>
+            <a:r>
+              <a:rPr lang="en-US" b="1" dirty="0" err="1">
+                <a:solidFill>
+                  <a:srgbClr val="0070C0"/>
+                </a:solidFill>
+              </a:rPr>
+              <a:t>Exemplos</a:t>
             </a:r>
             <a:endParaRPr lang="en-US" b="1" dirty="0">
               <a:solidFill>
@@ -5145,7 +9233,13 @@
       </p:sp>
       <p:sp>
         <p:nvSpPr>
-          <p:cNvPr id="8" name="Text Placeholder 2"/>
+          <p:cNvPr id="8" name="Text Placeholder 2">
+            <a:extLst>
+              <a:ext uri="{FF2B5EF4-FFF2-40B4-BE49-F238E27FC236}">
+                <a16:creationId xmlns:a16="http://schemas.microsoft.com/office/drawing/2014/main" id="{05300B9F-A78C-6C67-43E5-0A06547CD7BB}"/>
+              </a:ext>
+            </a:extLst>
+          </p:cNvPr>
           <p:cNvSpPr>
             <a:spLocks noGrp="1"/>
           </p:cNvSpPr>
@@ -5155,8 +9249,8 @@
         </p:nvSpPr>
         <p:spPr>
           <a:xfrm>
-            <a:off x="139472" y="1063230"/>
-            <a:ext cx="8865056" cy="3606305"/>
+            <a:off x="142865" y="1200150"/>
+            <a:ext cx="8865056" cy="3737370"/>
           </a:xfrm>
         </p:spPr>
         <p:txBody>
@@ -5165,43 +9259,146 @@
           </a:bodyPr>
           <a:lstStyle/>
           <a:p>
-            <a:pPr algn="just">
+            <a:pPr marL="457200" indent="-457200" algn="just">
+              <a:buFont typeface="+mj-lt"/>
+              <a:buAutoNum type="arabicPeriod"/>
+            </a:pPr>
+            <a:r>
+              <a:rPr lang="pt-BR" sz="2000" b="1" dirty="0">
+                <a:solidFill>
+                  <a:schemeClr val="tx1"/>
+                </a:solidFill>
+                <a:latin typeface="Times New Roman" panose="02020603050405020304" pitchFamily="18" charset="0"/>
+                <a:cs typeface="Times New Roman" panose="02020603050405020304" pitchFamily="18" charset="0"/>
+              </a:rPr>
+              <a:t>Problema da Mochila Fracionária</a:t>
+            </a:r>
+          </a:p>
+          <a:p>
+            <a:pPr marL="904875" lvl="1" indent="-457200" algn="just">
               <a:buFont typeface="Wingdings" panose="05000000000000000000" pitchFamily="2" charset="2"/>
               <a:buChar char="§"/>
             </a:pPr>
             <a:r>
-              <a:rPr lang="pt-BR" dirty="0">
-                <a:latin typeface="Times New Roman" panose="02020603050405020304" pitchFamily="18" charset="0"/>
-                <a:cs typeface="Times New Roman" panose="02020603050405020304" pitchFamily="18" charset="0"/>
-              </a:rPr>
-              <a:t>	Exercícios (Atividade Verificadora de Aprendizagem)</a:t>
-            </a:r>
-          </a:p>
-          <a:p>
-            <a:pPr marL="0" indent="0" algn="just">
-              <a:buNone/>
+              <a:rPr lang="pt-BR" sz="2000" dirty="0">
+                <a:solidFill>
+                  <a:schemeClr val="tx1"/>
+                </a:solidFill>
+                <a:latin typeface="Times New Roman" panose="02020603050405020304" pitchFamily="18" charset="0"/>
+                <a:cs typeface="Times New Roman" panose="02020603050405020304" pitchFamily="18" charset="0"/>
+              </a:rPr>
+              <a:t>Solução ótima pode ser encontrada em tempo polinomial.</a:t>
+            </a:r>
+          </a:p>
+          <a:p>
+            <a:pPr marL="904875" lvl="1" indent="-457200" algn="just">
+              <a:buFont typeface="Wingdings" panose="05000000000000000000" pitchFamily="2" charset="2"/>
+              <a:buChar char="§"/>
             </a:pPr>
             <a:r>
-              <a:rPr lang="pt-BR" dirty="0">
-                <a:latin typeface="Times New Roman" panose="02020603050405020304" pitchFamily="18" charset="0"/>
-                <a:cs typeface="Times New Roman" panose="02020603050405020304" pitchFamily="18" charset="0"/>
-              </a:rPr>
-              <a:t> </a:t>
-            </a:r>
-            <a:r>
-              <a:rPr lang="pt-BR" sz="2400" dirty="0">
-                <a:latin typeface="Times New Roman" panose="02020603050405020304" pitchFamily="18" charset="0"/>
-                <a:cs typeface="Times New Roman" panose="02020603050405020304" pitchFamily="18" charset="0"/>
-              </a:rPr>
-              <a:t>	</a:t>
-            </a:r>
-          </a:p>
-          <a:p>
-            <a:pPr marL="0" indent="0" algn="just">
+              <a:rPr lang="pt-BR" sz="2000" dirty="0">
+                <a:solidFill>
+                  <a:schemeClr val="tx1"/>
+                </a:solidFill>
+                <a:latin typeface="Times New Roman" panose="02020603050405020304" pitchFamily="18" charset="0"/>
+                <a:cs typeface="Times New Roman" panose="02020603050405020304" pitchFamily="18" charset="0"/>
+              </a:rPr>
+              <a:t>Itens podem ser fracionados.</a:t>
+            </a:r>
+          </a:p>
+          <a:p>
+            <a:pPr marL="447675" lvl="1" indent="0" algn="just">
               <a:buNone/>
             </a:pPr>
             <a:endParaRPr lang="pt-BR" sz="2000" dirty="0">
-              <a:latin typeface="Calibri" panose="020F0502020204030204" pitchFamily="34" charset="0"/>
+              <a:solidFill>
+                <a:schemeClr val="tx1"/>
+              </a:solidFill>
+              <a:latin typeface="Times New Roman" panose="02020603050405020304" pitchFamily="18" charset="0"/>
+              <a:cs typeface="Times New Roman" panose="02020603050405020304" pitchFamily="18" charset="0"/>
+            </a:endParaRPr>
+          </a:p>
+          <a:p>
+            <a:pPr marL="457200" indent="-457200" algn="just">
+              <a:buFont typeface="+mj-lt"/>
+              <a:buAutoNum type="arabicPeriod"/>
+            </a:pPr>
+            <a:r>
+              <a:rPr lang="pt-BR" sz="2000" b="1" dirty="0">
+                <a:solidFill>
+                  <a:schemeClr val="tx1"/>
+                </a:solidFill>
+                <a:latin typeface="Times New Roman" panose="02020603050405020304" pitchFamily="18" charset="0"/>
+                <a:cs typeface="Times New Roman" panose="02020603050405020304" pitchFamily="18" charset="0"/>
+              </a:rPr>
+              <a:t>Algoritmo Guloso para Cobertura de Conjuntos</a:t>
+            </a:r>
+          </a:p>
+          <a:p>
+            <a:pPr marL="904875" lvl="1" indent="-457200" algn="just">
+              <a:buFont typeface="Wingdings" panose="05000000000000000000" pitchFamily="2" charset="2"/>
+              <a:buChar char="§"/>
+            </a:pPr>
+            <a:r>
+              <a:rPr lang="pt-BR" sz="2000" dirty="0">
+                <a:solidFill>
+                  <a:schemeClr val="tx1"/>
+                </a:solidFill>
+                <a:latin typeface="Times New Roman" panose="02020603050405020304" pitchFamily="18" charset="0"/>
+                <a:cs typeface="Times New Roman" panose="02020603050405020304" pitchFamily="18" charset="0"/>
+              </a:rPr>
+              <a:t>Seleciona subconjuntos que cobrem o maior número de elementos não cobertos.</a:t>
+            </a:r>
+          </a:p>
+          <a:p>
+            <a:pPr marL="904875" lvl="1" indent="-457200" algn="just">
+              <a:buFont typeface="Wingdings" panose="05000000000000000000" pitchFamily="2" charset="2"/>
+              <a:buChar char="§"/>
+            </a:pPr>
+            <a:r>
+              <a:rPr lang="pt-BR" sz="2000" dirty="0">
+                <a:solidFill>
+                  <a:schemeClr val="tx1"/>
+                </a:solidFill>
+                <a:latin typeface="Times New Roman" panose="02020603050405020304" pitchFamily="18" charset="0"/>
+                <a:cs typeface="Times New Roman" panose="02020603050405020304" pitchFamily="18" charset="0"/>
+              </a:rPr>
+              <a:t>Aproximação logarítmica: </a:t>
+            </a:r>
+            <a:r>
+              <a:rPr lang="pt-BR" sz="2000" b="1" dirty="0">
+                <a:latin typeface="Times New Roman" panose="02020603050405020304" pitchFamily="18" charset="0"/>
+                <a:cs typeface="Times New Roman" panose="02020603050405020304" pitchFamily="18" charset="0"/>
+              </a:rPr>
+              <a:t>𝜌 = </a:t>
+            </a:r>
+            <a:r>
+              <a:rPr lang="pt-BR" sz="2000" b="1" dirty="0" err="1">
+                <a:latin typeface="Times New Roman" panose="02020603050405020304" pitchFamily="18" charset="0"/>
+                <a:cs typeface="Times New Roman" panose="02020603050405020304" pitchFamily="18" charset="0"/>
+              </a:rPr>
+              <a:t>ln</a:t>
+            </a:r>
+            <a:r>
+              <a:rPr lang="pt-BR" sz="2000" b="1" dirty="0">
+                <a:latin typeface="Times New Roman" panose="02020603050405020304" pitchFamily="18" charset="0"/>
+                <a:cs typeface="Times New Roman" panose="02020603050405020304" pitchFamily="18" charset="0"/>
+              </a:rPr>
+              <a:t> n, </a:t>
+            </a:r>
+            <a:r>
+              <a:rPr lang="pt-BR" sz="2000" dirty="0">
+                <a:latin typeface="Times New Roman" panose="02020603050405020304" pitchFamily="18" charset="0"/>
+                <a:cs typeface="Times New Roman" panose="02020603050405020304" pitchFamily="18" charset="0"/>
+              </a:rPr>
+              <a:t>onde n é o número de elementos a cobrir.</a:t>
+            </a:r>
+            <a:endParaRPr lang="pt-BR" sz="2000" dirty="0">
+              <a:solidFill>
+                <a:schemeClr val="tx1"/>
+              </a:solidFill>
+              <a:latin typeface="Times New Roman" panose="02020603050405020304" pitchFamily="18" charset="0"/>
+              <a:cs typeface="Times New Roman" panose="02020603050405020304" pitchFamily="18" charset="0"/>
             </a:endParaRPr>
           </a:p>
         </p:txBody>
@@ -5209,7 +9406,7 @@
     </p:spTree>
     <p:extLst>
       <p:ext uri="{BB962C8B-B14F-4D97-AF65-F5344CB8AC3E}">
-        <p14:creationId xmlns:p14="http://schemas.microsoft.com/office/powerpoint/2010/main" val="2470652989"/>
+        <p14:creationId xmlns:p14="http://schemas.microsoft.com/office/powerpoint/2010/main" val="1602440960"/>
       </p:ext>
     </p:extLst>
   </p:cSld>
@@ -5220,12 +9417,18 @@
 </p:sld>
 </file>
 
-<file path=ppt/slides/slide8.xml><?xml version="1.0" encoding="utf-8"?>
+<file path=ppt/slides/slide9.xml><?xml version="1.0" encoding="utf-8"?>
 <p:sld xmlns:a="http://schemas.openxmlformats.org/drawingml/2006/main" xmlns:r="http://schemas.openxmlformats.org/officeDocument/2006/relationships" xmlns:p="http://schemas.openxmlformats.org/presentationml/2006/main">
   <p:cSld>
     <p:spTree>
       <p:nvGrpSpPr>
-        <p:cNvPr id="1" name=""/>
+        <p:cNvPr id="1" name="">
+          <a:extLst>
+            <a:ext uri="{FF2B5EF4-FFF2-40B4-BE49-F238E27FC236}">
+              <a16:creationId xmlns:a16="http://schemas.microsoft.com/office/drawing/2014/main" id="{7D9EA4F9-863D-65DD-F66D-7174CF721367}"/>
+            </a:ext>
+          </a:extLst>
+        </p:cNvPr>
         <p:cNvGrpSpPr/>
         <p:nvPr/>
       </p:nvGrpSpPr>
@@ -5239,7 +9442,13 @@
       </p:grpSpPr>
       <p:sp>
         <p:nvSpPr>
-          <p:cNvPr id="6" name="Title 1"/>
+          <p:cNvPr id="6" name="Title 1">
+            <a:extLst>
+              <a:ext uri="{FF2B5EF4-FFF2-40B4-BE49-F238E27FC236}">
+                <a16:creationId xmlns:a16="http://schemas.microsoft.com/office/drawing/2014/main" id="{405189A2-F8F5-B8DF-C90C-9E3941CF92FB}"/>
+              </a:ext>
+            </a:extLst>
+          </p:cNvPr>
           <p:cNvSpPr>
             <a:spLocks noGrp="1"/>
           </p:cNvSpPr>
@@ -5255,7 +9464,7 @@
         </p:spPr>
         <p:txBody>
           <a:bodyPr>
-            <a:normAutofit/>
+            <a:normAutofit fontScale="90000"/>
           </a:bodyPr>
           <a:lstStyle/>
           <a:p>
@@ -5265,7 +9474,7 @@
                   <a:srgbClr val="0070C0"/>
                 </a:solidFill>
               </a:rPr>
-              <a:t>Referências</a:t>
+              <a:t>Algoritmos</a:t>
             </a:r>
             <a:r>
               <a:rPr lang="en-US" b="1" dirty="0">
@@ -5273,6 +9482,22 @@
                   <a:srgbClr val="0070C0"/>
                 </a:solidFill>
               </a:rPr>
+              <a:t> de </a:t>
+            </a:r>
+            <a:r>
+              <a:rPr lang="en-US" b="1" dirty="0" err="1">
+                <a:solidFill>
+                  <a:srgbClr val="0070C0"/>
+                </a:solidFill>
+              </a:rPr>
+              <a:t>Aproximação</a:t>
+            </a:r>
+            <a:r>
+              <a:rPr lang="en-US" b="1" dirty="0">
+                <a:solidFill>
+                  <a:srgbClr val="0070C0"/>
+                </a:solidFill>
+              </a:rPr>
               <a:t> </a:t>
             </a:r>
             <a:r>
@@ -5281,7 +9506,7 @@
                   <a:srgbClr val="0070C0"/>
                 </a:solidFill>
               </a:rPr>
-              <a:t>Bibliográficas</a:t>
+              <a:t>Exemplos</a:t>
             </a:r>
             <a:endParaRPr lang="en-US" b="1" dirty="0">
               <a:solidFill>
@@ -5293,7 +9518,13 @@
       </p:sp>
       <p:sp>
         <p:nvSpPr>
-          <p:cNvPr id="8" name="Text Placeholder 2"/>
+          <p:cNvPr id="8" name="Text Placeholder 2">
+            <a:extLst>
+              <a:ext uri="{FF2B5EF4-FFF2-40B4-BE49-F238E27FC236}">
+                <a16:creationId xmlns:a16="http://schemas.microsoft.com/office/drawing/2014/main" id="{71AFFD72-25DD-77F3-AC6D-CBB64491543F}"/>
+              </a:ext>
+            </a:extLst>
+          </p:cNvPr>
           <p:cNvSpPr>
             <a:spLocks noGrp="1"/>
           </p:cNvSpPr>
@@ -5303,8 +9534,8 @@
         </p:nvSpPr>
         <p:spPr>
           <a:xfrm>
-            <a:off x="142865" y="1200151"/>
-            <a:ext cx="8865056" cy="3394472"/>
+            <a:off x="142865" y="1200150"/>
+            <a:ext cx="8865056" cy="3737370"/>
           </a:xfrm>
         </p:spPr>
         <p:txBody>
@@ -5313,41 +9544,79 @@
           </a:bodyPr>
           <a:lstStyle/>
           <a:p>
+            <a:pPr marL="457200" indent="-457200" algn="just">
+              <a:buFont typeface="+mj-lt"/>
+              <a:buAutoNum type="arabicPeriod" startAt="3"/>
+            </a:pPr>
+            <a:r>
+              <a:rPr lang="pt-BR" sz="2000" b="1" dirty="0">
+                <a:latin typeface="Times New Roman" panose="02020603050405020304" pitchFamily="18" charset="0"/>
+                <a:cs typeface="Times New Roman" panose="02020603050405020304" pitchFamily="18" charset="0"/>
+              </a:rPr>
+              <a:t>TSP Métrico (</a:t>
+            </a:r>
+            <a:r>
+              <a:rPr lang="pt-BR" sz="2000" b="1" dirty="0">
+                <a:solidFill>
+                  <a:srgbClr val="FF0000"/>
+                </a:solidFill>
+                <a:latin typeface="Times New Roman" panose="02020603050405020304" pitchFamily="18" charset="0"/>
+                <a:cs typeface="Times New Roman" panose="02020603050405020304" pitchFamily="18" charset="0"/>
+              </a:rPr>
+              <a:t>distâncias satisfazem desigualdade triangular</a:t>
+            </a:r>
+            <a:r>
+              <a:rPr lang="pt-BR" sz="2000" b="1" dirty="0">
+                <a:latin typeface="Times New Roman" panose="02020603050405020304" pitchFamily="18" charset="0"/>
+                <a:cs typeface="Times New Roman" panose="02020603050405020304" pitchFamily="18" charset="0"/>
+              </a:rPr>
+              <a:t>)</a:t>
+            </a:r>
+          </a:p>
+          <a:p>
+            <a:pPr marL="904875" lvl="1" indent="-457200" algn="just">
+              <a:buFont typeface="Wingdings" panose="05000000000000000000" pitchFamily="2" charset="2"/>
+              <a:buChar char="§"/>
+            </a:pPr>
+            <a:r>
+              <a:rPr lang="pt-BR" sz="2000" b="1" dirty="0">
+                <a:latin typeface="Times New Roman" panose="02020603050405020304" pitchFamily="18" charset="0"/>
+                <a:cs typeface="Times New Roman" panose="02020603050405020304" pitchFamily="18" charset="0"/>
+              </a:rPr>
+              <a:t>Algoritmo de </a:t>
+            </a:r>
+            <a:r>
+              <a:rPr lang="pt-BR" sz="2000" b="1" dirty="0" err="1">
+                <a:latin typeface="Times New Roman" panose="02020603050405020304" pitchFamily="18" charset="0"/>
+                <a:cs typeface="Times New Roman" panose="02020603050405020304" pitchFamily="18" charset="0"/>
+              </a:rPr>
+              <a:t>Christofides</a:t>
+            </a:r>
+            <a:r>
+              <a:rPr lang="pt-BR" sz="2000" dirty="0">
+                <a:latin typeface="Times New Roman" panose="02020603050405020304" pitchFamily="18" charset="0"/>
+                <a:cs typeface="Times New Roman" panose="02020603050405020304" pitchFamily="18" charset="0"/>
+              </a:rPr>
+              <a:t>: garante solução com custo no máximo 1,5 vezes o ótimo.</a:t>
+            </a:r>
+            <a:endParaRPr lang="pt-BR" sz="2000" dirty="0">
+              <a:solidFill>
+                <a:schemeClr val="tx1"/>
+              </a:solidFill>
+              <a:latin typeface="Times New Roman" panose="02020603050405020304" pitchFamily="18" charset="0"/>
+              <a:cs typeface="Times New Roman" panose="02020603050405020304" pitchFamily="18" charset="0"/>
+            </a:endParaRPr>
+          </a:p>
+          <a:p>
             <a:pPr marL="0" indent="0" algn="just">
               <a:buNone/>
             </a:pPr>
-            <a:r>
-              <a:rPr lang="pt-BR" sz="1800" dirty="0">
-                <a:latin typeface="Calibri" panose="020F0502020204030204" pitchFamily="34" charset="0"/>
-              </a:rPr>
-              <a:t>[1] ...</a:t>
-            </a:r>
-          </a:p>
-          <a:p>
-            <a:pPr marL="0" indent="0" algn="just">
-              <a:buNone/>
-            </a:pPr>
-            <a:endParaRPr lang="pt-BR" sz="1800" dirty="0">
-              <a:latin typeface="Calibri" panose="020F0502020204030204" pitchFamily="34" charset="0"/>
-            </a:endParaRPr>
-          </a:p>
-          <a:p>
-            <a:pPr marL="0" indent="0" algn="just">
-              <a:buNone/>
-            </a:pPr>
-            <a:r>
-              <a:rPr lang="pt-BR" sz="1800" dirty="0">
-                <a:latin typeface="Calibri" panose="020F0502020204030204" pitchFamily="34" charset="0"/>
-              </a:rPr>
-              <a:t>[2] ...</a:t>
-            </a:r>
-          </a:p>
-          <a:p>
-            <a:pPr marL="0" indent="0" algn="just">
-              <a:buNone/>
-            </a:pPr>
-            <a:endParaRPr lang="pt-BR" sz="1800" dirty="0">
-              <a:latin typeface="Calibri" panose="020F0502020204030204" pitchFamily="34" charset="0"/>
+            <a:endParaRPr lang="pt-BR" sz="2000" dirty="0">
+              <a:solidFill>
+                <a:schemeClr val="tx1"/>
+              </a:solidFill>
+              <a:latin typeface="Times New Roman" panose="02020603050405020304" pitchFamily="18" charset="0"/>
+              <a:cs typeface="Times New Roman" panose="02020603050405020304" pitchFamily="18" charset="0"/>
             </a:endParaRPr>
           </a:p>
         </p:txBody>
@@ -5355,464 +9624,9 @@
     </p:spTree>
     <p:extLst>
       <p:ext uri="{BB962C8B-B14F-4D97-AF65-F5344CB8AC3E}">
-        <p14:creationId xmlns:p14="http://schemas.microsoft.com/office/powerpoint/2010/main" val="1115311843"/>
+        <p14:creationId xmlns:p14="http://schemas.microsoft.com/office/powerpoint/2010/main" val="298391171"/>
       </p:ext>
     </p:extLst>
-  </p:cSld>
-  <p:clrMapOvr>
-    <a:masterClrMapping/>
-  </p:clrMapOvr>
-  <p:transition spd="med"/>
-</p:sld>
-</file>
-
-<file path=ppt/slides/slide9.xml><?xml version="1.0" encoding="utf-8"?>
-<p:sld xmlns:a="http://schemas.openxmlformats.org/drawingml/2006/main" xmlns:r="http://schemas.openxmlformats.org/officeDocument/2006/relationships" xmlns:p="http://schemas.openxmlformats.org/presentationml/2006/main">
-  <p:cSld>
-    <p:spTree>
-      <p:nvGrpSpPr>
-        <p:cNvPr id="1" name=""/>
-        <p:cNvGrpSpPr/>
-        <p:nvPr/>
-      </p:nvGrpSpPr>
-      <p:grpSpPr>
-        <a:xfrm>
-          <a:off x="0" y="0"/>
-          <a:ext cx="0" cy="0"/>
-          <a:chOff x="0" y="0"/>
-          <a:chExt cx="0" cy="0"/>
-        </a:xfrm>
-      </p:grpSpPr>
-      <p:pic>
-        <p:nvPicPr>
-          <p:cNvPr id="112" name="Picture 6" descr="Picture 6"/>
-          <p:cNvPicPr>
-            <a:picLocks noChangeAspect="1"/>
-          </p:cNvPicPr>
-          <p:nvPr/>
-        </p:nvPicPr>
-        <p:blipFill>
-          <a:blip r:embed="rId2"/>
-          <a:stretch>
-            <a:fillRect/>
-          </a:stretch>
-        </p:blipFill>
-        <p:spPr>
-          <a:xfrm>
-            <a:off x="0" y="0"/>
-            <a:ext cx="9144000" cy="5143500"/>
-          </a:xfrm>
-          <a:prstGeom prst="rect">
-            <a:avLst/>
-          </a:prstGeom>
-          <a:ln w="12700">
-            <a:miter lim="400000"/>
-            <a:headEnd/>
-            <a:tailEnd/>
-          </a:ln>
-        </p:spPr>
-      </p:pic>
-      <p:pic>
-        <p:nvPicPr>
-          <p:cNvPr id="114" name="Picture 5" descr="Picture 5"/>
-          <p:cNvPicPr>
-            <a:picLocks noChangeAspect="1"/>
-          </p:cNvPicPr>
-          <p:nvPr/>
-        </p:nvPicPr>
-        <p:blipFill>
-          <a:blip r:embed="rId3"/>
-          <a:stretch>
-            <a:fillRect/>
-          </a:stretch>
-        </p:blipFill>
-        <p:spPr>
-          <a:xfrm>
-            <a:off x="469900" y="0"/>
-            <a:ext cx="4391984" cy="171450"/>
-          </a:xfrm>
-          <a:prstGeom prst="rect">
-            <a:avLst/>
-          </a:prstGeom>
-          <a:ln w="12700">
-            <a:miter lim="400000"/>
-            <a:headEnd/>
-            <a:tailEnd/>
-          </a:ln>
-        </p:spPr>
-      </p:pic>
-      <p:sp>
-        <p:nvSpPr>
-          <p:cNvPr id="3" name="Título 2"/>
-          <p:cNvSpPr>
-            <a:spLocks noGrp="1"/>
-          </p:cNvSpPr>
-          <p:nvPr>
-            <p:ph type="title"/>
-          </p:nvPr>
-        </p:nvSpPr>
-        <p:spPr>
-          <a:xfrm>
-            <a:off x="285751" y="2386770"/>
-            <a:ext cx="8615364" cy="1102519"/>
-          </a:xfrm>
-        </p:spPr>
-        <p:txBody>
-          <a:bodyPr>
-            <a:noAutofit/>
-          </a:bodyPr>
-          <a:lstStyle/>
-          <a:p>
-            <a:r>
-              <a:rPr lang="pt-BR" sz="4800" b="1" dirty="0">
-                <a:solidFill>
-                  <a:schemeClr val="bg1"/>
-                </a:solidFill>
-              </a:rPr>
-              <a:t>Algoritmos e Complexidade</a:t>
-            </a:r>
-          </a:p>
-        </p:txBody>
-      </p:sp>
-      <p:sp>
-        <p:nvSpPr>
-          <p:cNvPr id="6" name="Título 2"/>
-          <p:cNvSpPr txBox="1"/>
-          <p:nvPr/>
-        </p:nvSpPr>
-        <p:spPr>
-          <a:xfrm>
-            <a:off x="975683" y="3866663"/>
-            <a:ext cx="7772400" cy="1102519"/>
-          </a:xfrm>
-          <a:prstGeom prst="rect">
-            <a:avLst/>
-          </a:prstGeom>
-          <a:ln w="12700">
-            <a:miter lim="400000"/>
-          </a:ln>
-        </p:spPr>
-        <p:txBody>
-          <a:bodyPr lIns="45718" tIns="45718" rIns="45718" bIns="45718" anchor="ctr">
-            <a:noAutofit/>
-          </a:bodyPr>
-          <a:lstStyle>
-            <a:lvl1pPr marL="0" marR="0" indent="0" algn="ctr" defTabSz="457200" rtl="0" latinLnBrk="0">
-              <a:lnSpc>
-                <a:spcPct val="100000"/>
-              </a:lnSpc>
-              <a:spcBef>
-                <a:spcPts val="0"/>
-              </a:spcBef>
-              <a:spcAft>
-                <a:spcPts val="0"/>
-              </a:spcAft>
-              <a:buClrTx/>
-              <a:buSzTx/>
-              <a:buFontTx/>
-              <a:buNone/>
-              <a:defRPr sz="4400" b="0" i="0" u="none" strike="noStrike" cap="none" spc="0" baseline="0">
-                <a:ln>
-                  <a:noFill/>
-                </a:ln>
-                <a:solidFill>
-                  <a:srgbClr val="000000"/>
-                </a:solidFill>
-                <a:uFillTx/>
-                <a:latin typeface="+mj-lt"/>
-                <a:ea typeface="+mj-ea"/>
-                <a:cs typeface="+mj-cs"/>
-                <a:sym typeface="Calibri"/>
-              </a:defRPr>
-            </a:lvl1pPr>
-            <a:lvl2pPr marL="0" marR="0" indent="0" algn="ctr" defTabSz="457200" rtl="0" latinLnBrk="0">
-              <a:lnSpc>
-                <a:spcPct val="100000"/>
-              </a:lnSpc>
-              <a:spcBef>
-                <a:spcPts val="0"/>
-              </a:spcBef>
-              <a:spcAft>
-                <a:spcPts val="0"/>
-              </a:spcAft>
-              <a:buClrTx/>
-              <a:buSzTx/>
-              <a:buFontTx/>
-              <a:buNone/>
-              <a:defRPr sz="4400" b="0" i="0" u="none" strike="noStrike" cap="none" spc="0" baseline="0">
-                <a:ln>
-                  <a:noFill/>
-                </a:ln>
-                <a:solidFill>
-                  <a:srgbClr val="000000"/>
-                </a:solidFill>
-                <a:uFillTx/>
-                <a:latin typeface="+mj-lt"/>
-                <a:ea typeface="+mj-ea"/>
-                <a:cs typeface="+mj-cs"/>
-                <a:sym typeface="Calibri"/>
-              </a:defRPr>
-            </a:lvl2pPr>
-            <a:lvl3pPr marL="0" marR="0" indent="0" algn="ctr" defTabSz="457200" rtl="0" latinLnBrk="0">
-              <a:lnSpc>
-                <a:spcPct val="100000"/>
-              </a:lnSpc>
-              <a:spcBef>
-                <a:spcPts val="0"/>
-              </a:spcBef>
-              <a:spcAft>
-                <a:spcPts val="0"/>
-              </a:spcAft>
-              <a:buClrTx/>
-              <a:buSzTx/>
-              <a:buFontTx/>
-              <a:buNone/>
-              <a:defRPr sz="4400" b="0" i="0" u="none" strike="noStrike" cap="none" spc="0" baseline="0">
-                <a:ln>
-                  <a:noFill/>
-                </a:ln>
-                <a:solidFill>
-                  <a:srgbClr val="000000"/>
-                </a:solidFill>
-                <a:uFillTx/>
-                <a:latin typeface="+mj-lt"/>
-                <a:ea typeface="+mj-ea"/>
-                <a:cs typeface="+mj-cs"/>
-                <a:sym typeface="Calibri"/>
-              </a:defRPr>
-            </a:lvl3pPr>
-            <a:lvl4pPr marL="0" marR="0" indent="0" algn="ctr" defTabSz="457200" rtl="0" latinLnBrk="0">
-              <a:lnSpc>
-                <a:spcPct val="100000"/>
-              </a:lnSpc>
-              <a:spcBef>
-                <a:spcPts val="0"/>
-              </a:spcBef>
-              <a:spcAft>
-                <a:spcPts val="0"/>
-              </a:spcAft>
-              <a:buClrTx/>
-              <a:buSzTx/>
-              <a:buFontTx/>
-              <a:buNone/>
-              <a:defRPr sz="4400" b="0" i="0" u="none" strike="noStrike" cap="none" spc="0" baseline="0">
-                <a:ln>
-                  <a:noFill/>
-                </a:ln>
-                <a:solidFill>
-                  <a:srgbClr val="000000"/>
-                </a:solidFill>
-                <a:uFillTx/>
-                <a:latin typeface="+mj-lt"/>
-                <a:ea typeface="+mj-ea"/>
-                <a:cs typeface="+mj-cs"/>
-                <a:sym typeface="Calibri"/>
-              </a:defRPr>
-            </a:lvl4pPr>
-            <a:lvl5pPr marL="0" marR="0" indent="0" algn="ctr" defTabSz="457200" rtl="0" latinLnBrk="0">
-              <a:lnSpc>
-                <a:spcPct val="100000"/>
-              </a:lnSpc>
-              <a:spcBef>
-                <a:spcPts val="0"/>
-              </a:spcBef>
-              <a:spcAft>
-                <a:spcPts val="0"/>
-              </a:spcAft>
-              <a:buClrTx/>
-              <a:buSzTx/>
-              <a:buFontTx/>
-              <a:buNone/>
-              <a:defRPr sz="4400" b="0" i="0" u="none" strike="noStrike" cap="none" spc="0" baseline="0">
-                <a:ln>
-                  <a:noFill/>
-                </a:ln>
-                <a:solidFill>
-                  <a:srgbClr val="000000"/>
-                </a:solidFill>
-                <a:uFillTx/>
-                <a:latin typeface="+mj-lt"/>
-                <a:ea typeface="+mj-ea"/>
-                <a:cs typeface="+mj-cs"/>
-                <a:sym typeface="Calibri"/>
-              </a:defRPr>
-            </a:lvl5pPr>
-            <a:lvl6pPr marL="0" marR="0" indent="0" algn="ctr" defTabSz="457200" rtl="0" latinLnBrk="0">
-              <a:lnSpc>
-                <a:spcPct val="100000"/>
-              </a:lnSpc>
-              <a:spcBef>
-                <a:spcPts val="0"/>
-              </a:spcBef>
-              <a:spcAft>
-                <a:spcPts val="0"/>
-              </a:spcAft>
-              <a:buClrTx/>
-              <a:buSzTx/>
-              <a:buFontTx/>
-              <a:buNone/>
-              <a:defRPr sz="4400" b="0" i="0" u="none" strike="noStrike" cap="none" spc="0" baseline="0">
-                <a:ln>
-                  <a:noFill/>
-                </a:ln>
-                <a:solidFill>
-                  <a:srgbClr val="000000"/>
-                </a:solidFill>
-                <a:uFillTx/>
-                <a:latin typeface="+mj-lt"/>
-                <a:ea typeface="+mj-ea"/>
-                <a:cs typeface="+mj-cs"/>
-                <a:sym typeface="Calibri"/>
-              </a:defRPr>
-            </a:lvl6pPr>
-            <a:lvl7pPr marL="0" marR="0" indent="0" algn="ctr" defTabSz="457200" rtl="0" latinLnBrk="0">
-              <a:lnSpc>
-                <a:spcPct val="100000"/>
-              </a:lnSpc>
-              <a:spcBef>
-                <a:spcPts val="0"/>
-              </a:spcBef>
-              <a:spcAft>
-                <a:spcPts val="0"/>
-              </a:spcAft>
-              <a:buClrTx/>
-              <a:buSzTx/>
-              <a:buFontTx/>
-              <a:buNone/>
-              <a:defRPr sz="4400" b="0" i="0" u="none" strike="noStrike" cap="none" spc="0" baseline="0">
-                <a:ln>
-                  <a:noFill/>
-                </a:ln>
-                <a:solidFill>
-                  <a:srgbClr val="000000"/>
-                </a:solidFill>
-                <a:uFillTx/>
-                <a:latin typeface="+mj-lt"/>
-                <a:ea typeface="+mj-ea"/>
-                <a:cs typeface="+mj-cs"/>
-                <a:sym typeface="Calibri"/>
-              </a:defRPr>
-            </a:lvl7pPr>
-            <a:lvl8pPr marL="0" marR="0" indent="0" algn="ctr" defTabSz="457200" rtl="0" latinLnBrk="0">
-              <a:lnSpc>
-                <a:spcPct val="100000"/>
-              </a:lnSpc>
-              <a:spcBef>
-                <a:spcPts val="0"/>
-              </a:spcBef>
-              <a:spcAft>
-                <a:spcPts val="0"/>
-              </a:spcAft>
-              <a:buClrTx/>
-              <a:buSzTx/>
-              <a:buFontTx/>
-              <a:buNone/>
-              <a:defRPr sz="4400" b="0" i="0" u="none" strike="noStrike" cap="none" spc="0" baseline="0">
-                <a:ln>
-                  <a:noFill/>
-                </a:ln>
-                <a:solidFill>
-                  <a:srgbClr val="000000"/>
-                </a:solidFill>
-                <a:uFillTx/>
-                <a:latin typeface="+mj-lt"/>
-                <a:ea typeface="+mj-ea"/>
-                <a:cs typeface="+mj-cs"/>
-                <a:sym typeface="Calibri"/>
-              </a:defRPr>
-            </a:lvl8pPr>
-            <a:lvl9pPr marL="0" marR="0" indent="0" algn="ctr" defTabSz="457200" rtl="0" latinLnBrk="0">
-              <a:lnSpc>
-                <a:spcPct val="100000"/>
-              </a:lnSpc>
-              <a:spcBef>
-                <a:spcPts val="0"/>
-              </a:spcBef>
-              <a:spcAft>
-                <a:spcPts val="0"/>
-              </a:spcAft>
-              <a:buClrTx/>
-              <a:buSzTx/>
-              <a:buFontTx/>
-              <a:buNone/>
-              <a:defRPr sz="4400" b="0" i="0" u="none" strike="noStrike" cap="none" spc="0" baseline="0">
-                <a:ln>
-                  <a:noFill/>
-                </a:ln>
-                <a:solidFill>
-                  <a:srgbClr val="000000"/>
-                </a:solidFill>
-                <a:uFillTx/>
-                <a:latin typeface="+mj-lt"/>
-                <a:ea typeface="+mj-ea"/>
-                <a:cs typeface="+mj-cs"/>
-                <a:sym typeface="Calibri"/>
-              </a:defRPr>
-            </a:lvl9pPr>
-          </a:lstStyle>
-          <a:p>
-            <a:pPr algn="r" hangingPunct="1"/>
-            <a:r>
-              <a:rPr lang="pt-BR" sz="2000" b="1" dirty="0">
-                <a:solidFill>
-                  <a:schemeClr val="bg1"/>
-                </a:solidFill>
-              </a:rPr>
-              <a:t>Professor </a:t>
-            </a:r>
-            <a:r>
-              <a:rPr lang="pt-BR" sz="2000" b="1">
-                <a:solidFill>
-                  <a:schemeClr val="bg1"/>
-                </a:solidFill>
-              </a:rPr>
-              <a:t>M.Sc</a:t>
-            </a:r>
-            <a:r>
-              <a:rPr lang="pt-BR" sz="2000" b="1" dirty="0">
-                <a:solidFill>
-                  <a:schemeClr val="bg1"/>
-                </a:solidFill>
-              </a:rPr>
-              <a:t>. Heleno Cardoso</a:t>
-            </a:r>
-          </a:p>
-        </p:txBody>
-      </p:sp>
-      <p:pic>
-        <p:nvPicPr>
-          <p:cNvPr id="2" name="Google Shape;62;p1" descr="Imagem">
-            <a:extLst>
-              <a:ext uri="{FF2B5EF4-FFF2-40B4-BE49-F238E27FC236}">
-                <a16:creationId xmlns:a16="http://schemas.microsoft.com/office/drawing/2014/main" id="{9C895622-2963-024D-634E-EA58F5381D06}"/>
-              </a:ext>
-            </a:extLst>
-          </p:cNvPr>
-          <p:cNvPicPr preferRelativeResize="0"/>
-          <p:nvPr/>
-        </p:nvPicPr>
-        <p:blipFill rotWithShape="1">
-          <a:blip r:embed="rId4">
-            <a:alphaModFix/>
-          </a:blip>
-          <a:srcRect/>
-          <a:stretch/>
-        </p:blipFill>
-        <p:spPr>
-          <a:xfrm>
-            <a:off x="469898" y="343798"/>
-            <a:ext cx="2858518" cy="1338697"/>
-          </a:xfrm>
-          <a:prstGeom prst="rect">
-            <a:avLst/>
-          </a:prstGeom>
-          <a:noFill/>
-          <a:ln>
-            <a:noFill/>
-          </a:ln>
-        </p:spPr>
-      </p:pic>
-    </p:spTree>
   </p:cSld>
   <p:clrMapOvr>
     <a:masterClrMapping/>
